--- a/book/assets/Presentation1.pptx
+++ b/book/assets/Presentation1.pptx
@@ -104,6 +104,11 @@
       </a:defRPr>
     </a:lvl9pPr>
   </p:defaultTextStyle>
+  <p:extLst>
+    <p:ext uri="{EFAFB233-063F-42B5-8137-9DF3F51BA10A}">
+      <p15:sldGuideLst xmlns:p15="http://schemas.microsoft.com/office/powerpoint/2012/main"/>
+    </p:ext>
+  </p:extLst>
 </p:presentation>
 </file>
 
@@ -238,7 +243,7 @@
           <a:p>
             <a:fld id="{B23D9760-FF74-A945-B648-430B90E24A94}" type="datetimeFigureOut">
               <a:rPr lang="en-US" smtClean="0"/>
-              <a:t>1/13/23</a:t>
+              <a:t>3/3/23</a:t>
             </a:fld>
             <a:endParaRPr lang="en-US"/>
           </a:p>
@@ -408,7 +413,7 @@
           <a:p>
             <a:fld id="{B23D9760-FF74-A945-B648-430B90E24A94}" type="datetimeFigureOut">
               <a:rPr lang="en-US" smtClean="0"/>
-              <a:t>1/13/23</a:t>
+              <a:t>3/3/23</a:t>
             </a:fld>
             <a:endParaRPr lang="en-US"/>
           </a:p>
@@ -588,7 +593,7 @@
           <a:p>
             <a:fld id="{B23D9760-FF74-A945-B648-430B90E24A94}" type="datetimeFigureOut">
               <a:rPr lang="en-US" smtClean="0"/>
-              <a:t>1/13/23</a:t>
+              <a:t>3/3/23</a:t>
             </a:fld>
             <a:endParaRPr lang="en-US"/>
           </a:p>
@@ -758,7 +763,7 @@
           <a:p>
             <a:fld id="{B23D9760-FF74-A945-B648-430B90E24A94}" type="datetimeFigureOut">
               <a:rPr lang="en-US" smtClean="0"/>
-              <a:t>1/13/23</a:t>
+              <a:t>3/3/23</a:t>
             </a:fld>
             <a:endParaRPr lang="en-US"/>
           </a:p>
@@ -1002,7 +1007,7 @@
           <a:p>
             <a:fld id="{B23D9760-FF74-A945-B648-430B90E24A94}" type="datetimeFigureOut">
               <a:rPr lang="en-US" smtClean="0"/>
-              <a:t>1/13/23</a:t>
+              <a:t>3/3/23</a:t>
             </a:fld>
             <a:endParaRPr lang="en-US"/>
           </a:p>
@@ -1234,7 +1239,7 @@
           <a:p>
             <a:fld id="{B23D9760-FF74-A945-B648-430B90E24A94}" type="datetimeFigureOut">
               <a:rPr lang="en-US" smtClean="0"/>
-              <a:t>1/13/23</a:t>
+              <a:t>3/3/23</a:t>
             </a:fld>
             <a:endParaRPr lang="en-US"/>
           </a:p>
@@ -1601,7 +1606,7 @@
           <a:p>
             <a:fld id="{B23D9760-FF74-A945-B648-430B90E24A94}" type="datetimeFigureOut">
               <a:rPr lang="en-US" smtClean="0"/>
-              <a:t>1/13/23</a:t>
+              <a:t>3/3/23</a:t>
             </a:fld>
             <a:endParaRPr lang="en-US"/>
           </a:p>
@@ -1719,7 +1724,7 @@
           <a:p>
             <a:fld id="{B23D9760-FF74-A945-B648-430B90E24A94}" type="datetimeFigureOut">
               <a:rPr lang="en-US" smtClean="0"/>
-              <a:t>1/13/23</a:t>
+              <a:t>3/3/23</a:t>
             </a:fld>
             <a:endParaRPr lang="en-US"/>
           </a:p>
@@ -1814,7 +1819,7 @@
           <a:p>
             <a:fld id="{B23D9760-FF74-A945-B648-430B90E24A94}" type="datetimeFigureOut">
               <a:rPr lang="en-US" smtClean="0"/>
-              <a:t>1/13/23</a:t>
+              <a:t>3/3/23</a:t>
             </a:fld>
             <a:endParaRPr lang="en-US"/>
           </a:p>
@@ -2091,7 +2096,7 @@
           <a:p>
             <a:fld id="{B23D9760-FF74-A945-B648-430B90E24A94}" type="datetimeFigureOut">
               <a:rPr lang="en-US" smtClean="0"/>
-              <a:t>1/13/23</a:t>
+              <a:t>3/3/23</a:t>
             </a:fld>
             <a:endParaRPr lang="en-US"/>
           </a:p>
@@ -2348,7 +2353,7 @@
           <a:p>
             <a:fld id="{B23D9760-FF74-A945-B648-430B90E24A94}" type="datetimeFigureOut">
               <a:rPr lang="en-US" smtClean="0"/>
-              <a:t>1/13/23</a:t>
+              <a:t>3/3/23</a:t>
             </a:fld>
             <a:endParaRPr lang="en-US"/>
           </a:p>
@@ -2561,7 +2566,7 @@
           <a:p>
             <a:fld id="{B23D9760-FF74-A945-B648-430B90E24A94}" type="datetimeFigureOut">
               <a:rPr lang="en-US" smtClean="0"/>
-              <a:t>1/13/23</a:t>
+              <a:t>3/3/23</a:t>
             </a:fld>
             <a:endParaRPr lang="en-US"/>
           </a:p>
@@ -2980,7 +2985,7 @@
         </p:nvGrpSpPr>
         <p:grpSpPr>
           <a:xfrm>
-            <a:off x="464233" y="-1819556"/>
+            <a:off x="464233" y="-1126829"/>
             <a:ext cx="7920000" cy="10080000"/>
             <a:chOff x="464233" y="-1819556"/>
             <a:chExt cx="7920000" cy="10080000"/>
@@ -3108,8 +3113,8 @@
           </p:nvSpPr>
           <p:spPr>
             <a:xfrm>
-              <a:off x="609600" y="1134533"/>
-              <a:ext cx="6451600" cy="1091231"/>
+              <a:off x="609600" y="1182624"/>
+              <a:ext cx="6437376" cy="769441"/>
             </a:xfrm>
             <a:prstGeom prst="rect">
               <a:avLst/>
@@ -3129,7 +3134,14 @@
             </a:bodyPr>
             <a:lstStyle/>
             <a:p>
-              <a:endParaRPr lang="en-US" dirty="0"/>
+              <a:r>
+                <a:rPr lang="en-US" sz="4400" dirty="0">
+                  <a:solidFill>
+                    <a:schemeClr val="bg1"/>
+                  </a:solidFill>
+                </a:rPr>
+                <a:t>--TEMPLATE FOR COVER--</a:t>
+              </a:r>
             </a:p>
           </p:txBody>
         </p:sp>
@@ -3169,7 +3181,7 @@
                   <a:latin typeface="Roboto Light" panose="02000000000000000000" pitchFamily="2" charset="0"/>
                   <a:ea typeface="Roboto Light" panose="02000000000000000000" pitchFamily="2" charset="0"/>
                 </a:rPr>
-                <a:t>Environmental sensor data analysis with R</a:t>
+                <a:t>Environmental sensor data management and analysis with R</a:t>
               </a:r>
             </a:p>
           </p:txBody>

--- a/book/assets/Presentation1.pptx
+++ b/book/assets/Presentation1.pptx
@@ -2,12 +2,17 @@
 <file path=ppt/presentation.xml><?xml version="1.0" encoding="utf-8"?>
 <p:presentation xmlns:a="http://schemas.openxmlformats.org/drawingml/2006/main" xmlns:r="http://schemas.openxmlformats.org/officeDocument/2006/relationships" xmlns:p="http://schemas.openxmlformats.org/presentationml/2006/main" saveSubsetFonts="1" autoCompressPictures="0">
   <p:sldMasterIdLst>
-    <p:sldMasterId id="2147483660" r:id="rId1"/>
+    <p:sldMasterId id="2147483648" r:id="rId1"/>
   </p:sldMasterIdLst>
   <p:sldIdLst>
     <p:sldId id="256" r:id="rId2"/>
+    <p:sldId id="257" r:id="rId3"/>
+    <p:sldId id="258" r:id="rId4"/>
+    <p:sldId id="261" r:id="rId5"/>
+    <p:sldId id="259" r:id="rId6"/>
+    <p:sldId id="262" r:id="rId7"/>
   </p:sldIdLst>
-  <p:sldSz cx="9144000" cy="6858000" type="letter"/>
+  <p:sldSz cx="12192000" cy="6858000"/>
   <p:notesSz cx="6858000" cy="9144000"/>
   <p:defaultTextStyle>
     <a:defPPr>
@@ -131,7 +136,13 @@
       </p:grpSpPr>
       <p:sp>
         <p:nvSpPr>
-          <p:cNvPr id="2" name="Title 1"/>
+          <p:cNvPr id="2" name="Title 1">
+            <a:extLst>
+              <a:ext uri="{FF2B5EF4-FFF2-40B4-BE49-F238E27FC236}">
+                <a16:creationId xmlns:a16="http://schemas.microsoft.com/office/drawing/2014/main" id="{D2E191BD-158D-DC4E-8C82-F1781C549DE2}"/>
+              </a:ext>
+            </a:extLst>
+          </p:cNvPr>
           <p:cNvSpPr>
             <a:spLocks noGrp="1"/>
           </p:cNvSpPr>
@@ -141,8 +152,8 @@
         </p:nvSpPr>
         <p:spPr>
           <a:xfrm>
-            <a:off x="685800" y="1122363"/>
-            <a:ext cx="7772400" cy="2387600"/>
+            <a:off x="1524000" y="1122363"/>
+            <a:ext cx="9144000" cy="2387600"/>
           </a:xfrm>
         </p:spPr>
         <p:txBody>
@@ -157,13 +168,18 @@
               <a:rPr lang="en-US"/>
               <a:t>Click to edit Master title style</a:t>
             </a:r>
-            <a:endParaRPr lang="en-US" dirty="0"/>
-          </a:p>
-        </p:txBody>
-      </p:sp>
-      <p:sp>
-        <p:nvSpPr>
-          <p:cNvPr id="3" name="Subtitle 2"/>
+          </a:p>
+        </p:txBody>
+      </p:sp>
+      <p:sp>
+        <p:nvSpPr>
+          <p:cNvPr id="3" name="Subtitle 2">
+            <a:extLst>
+              <a:ext uri="{FF2B5EF4-FFF2-40B4-BE49-F238E27FC236}">
+                <a16:creationId xmlns:a16="http://schemas.microsoft.com/office/drawing/2014/main" id="{B7CB60E9-9DC9-CA45-ADDA-7EEBCAFB4E37}"/>
+              </a:ext>
+            </a:extLst>
+          </p:cNvPr>
           <p:cNvSpPr>
             <a:spLocks noGrp="1"/>
           </p:cNvSpPr>
@@ -173,8 +189,8 @@
         </p:nvSpPr>
         <p:spPr>
           <a:xfrm>
-            <a:off x="1143000" y="3602038"/>
-            <a:ext cx="6858000" cy="1655762"/>
+            <a:off x="1524000" y="3602038"/>
+            <a:ext cx="9144000" cy="1655762"/>
           </a:xfrm>
         </p:spPr>
         <p:txBody>
@@ -222,13 +238,18 @@
               <a:rPr lang="en-US"/>
               <a:t>Click to edit Master subtitle style</a:t>
             </a:r>
-            <a:endParaRPr lang="en-US" dirty="0"/>
-          </a:p>
-        </p:txBody>
-      </p:sp>
-      <p:sp>
-        <p:nvSpPr>
-          <p:cNvPr id="4" name="Date Placeholder 3"/>
+          </a:p>
+        </p:txBody>
+      </p:sp>
+      <p:sp>
+        <p:nvSpPr>
+          <p:cNvPr id="4" name="Date Placeholder 3">
+            <a:extLst>
+              <a:ext uri="{FF2B5EF4-FFF2-40B4-BE49-F238E27FC236}">
+                <a16:creationId xmlns:a16="http://schemas.microsoft.com/office/drawing/2014/main" id="{BE7887C8-3B47-B24C-8DC9-AB4B37DE89A2}"/>
+              </a:ext>
+            </a:extLst>
+          </p:cNvPr>
           <p:cNvSpPr>
             <a:spLocks noGrp="1"/>
           </p:cNvSpPr>
@@ -241,9 +262,9 @@
           <a:bodyPr/>
           <a:lstStyle/>
           <a:p>
-            <a:fld id="{B23D9760-FF74-A945-B648-430B90E24A94}" type="datetimeFigureOut">
+            <a:fld id="{303D7DAC-2925-7E4D-88C9-53611B8DDF89}" type="datetimeFigureOut">
               <a:rPr lang="en-US" smtClean="0"/>
-              <a:t>3/3/23</a:t>
+              <a:t>4/5/23</a:t>
             </a:fld>
             <a:endParaRPr lang="en-US"/>
           </a:p>
@@ -251,7 +272,13 @@
       </p:sp>
       <p:sp>
         <p:nvSpPr>
-          <p:cNvPr id="5" name="Footer Placeholder 4"/>
+          <p:cNvPr id="5" name="Footer Placeholder 4">
+            <a:extLst>
+              <a:ext uri="{FF2B5EF4-FFF2-40B4-BE49-F238E27FC236}">
+                <a16:creationId xmlns:a16="http://schemas.microsoft.com/office/drawing/2014/main" id="{5C5E9139-6ABF-894B-9E7C-C780C6B609DE}"/>
+              </a:ext>
+            </a:extLst>
+          </p:cNvPr>
           <p:cNvSpPr>
             <a:spLocks noGrp="1"/>
           </p:cNvSpPr>
@@ -270,7 +297,13 @@
       </p:sp>
       <p:sp>
         <p:nvSpPr>
-          <p:cNvPr id="6" name="Slide Number Placeholder 5"/>
+          <p:cNvPr id="6" name="Slide Number Placeholder 5">
+            <a:extLst>
+              <a:ext uri="{FF2B5EF4-FFF2-40B4-BE49-F238E27FC236}">
+                <a16:creationId xmlns:a16="http://schemas.microsoft.com/office/drawing/2014/main" id="{FCC4C421-3CFA-1942-B239-A864DBAAE8A9}"/>
+              </a:ext>
+            </a:extLst>
+          </p:cNvPr>
           <p:cNvSpPr>
             <a:spLocks noGrp="1"/>
           </p:cNvSpPr>
@@ -283,7 +316,7 @@
           <a:bodyPr/>
           <a:lstStyle/>
           <a:p>
-            <a:fld id="{98E85D06-C739-0643-9E68-73D46CEE9009}" type="slidenum">
+            <a:fld id="{8AF81BBA-B4BC-C14F-8256-1AA858B9C697}" type="slidenum">
               <a:rPr lang="en-US" smtClean="0"/>
               <a:t>‹#›</a:t>
             </a:fld>
@@ -294,7 +327,7 @@
     </p:spTree>
     <p:extLst>
       <p:ext uri="{BB962C8B-B14F-4D97-AF65-F5344CB8AC3E}">
-        <p14:creationId xmlns:p14="http://schemas.microsoft.com/office/powerpoint/2010/main" val="733822282"/>
+        <p14:creationId xmlns:p14="http://schemas.microsoft.com/office/powerpoint/2010/main" val="3190033448"/>
       </p:ext>
     </p:extLst>
   </p:cSld>
@@ -323,7 +356,13 @@
       </p:grpSpPr>
       <p:sp>
         <p:nvSpPr>
-          <p:cNvPr id="2" name="Title 1"/>
+          <p:cNvPr id="2" name="Title 1">
+            <a:extLst>
+              <a:ext uri="{FF2B5EF4-FFF2-40B4-BE49-F238E27FC236}">
+                <a16:creationId xmlns:a16="http://schemas.microsoft.com/office/drawing/2014/main" id="{3615F10D-9A49-C34B-888F-AA628F68240E}"/>
+              </a:ext>
+            </a:extLst>
+          </p:cNvPr>
           <p:cNvSpPr>
             <a:spLocks noGrp="1"/>
           </p:cNvSpPr>
@@ -340,13 +379,18 @@
               <a:rPr lang="en-US"/>
               <a:t>Click to edit Master title style</a:t>
             </a:r>
-            <a:endParaRPr lang="en-US" dirty="0"/>
-          </a:p>
-        </p:txBody>
-      </p:sp>
-      <p:sp>
-        <p:nvSpPr>
-          <p:cNvPr id="3" name="Vertical Text Placeholder 2"/>
+          </a:p>
+        </p:txBody>
+      </p:sp>
+      <p:sp>
+        <p:nvSpPr>
+          <p:cNvPr id="3" name="Vertical Text Placeholder 2">
+            <a:extLst>
+              <a:ext uri="{FF2B5EF4-FFF2-40B4-BE49-F238E27FC236}">
+                <a16:creationId xmlns:a16="http://schemas.microsoft.com/office/drawing/2014/main" id="{CC474862-53B6-D941-A826-5345FA652F34}"/>
+              </a:ext>
+            </a:extLst>
+          </p:cNvPr>
           <p:cNvSpPr>
             <a:spLocks noGrp="1"/>
           </p:cNvSpPr>
@@ -392,13 +436,18 @@
               <a:rPr lang="en-US"/>
               <a:t>Fifth level</a:t>
             </a:r>
-            <a:endParaRPr lang="en-US" dirty="0"/>
-          </a:p>
-        </p:txBody>
-      </p:sp>
-      <p:sp>
-        <p:nvSpPr>
-          <p:cNvPr id="4" name="Date Placeholder 3"/>
+          </a:p>
+        </p:txBody>
+      </p:sp>
+      <p:sp>
+        <p:nvSpPr>
+          <p:cNvPr id="4" name="Date Placeholder 3">
+            <a:extLst>
+              <a:ext uri="{FF2B5EF4-FFF2-40B4-BE49-F238E27FC236}">
+                <a16:creationId xmlns:a16="http://schemas.microsoft.com/office/drawing/2014/main" id="{BF9CEC14-BB15-4A42-93F9-75B3B70DF7FD}"/>
+              </a:ext>
+            </a:extLst>
+          </p:cNvPr>
           <p:cNvSpPr>
             <a:spLocks noGrp="1"/>
           </p:cNvSpPr>
@@ -411,9 +460,9 @@
           <a:bodyPr/>
           <a:lstStyle/>
           <a:p>
-            <a:fld id="{B23D9760-FF74-A945-B648-430B90E24A94}" type="datetimeFigureOut">
+            <a:fld id="{303D7DAC-2925-7E4D-88C9-53611B8DDF89}" type="datetimeFigureOut">
               <a:rPr lang="en-US" smtClean="0"/>
-              <a:t>3/3/23</a:t>
+              <a:t>4/5/23</a:t>
             </a:fld>
             <a:endParaRPr lang="en-US"/>
           </a:p>
@@ -421,7 +470,13 @@
       </p:sp>
       <p:sp>
         <p:nvSpPr>
-          <p:cNvPr id="5" name="Footer Placeholder 4"/>
+          <p:cNvPr id="5" name="Footer Placeholder 4">
+            <a:extLst>
+              <a:ext uri="{FF2B5EF4-FFF2-40B4-BE49-F238E27FC236}">
+                <a16:creationId xmlns:a16="http://schemas.microsoft.com/office/drawing/2014/main" id="{05DD2C2A-58B2-DE4E-A2B1-2E4444B7A77C}"/>
+              </a:ext>
+            </a:extLst>
+          </p:cNvPr>
           <p:cNvSpPr>
             <a:spLocks noGrp="1"/>
           </p:cNvSpPr>
@@ -440,7 +495,13 @@
       </p:sp>
       <p:sp>
         <p:nvSpPr>
-          <p:cNvPr id="6" name="Slide Number Placeholder 5"/>
+          <p:cNvPr id="6" name="Slide Number Placeholder 5">
+            <a:extLst>
+              <a:ext uri="{FF2B5EF4-FFF2-40B4-BE49-F238E27FC236}">
+                <a16:creationId xmlns:a16="http://schemas.microsoft.com/office/drawing/2014/main" id="{36804734-A306-AC4C-84B0-D6EE1C2947DD}"/>
+              </a:ext>
+            </a:extLst>
+          </p:cNvPr>
           <p:cNvSpPr>
             <a:spLocks noGrp="1"/>
           </p:cNvSpPr>
@@ -453,7 +514,7 @@
           <a:bodyPr/>
           <a:lstStyle/>
           <a:p>
-            <a:fld id="{98E85D06-C739-0643-9E68-73D46CEE9009}" type="slidenum">
+            <a:fld id="{8AF81BBA-B4BC-C14F-8256-1AA858B9C697}" type="slidenum">
               <a:rPr lang="en-US" smtClean="0"/>
               <a:t>‹#›</a:t>
             </a:fld>
@@ -464,7 +525,7 @@
     </p:spTree>
     <p:extLst>
       <p:ext uri="{BB962C8B-B14F-4D97-AF65-F5344CB8AC3E}">
-        <p14:creationId xmlns:p14="http://schemas.microsoft.com/office/powerpoint/2010/main" val="1993232462"/>
+        <p14:creationId xmlns:p14="http://schemas.microsoft.com/office/powerpoint/2010/main" val="2080580894"/>
       </p:ext>
     </p:extLst>
   </p:cSld>
@@ -493,7 +554,13 @@
       </p:grpSpPr>
       <p:sp>
         <p:nvSpPr>
-          <p:cNvPr id="2" name="Vertical Title 1"/>
+          <p:cNvPr id="2" name="Vertical Title 1">
+            <a:extLst>
+              <a:ext uri="{FF2B5EF4-FFF2-40B4-BE49-F238E27FC236}">
+                <a16:creationId xmlns:a16="http://schemas.microsoft.com/office/drawing/2014/main" id="{EA9D1C49-BE14-7B4D-93FB-0A4ABFEB07FD}"/>
+              </a:ext>
+            </a:extLst>
+          </p:cNvPr>
           <p:cNvSpPr>
             <a:spLocks noGrp="1"/>
           </p:cNvSpPr>
@@ -503,8 +570,8 @@
         </p:nvSpPr>
         <p:spPr>
           <a:xfrm>
-            <a:off x="6543675" y="365125"/>
-            <a:ext cx="1971675" cy="5811838"/>
+            <a:off x="8724900" y="365125"/>
+            <a:ext cx="2628900" cy="5811838"/>
           </a:xfrm>
         </p:spPr>
         <p:txBody>
@@ -515,13 +582,18 @@
               <a:rPr lang="en-US"/>
               <a:t>Click to edit Master title style</a:t>
             </a:r>
-            <a:endParaRPr lang="en-US" dirty="0"/>
-          </a:p>
-        </p:txBody>
-      </p:sp>
-      <p:sp>
-        <p:nvSpPr>
-          <p:cNvPr id="3" name="Vertical Text Placeholder 2"/>
+          </a:p>
+        </p:txBody>
+      </p:sp>
+      <p:sp>
+        <p:nvSpPr>
+          <p:cNvPr id="3" name="Vertical Text Placeholder 2">
+            <a:extLst>
+              <a:ext uri="{FF2B5EF4-FFF2-40B4-BE49-F238E27FC236}">
+                <a16:creationId xmlns:a16="http://schemas.microsoft.com/office/drawing/2014/main" id="{AA6DA009-AC57-ED41-94FA-0248616D5858}"/>
+              </a:ext>
+            </a:extLst>
+          </p:cNvPr>
           <p:cNvSpPr>
             <a:spLocks noGrp="1"/>
           </p:cNvSpPr>
@@ -531,8 +603,8 @@
         </p:nvSpPr>
         <p:spPr>
           <a:xfrm>
-            <a:off x="628650" y="365125"/>
-            <a:ext cx="5800725" cy="5811838"/>
+            <a:off x="838200" y="365125"/>
+            <a:ext cx="7734300" cy="5811838"/>
           </a:xfrm>
         </p:spPr>
         <p:txBody>
@@ -572,13 +644,18 @@
               <a:rPr lang="en-US"/>
               <a:t>Fifth level</a:t>
             </a:r>
-            <a:endParaRPr lang="en-US" dirty="0"/>
-          </a:p>
-        </p:txBody>
-      </p:sp>
-      <p:sp>
-        <p:nvSpPr>
-          <p:cNvPr id="4" name="Date Placeholder 3"/>
+          </a:p>
+        </p:txBody>
+      </p:sp>
+      <p:sp>
+        <p:nvSpPr>
+          <p:cNvPr id="4" name="Date Placeholder 3">
+            <a:extLst>
+              <a:ext uri="{FF2B5EF4-FFF2-40B4-BE49-F238E27FC236}">
+                <a16:creationId xmlns:a16="http://schemas.microsoft.com/office/drawing/2014/main" id="{7007441C-648B-4D41-B827-EF1F4CFC59CD}"/>
+              </a:ext>
+            </a:extLst>
+          </p:cNvPr>
           <p:cNvSpPr>
             <a:spLocks noGrp="1"/>
           </p:cNvSpPr>
@@ -591,9 +668,9 @@
           <a:bodyPr/>
           <a:lstStyle/>
           <a:p>
-            <a:fld id="{B23D9760-FF74-A945-B648-430B90E24A94}" type="datetimeFigureOut">
+            <a:fld id="{303D7DAC-2925-7E4D-88C9-53611B8DDF89}" type="datetimeFigureOut">
               <a:rPr lang="en-US" smtClean="0"/>
-              <a:t>3/3/23</a:t>
+              <a:t>4/5/23</a:t>
             </a:fld>
             <a:endParaRPr lang="en-US"/>
           </a:p>
@@ -601,7 +678,13 @@
       </p:sp>
       <p:sp>
         <p:nvSpPr>
-          <p:cNvPr id="5" name="Footer Placeholder 4"/>
+          <p:cNvPr id="5" name="Footer Placeholder 4">
+            <a:extLst>
+              <a:ext uri="{FF2B5EF4-FFF2-40B4-BE49-F238E27FC236}">
+                <a16:creationId xmlns:a16="http://schemas.microsoft.com/office/drawing/2014/main" id="{0F8F1023-940E-024B-8974-5804D3D70D2A}"/>
+              </a:ext>
+            </a:extLst>
+          </p:cNvPr>
           <p:cNvSpPr>
             <a:spLocks noGrp="1"/>
           </p:cNvSpPr>
@@ -620,7 +703,13 @@
       </p:sp>
       <p:sp>
         <p:nvSpPr>
-          <p:cNvPr id="6" name="Slide Number Placeholder 5"/>
+          <p:cNvPr id="6" name="Slide Number Placeholder 5">
+            <a:extLst>
+              <a:ext uri="{FF2B5EF4-FFF2-40B4-BE49-F238E27FC236}">
+                <a16:creationId xmlns:a16="http://schemas.microsoft.com/office/drawing/2014/main" id="{E0C95337-A294-E94A-8125-48EA20E2A1D4}"/>
+              </a:ext>
+            </a:extLst>
+          </p:cNvPr>
           <p:cNvSpPr>
             <a:spLocks noGrp="1"/>
           </p:cNvSpPr>
@@ -633,7 +722,7 @@
           <a:bodyPr/>
           <a:lstStyle/>
           <a:p>
-            <a:fld id="{98E85D06-C739-0643-9E68-73D46CEE9009}" type="slidenum">
+            <a:fld id="{8AF81BBA-B4BC-C14F-8256-1AA858B9C697}" type="slidenum">
               <a:rPr lang="en-US" smtClean="0"/>
               <a:t>‹#›</a:t>
             </a:fld>
@@ -644,7 +733,7 @@
     </p:spTree>
     <p:extLst>
       <p:ext uri="{BB962C8B-B14F-4D97-AF65-F5344CB8AC3E}">
-        <p14:creationId xmlns:p14="http://schemas.microsoft.com/office/powerpoint/2010/main" val="2693729879"/>
+        <p14:creationId xmlns:p14="http://schemas.microsoft.com/office/powerpoint/2010/main" val="3251577019"/>
       </p:ext>
     </p:extLst>
   </p:cSld>
@@ -673,7 +762,13 @@
       </p:grpSpPr>
       <p:sp>
         <p:nvSpPr>
-          <p:cNvPr id="2" name="Title 1"/>
+          <p:cNvPr id="2" name="Title 1">
+            <a:extLst>
+              <a:ext uri="{FF2B5EF4-FFF2-40B4-BE49-F238E27FC236}">
+                <a16:creationId xmlns:a16="http://schemas.microsoft.com/office/drawing/2014/main" id="{EAAAF22F-06E1-5040-BBC9-743613F21A91}"/>
+              </a:ext>
+            </a:extLst>
+          </p:cNvPr>
           <p:cNvSpPr>
             <a:spLocks noGrp="1"/>
           </p:cNvSpPr>
@@ -690,13 +785,18 @@
               <a:rPr lang="en-US"/>
               <a:t>Click to edit Master title style</a:t>
             </a:r>
-            <a:endParaRPr lang="en-US" dirty="0"/>
-          </a:p>
-        </p:txBody>
-      </p:sp>
-      <p:sp>
-        <p:nvSpPr>
-          <p:cNvPr id="3" name="Content Placeholder 2"/>
+          </a:p>
+        </p:txBody>
+      </p:sp>
+      <p:sp>
+        <p:nvSpPr>
+          <p:cNvPr id="3" name="Content Placeholder 2">
+            <a:extLst>
+              <a:ext uri="{FF2B5EF4-FFF2-40B4-BE49-F238E27FC236}">
+                <a16:creationId xmlns:a16="http://schemas.microsoft.com/office/drawing/2014/main" id="{E6984E82-5C4A-9247-841F-612830CDCBD7}"/>
+              </a:ext>
+            </a:extLst>
+          </p:cNvPr>
           <p:cNvSpPr>
             <a:spLocks noGrp="1"/>
           </p:cNvSpPr>
@@ -742,13 +842,18 @@
               <a:rPr lang="en-US"/>
               <a:t>Fifth level</a:t>
             </a:r>
-            <a:endParaRPr lang="en-US" dirty="0"/>
-          </a:p>
-        </p:txBody>
-      </p:sp>
-      <p:sp>
-        <p:nvSpPr>
-          <p:cNvPr id="4" name="Date Placeholder 3"/>
+          </a:p>
+        </p:txBody>
+      </p:sp>
+      <p:sp>
+        <p:nvSpPr>
+          <p:cNvPr id="4" name="Date Placeholder 3">
+            <a:extLst>
+              <a:ext uri="{FF2B5EF4-FFF2-40B4-BE49-F238E27FC236}">
+                <a16:creationId xmlns:a16="http://schemas.microsoft.com/office/drawing/2014/main" id="{1ADDB91F-B1FC-A74F-9EE1-72214C61F0B5}"/>
+              </a:ext>
+            </a:extLst>
+          </p:cNvPr>
           <p:cNvSpPr>
             <a:spLocks noGrp="1"/>
           </p:cNvSpPr>
@@ -761,9 +866,9 @@
           <a:bodyPr/>
           <a:lstStyle/>
           <a:p>
-            <a:fld id="{B23D9760-FF74-A945-B648-430B90E24A94}" type="datetimeFigureOut">
+            <a:fld id="{303D7DAC-2925-7E4D-88C9-53611B8DDF89}" type="datetimeFigureOut">
               <a:rPr lang="en-US" smtClean="0"/>
-              <a:t>3/3/23</a:t>
+              <a:t>4/5/23</a:t>
             </a:fld>
             <a:endParaRPr lang="en-US"/>
           </a:p>
@@ -771,7 +876,13 @@
       </p:sp>
       <p:sp>
         <p:nvSpPr>
-          <p:cNvPr id="5" name="Footer Placeholder 4"/>
+          <p:cNvPr id="5" name="Footer Placeholder 4">
+            <a:extLst>
+              <a:ext uri="{FF2B5EF4-FFF2-40B4-BE49-F238E27FC236}">
+                <a16:creationId xmlns:a16="http://schemas.microsoft.com/office/drawing/2014/main" id="{1BF2C8D9-044F-DC43-BC14-8B4EDD51E2F7}"/>
+              </a:ext>
+            </a:extLst>
+          </p:cNvPr>
           <p:cNvSpPr>
             <a:spLocks noGrp="1"/>
           </p:cNvSpPr>
@@ -790,7 +901,13 @@
       </p:sp>
       <p:sp>
         <p:nvSpPr>
-          <p:cNvPr id="6" name="Slide Number Placeholder 5"/>
+          <p:cNvPr id="6" name="Slide Number Placeholder 5">
+            <a:extLst>
+              <a:ext uri="{FF2B5EF4-FFF2-40B4-BE49-F238E27FC236}">
+                <a16:creationId xmlns:a16="http://schemas.microsoft.com/office/drawing/2014/main" id="{A3D28AE6-CEAB-7E4A-81A5-530F5F264E79}"/>
+              </a:ext>
+            </a:extLst>
+          </p:cNvPr>
           <p:cNvSpPr>
             <a:spLocks noGrp="1"/>
           </p:cNvSpPr>
@@ -803,7 +920,7 @@
           <a:bodyPr/>
           <a:lstStyle/>
           <a:p>
-            <a:fld id="{98E85D06-C739-0643-9E68-73D46CEE9009}" type="slidenum">
+            <a:fld id="{8AF81BBA-B4BC-C14F-8256-1AA858B9C697}" type="slidenum">
               <a:rPr lang="en-US" smtClean="0"/>
               <a:t>‹#›</a:t>
             </a:fld>
@@ -814,7 +931,7 @@
     </p:spTree>
     <p:extLst>
       <p:ext uri="{BB962C8B-B14F-4D97-AF65-F5344CB8AC3E}">
-        <p14:creationId xmlns:p14="http://schemas.microsoft.com/office/powerpoint/2010/main" val="2714336949"/>
+        <p14:creationId xmlns:p14="http://schemas.microsoft.com/office/powerpoint/2010/main" val="1479228066"/>
       </p:ext>
     </p:extLst>
   </p:cSld>
@@ -843,7 +960,13 @@
       </p:grpSpPr>
       <p:sp>
         <p:nvSpPr>
-          <p:cNvPr id="2" name="Title 1"/>
+          <p:cNvPr id="2" name="Title 1">
+            <a:extLst>
+              <a:ext uri="{FF2B5EF4-FFF2-40B4-BE49-F238E27FC236}">
+                <a16:creationId xmlns:a16="http://schemas.microsoft.com/office/drawing/2014/main" id="{1ACC8317-9B0B-274E-B594-CD121AB1D58B}"/>
+              </a:ext>
+            </a:extLst>
+          </p:cNvPr>
           <p:cNvSpPr>
             <a:spLocks noGrp="1"/>
           </p:cNvSpPr>
@@ -853,8 +976,8 @@
         </p:nvSpPr>
         <p:spPr>
           <a:xfrm>
-            <a:off x="623888" y="1709739"/>
-            <a:ext cx="7886700" cy="2852737"/>
+            <a:off x="831850" y="1709738"/>
+            <a:ext cx="10515600" cy="2852737"/>
           </a:xfrm>
         </p:spPr>
         <p:txBody>
@@ -869,13 +992,18 @@
               <a:rPr lang="en-US"/>
               <a:t>Click to edit Master title style</a:t>
             </a:r>
-            <a:endParaRPr lang="en-US" dirty="0"/>
-          </a:p>
-        </p:txBody>
-      </p:sp>
-      <p:sp>
-        <p:nvSpPr>
-          <p:cNvPr id="3" name="Text Placeholder 2"/>
+          </a:p>
+        </p:txBody>
+      </p:sp>
+      <p:sp>
+        <p:nvSpPr>
+          <p:cNvPr id="3" name="Text Placeholder 2">
+            <a:extLst>
+              <a:ext uri="{FF2B5EF4-FFF2-40B4-BE49-F238E27FC236}">
+                <a16:creationId xmlns:a16="http://schemas.microsoft.com/office/drawing/2014/main" id="{7C90134E-59E6-7042-A1E7-A89DEF04A79B}"/>
+              </a:ext>
+            </a:extLst>
+          </p:cNvPr>
           <p:cNvSpPr>
             <a:spLocks noGrp="1"/>
           </p:cNvSpPr>
@@ -885,8 +1013,8 @@
         </p:nvSpPr>
         <p:spPr>
           <a:xfrm>
-            <a:off x="623888" y="4589464"/>
-            <a:ext cx="7886700" cy="1500187"/>
+            <a:off x="831850" y="4589463"/>
+            <a:ext cx="10515600" cy="1500187"/>
           </a:xfrm>
         </p:spPr>
         <p:txBody>
@@ -896,7 +1024,9 @@
               <a:buNone/>
               <a:defRPr sz="2400">
                 <a:solidFill>
-                  <a:schemeClr val="tx1"/>
+                  <a:schemeClr val="tx1">
+                    <a:tint val="75000"/>
+                  </a:schemeClr>
                 </a:solidFill>
               </a:defRPr>
             </a:lvl1pPr>
@@ -992,7 +1122,13 @@
       </p:sp>
       <p:sp>
         <p:nvSpPr>
-          <p:cNvPr id="4" name="Date Placeholder 3"/>
+          <p:cNvPr id="4" name="Date Placeholder 3">
+            <a:extLst>
+              <a:ext uri="{FF2B5EF4-FFF2-40B4-BE49-F238E27FC236}">
+                <a16:creationId xmlns:a16="http://schemas.microsoft.com/office/drawing/2014/main" id="{12F2038C-5D99-DB4D-93D2-954CE0F5AB3A}"/>
+              </a:ext>
+            </a:extLst>
+          </p:cNvPr>
           <p:cNvSpPr>
             <a:spLocks noGrp="1"/>
           </p:cNvSpPr>
@@ -1005,9 +1141,9 @@
           <a:bodyPr/>
           <a:lstStyle/>
           <a:p>
-            <a:fld id="{B23D9760-FF74-A945-B648-430B90E24A94}" type="datetimeFigureOut">
+            <a:fld id="{303D7DAC-2925-7E4D-88C9-53611B8DDF89}" type="datetimeFigureOut">
               <a:rPr lang="en-US" smtClean="0"/>
-              <a:t>3/3/23</a:t>
+              <a:t>4/5/23</a:t>
             </a:fld>
             <a:endParaRPr lang="en-US"/>
           </a:p>
@@ -1015,7 +1151,13 @@
       </p:sp>
       <p:sp>
         <p:nvSpPr>
-          <p:cNvPr id="5" name="Footer Placeholder 4"/>
+          <p:cNvPr id="5" name="Footer Placeholder 4">
+            <a:extLst>
+              <a:ext uri="{FF2B5EF4-FFF2-40B4-BE49-F238E27FC236}">
+                <a16:creationId xmlns:a16="http://schemas.microsoft.com/office/drawing/2014/main" id="{D51C6A1E-34C7-9046-A377-3C7A4008EFB4}"/>
+              </a:ext>
+            </a:extLst>
+          </p:cNvPr>
           <p:cNvSpPr>
             <a:spLocks noGrp="1"/>
           </p:cNvSpPr>
@@ -1034,7 +1176,13 @@
       </p:sp>
       <p:sp>
         <p:nvSpPr>
-          <p:cNvPr id="6" name="Slide Number Placeholder 5"/>
+          <p:cNvPr id="6" name="Slide Number Placeholder 5">
+            <a:extLst>
+              <a:ext uri="{FF2B5EF4-FFF2-40B4-BE49-F238E27FC236}">
+                <a16:creationId xmlns:a16="http://schemas.microsoft.com/office/drawing/2014/main" id="{897C8E3D-43DE-464F-8758-07675A9A435A}"/>
+              </a:ext>
+            </a:extLst>
+          </p:cNvPr>
           <p:cNvSpPr>
             <a:spLocks noGrp="1"/>
           </p:cNvSpPr>
@@ -1047,7 +1195,7 @@
           <a:bodyPr/>
           <a:lstStyle/>
           <a:p>
-            <a:fld id="{98E85D06-C739-0643-9E68-73D46CEE9009}" type="slidenum">
+            <a:fld id="{8AF81BBA-B4BC-C14F-8256-1AA858B9C697}" type="slidenum">
               <a:rPr lang="en-US" smtClean="0"/>
               <a:t>‹#›</a:t>
             </a:fld>
@@ -1058,7 +1206,7 @@
     </p:spTree>
     <p:extLst>
       <p:ext uri="{BB962C8B-B14F-4D97-AF65-F5344CB8AC3E}">
-        <p14:creationId xmlns:p14="http://schemas.microsoft.com/office/powerpoint/2010/main" val="1992027089"/>
+        <p14:creationId xmlns:p14="http://schemas.microsoft.com/office/powerpoint/2010/main" val="3372828225"/>
       </p:ext>
     </p:extLst>
   </p:cSld>
@@ -1087,7 +1235,13 @@
       </p:grpSpPr>
       <p:sp>
         <p:nvSpPr>
-          <p:cNvPr id="2" name="Title 1"/>
+          <p:cNvPr id="2" name="Title 1">
+            <a:extLst>
+              <a:ext uri="{FF2B5EF4-FFF2-40B4-BE49-F238E27FC236}">
+                <a16:creationId xmlns:a16="http://schemas.microsoft.com/office/drawing/2014/main" id="{50917F00-1A36-2E42-BE0D-3EFADF4E6550}"/>
+              </a:ext>
+            </a:extLst>
+          </p:cNvPr>
           <p:cNvSpPr>
             <a:spLocks noGrp="1"/>
           </p:cNvSpPr>
@@ -1104,13 +1258,18 @@
               <a:rPr lang="en-US"/>
               <a:t>Click to edit Master title style</a:t>
             </a:r>
-            <a:endParaRPr lang="en-US" dirty="0"/>
-          </a:p>
-        </p:txBody>
-      </p:sp>
-      <p:sp>
-        <p:nvSpPr>
-          <p:cNvPr id="3" name="Content Placeholder 2"/>
+          </a:p>
+        </p:txBody>
+      </p:sp>
+      <p:sp>
+        <p:nvSpPr>
+          <p:cNvPr id="3" name="Content Placeholder 2">
+            <a:extLst>
+              <a:ext uri="{FF2B5EF4-FFF2-40B4-BE49-F238E27FC236}">
+                <a16:creationId xmlns:a16="http://schemas.microsoft.com/office/drawing/2014/main" id="{D153E48A-9CE6-E545-A761-DB68DF078735}"/>
+              </a:ext>
+            </a:extLst>
+          </p:cNvPr>
           <p:cNvSpPr>
             <a:spLocks noGrp="1"/>
           </p:cNvSpPr>
@@ -1120,8 +1279,8 @@
         </p:nvSpPr>
         <p:spPr>
           <a:xfrm>
-            <a:off x="628650" y="1825625"/>
-            <a:ext cx="3886200" cy="4351338"/>
+            <a:off x="838200" y="1825625"/>
+            <a:ext cx="5181600" cy="4351338"/>
           </a:xfrm>
         </p:spPr>
         <p:txBody>
@@ -1161,13 +1320,18 @@
               <a:rPr lang="en-US"/>
               <a:t>Fifth level</a:t>
             </a:r>
-            <a:endParaRPr lang="en-US" dirty="0"/>
-          </a:p>
-        </p:txBody>
-      </p:sp>
-      <p:sp>
-        <p:nvSpPr>
-          <p:cNvPr id="4" name="Content Placeholder 3"/>
+          </a:p>
+        </p:txBody>
+      </p:sp>
+      <p:sp>
+        <p:nvSpPr>
+          <p:cNvPr id="4" name="Content Placeholder 3">
+            <a:extLst>
+              <a:ext uri="{FF2B5EF4-FFF2-40B4-BE49-F238E27FC236}">
+                <a16:creationId xmlns:a16="http://schemas.microsoft.com/office/drawing/2014/main" id="{543CC1B9-4C3B-1840-8696-1612C071B589}"/>
+              </a:ext>
+            </a:extLst>
+          </p:cNvPr>
           <p:cNvSpPr>
             <a:spLocks noGrp="1"/>
           </p:cNvSpPr>
@@ -1177,8 +1341,8 @@
         </p:nvSpPr>
         <p:spPr>
           <a:xfrm>
-            <a:off x="4629150" y="1825625"/>
-            <a:ext cx="3886200" cy="4351338"/>
+            <a:off x="6172200" y="1825625"/>
+            <a:ext cx="5181600" cy="4351338"/>
           </a:xfrm>
         </p:spPr>
         <p:txBody>
@@ -1218,13 +1382,18 @@
               <a:rPr lang="en-US"/>
               <a:t>Fifth level</a:t>
             </a:r>
-            <a:endParaRPr lang="en-US" dirty="0"/>
-          </a:p>
-        </p:txBody>
-      </p:sp>
-      <p:sp>
-        <p:nvSpPr>
-          <p:cNvPr id="5" name="Date Placeholder 4"/>
+          </a:p>
+        </p:txBody>
+      </p:sp>
+      <p:sp>
+        <p:nvSpPr>
+          <p:cNvPr id="5" name="Date Placeholder 4">
+            <a:extLst>
+              <a:ext uri="{FF2B5EF4-FFF2-40B4-BE49-F238E27FC236}">
+                <a16:creationId xmlns:a16="http://schemas.microsoft.com/office/drawing/2014/main" id="{66574C36-F8C2-E243-9A98-D174DA5EBC39}"/>
+              </a:ext>
+            </a:extLst>
+          </p:cNvPr>
           <p:cNvSpPr>
             <a:spLocks noGrp="1"/>
           </p:cNvSpPr>
@@ -1237,9 +1406,9 @@
           <a:bodyPr/>
           <a:lstStyle/>
           <a:p>
-            <a:fld id="{B23D9760-FF74-A945-B648-430B90E24A94}" type="datetimeFigureOut">
+            <a:fld id="{303D7DAC-2925-7E4D-88C9-53611B8DDF89}" type="datetimeFigureOut">
               <a:rPr lang="en-US" smtClean="0"/>
-              <a:t>3/3/23</a:t>
+              <a:t>4/5/23</a:t>
             </a:fld>
             <a:endParaRPr lang="en-US"/>
           </a:p>
@@ -1247,7 +1416,13 @@
       </p:sp>
       <p:sp>
         <p:nvSpPr>
-          <p:cNvPr id="6" name="Footer Placeholder 5"/>
+          <p:cNvPr id="6" name="Footer Placeholder 5">
+            <a:extLst>
+              <a:ext uri="{FF2B5EF4-FFF2-40B4-BE49-F238E27FC236}">
+                <a16:creationId xmlns:a16="http://schemas.microsoft.com/office/drawing/2014/main" id="{101C4FB4-6D40-B242-B3FD-51BD93B18CD3}"/>
+              </a:ext>
+            </a:extLst>
+          </p:cNvPr>
           <p:cNvSpPr>
             <a:spLocks noGrp="1"/>
           </p:cNvSpPr>
@@ -1266,7 +1441,13 @@
       </p:sp>
       <p:sp>
         <p:nvSpPr>
-          <p:cNvPr id="7" name="Slide Number Placeholder 6"/>
+          <p:cNvPr id="7" name="Slide Number Placeholder 6">
+            <a:extLst>
+              <a:ext uri="{FF2B5EF4-FFF2-40B4-BE49-F238E27FC236}">
+                <a16:creationId xmlns:a16="http://schemas.microsoft.com/office/drawing/2014/main" id="{9A803A06-B938-F340-8A87-E17B06E05D47}"/>
+              </a:ext>
+            </a:extLst>
+          </p:cNvPr>
           <p:cNvSpPr>
             <a:spLocks noGrp="1"/>
           </p:cNvSpPr>
@@ -1279,7 +1460,7 @@
           <a:bodyPr/>
           <a:lstStyle/>
           <a:p>
-            <a:fld id="{98E85D06-C739-0643-9E68-73D46CEE9009}" type="slidenum">
+            <a:fld id="{8AF81BBA-B4BC-C14F-8256-1AA858B9C697}" type="slidenum">
               <a:rPr lang="en-US" smtClean="0"/>
               <a:t>‹#›</a:t>
             </a:fld>
@@ -1290,7 +1471,7 @@
     </p:spTree>
     <p:extLst>
       <p:ext uri="{BB962C8B-B14F-4D97-AF65-F5344CB8AC3E}">
-        <p14:creationId xmlns:p14="http://schemas.microsoft.com/office/powerpoint/2010/main" val="2030310489"/>
+        <p14:creationId xmlns:p14="http://schemas.microsoft.com/office/powerpoint/2010/main" val="1428793339"/>
       </p:ext>
     </p:extLst>
   </p:cSld>
@@ -1319,7 +1500,13 @@
       </p:grpSpPr>
       <p:sp>
         <p:nvSpPr>
-          <p:cNvPr id="2" name="Title 1"/>
+          <p:cNvPr id="2" name="Title 1">
+            <a:extLst>
+              <a:ext uri="{FF2B5EF4-FFF2-40B4-BE49-F238E27FC236}">
+                <a16:creationId xmlns:a16="http://schemas.microsoft.com/office/drawing/2014/main" id="{BFCD4D01-62F7-084D-AC22-59FCF453EB2F}"/>
+              </a:ext>
+            </a:extLst>
+          </p:cNvPr>
           <p:cNvSpPr>
             <a:spLocks noGrp="1"/>
           </p:cNvSpPr>
@@ -1329,8 +1516,8 @@
         </p:nvSpPr>
         <p:spPr>
           <a:xfrm>
-            <a:off x="629841" y="365126"/>
-            <a:ext cx="7886700" cy="1325563"/>
+            <a:off x="839788" y="365125"/>
+            <a:ext cx="10515600" cy="1325563"/>
           </a:xfrm>
         </p:spPr>
         <p:txBody>
@@ -1341,13 +1528,18 @@
               <a:rPr lang="en-US"/>
               <a:t>Click to edit Master title style</a:t>
             </a:r>
-            <a:endParaRPr lang="en-US" dirty="0"/>
-          </a:p>
-        </p:txBody>
-      </p:sp>
-      <p:sp>
-        <p:nvSpPr>
-          <p:cNvPr id="3" name="Text Placeholder 2"/>
+          </a:p>
+        </p:txBody>
+      </p:sp>
+      <p:sp>
+        <p:nvSpPr>
+          <p:cNvPr id="3" name="Text Placeholder 2">
+            <a:extLst>
+              <a:ext uri="{FF2B5EF4-FFF2-40B4-BE49-F238E27FC236}">
+                <a16:creationId xmlns:a16="http://schemas.microsoft.com/office/drawing/2014/main" id="{A1C99BFF-2282-B74B-B32B-4DBDA4DF634B}"/>
+              </a:ext>
+            </a:extLst>
+          </p:cNvPr>
           <p:cNvSpPr>
             <a:spLocks noGrp="1"/>
           </p:cNvSpPr>
@@ -1357,8 +1549,8 @@
         </p:nvSpPr>
         <p:spPr>
           <a:xfrm>
-            <a:off x="629842" y="1681163"/>
-            <a:ext cx="3868340" cy="823912"/>
+            <a:off x="839788" y="1681163"/>
+            <a:ext cx="5157787" cy="823912"/>
           </a:xfrm>
         </p:spPr>
         <p:txBody>
@@ -1412,7 +1604,13 @@
       </p:sp>
       <p:sp>
         <p:nvSpPr>
-          <p:cNvPr id="4" name="Content Placeholder 3"/>
+          <p:cNvPr id="4" name="Content Placeholder 3">
+            <a:extLst>
+              <a:ext uri="{FF2B5EF4-FFF2-40B4-BE49-F238E27FC236}">
+                <a16:creationId xmlns:a16="http://schemas.microsoft.com/office/drawing/2014/main" id="{D2390E71-0EA0-CF42-8459-B8875BEBE503}"/>
+              </a:ext>
+            </a:extLst>
+          </p:cNvPr>
           <p:cNvSpPr>
             <a:spLocks noGrp="1"/>
           </p:cNvSpPr>
@@ -1422,8 +1620,8 @@
         </p:nvSpPr>
         <p:spPr>
           <a:xfrm>
-            <a:off x="629842" y="2505075"/>
-            <a:ext cx="3868340" cy="3684588"/>
+            <a:off x="839788" y="2505075"/>
+            <a:ext cx="5157787" cy="3684588"/>
           </a:xfrm>
         </p:spPr>
         <p:txBody>
@@ -1463,13 +1661,18 @@
               <a:rPr lang="en-US"/>
               <a:t>Fifth level</a:t>
             </a:r>
-            <a:endParaRPr lang="en-US" dirty="0"/>
-          </a:p>
-        </p:txBody>
-      </p:sp>
-      <p:sp>
-        <p:nvSpPr>
-          <p:cNvPr id="5" name="Text Placeholder 4"/>
+          </a:p>
+        </p:txBody>
+      </p:sp>
+      <p:sp>
+        <p:nvSpPr>
+          <p:cNvPr id="5" name="Text Placeholder 4">
+            <a:extLst>
+              <a:ext uri="{FF2B5EF4-FFF2-40B4-BE49-F238E27FC236}">
+                <a16:creationId xmlns:a16="http://schemas.microsoft.com/office/drawing/2014/main" id="{C933D0C2-C24F-6F4A-9BBC-1F2EDA0B67BF}"/>
+              </a:ext>
+            </a:extLst>
+          </p:cNvPr>
           <p:cNvSpPr>
             <a:spLocks noGrp="1"/>
           </p:cNvSpPr>
@@ -1479,8 +1682,8 @@
         </p:nvSpPr>
         <p:spPr>
           <a:xfrm>
-            <a:off x="4629150" y="1681163"/>
-            <a:ext cx="3887391" cy="823912"/>
+            <a:off x="6172200" y="1681163"/>
+            <a:ext cx="5183188" cy="823912"/>
           </a:xfrm>
         </p:spPr>
         <p:txBody>
@@ -1534,7 +1737,13 @@
       </p:sp>
       <p:sp>
         <p:nvSpPr>
-          <p:cNvPr id="6" name="Content Placeholder 5"/>
+          <p:cNvPr id="6" name="Content Placeholder 5">
+            <a:extLst>
+              <a:ext uri="{FF2B5EF4-FFF2-40B4-BE49-F238E27FC236}">
+                <a16:creationId xmlns:a16="http://schemas.microsoft.com/office/drawing/2014/main" id="{76CE33C3-945C-E04F-A543-61CA68505153}"/>
+              </a:ext>
+            </a:extLst>
+          </p:cNvPr>
           <p:cNvSpPr>
             <a:spLocks noGrp="1"/>
           </p:cNvSpPr>
@@ -1544,8 +1753,8 @@
         </p:nvSpPr>
         <p:spPr>
           <a:xfrm>
-            <a:off x="4629150" y="2505075"/>
-            <a:ext cx="3887391" cy="3684588"/>
+            <a:off x="6172200" y="2505075"/>
+            <a:ext cx="5183188" cy="3684588"/>
           </a:xfrm>
         </p:spPr>
         <p:txBody>
@@ -1585,13 +1794,18 @@
               <a:rPr lang="en-US"/>
               <a:t>Fifth level</a:t>
             </a:r>
-            <a:endParaRPr lang="en-US" dirty="0"/>
-          </a:p>
-        </p:txBody>
-      </p:sp>
-      <p:sp>
-        <p:nvSpPr>
-          <p:cNvPr id="7" name="Date Placeholder 6"/>
+          </a:p>
+        </p:txBody>
+      </p:sp>
+      <p:sp>
+        <p:nvSpPr>
+          <p:cNvPr id="7" name="Date Placeholder 6">
+            <a:extLst>
+              <a:ext uri="{FF2B5EF4-FFF2-40B4-BE49-F238E27FC236}">
+                <a16:creationId xmlns:a16="http://schemas.microsoft.com/office/drawing/2014/main" id="{C9E5B805-1B1B-5D4E-B017-1BB745530E65}"/>
+              </a:ext>
+            </a:extLst>
+          </p:cNvPr>
           <p:cNvSpPr>
             <a:spLocks noGrp="1"/>
           </p:cNvSpPr>
@@ -1604,9 +1818,9 @@
           <a:bodyPr/>
           <a:lstStyle/>
           <a:p>
-            <a:fld id="{B23D9760-FF74-A945-B648-430B90E24A94}" type="datetimeFigureOut">
+            <a:fld id="{303D7DAC-2925-7E4D-88C9-53611B8DDF89}" type="datetimeFigureOut">
               <a:rPr lang="en-US" smtClean="0"/>
-              <a:t>3/3/23</a:t>
+              <a:t>4/5/23</a:t>
             </a:fld>
             <a:endParaRPr lang="en-US"/>
           </a:p>
@@ -1614,7 +1828,13 @@
       </p:sp>
       <p:sp>
         <p:nvSpPr>
-          <p:cNvPr id="8" name="Footer Placeholder 7"/>
+          <p:cNvPr id="8" name="Footer Placeholder 7">
+            <a:extLst>
+              <a:ext uri="{FF2B5EF4-FFF2-40B4-BE49-F238E27FC236}">
+                <a16:creationId xmlns:a16="http://schemas.microsoft.com/office/drawing/2014/main" id="{A4979BEB-0A00-FA4F-A934-A5C5CCD3436B}"/>
+              </a:ext>
+            </a:extLst>
+          </p:cNvPr>
           <p:cNvSpPr>
             <a:spLocks noGrp="1"/>
           </p:cNvSpPr>
@@ -1633,7 +1853,13 @@
       </p:sp>
       <p:sp>
         <p:nvSpPr>
-          <p:cNvPr id="9" name="Slide Number Placeholder 8"/>
+          <p:cNvPr id="9" name="Slide Number Placeholder 8">
+            <a:extLst>
+              <a:ext uri="{FF2B5EF4-FFF2-40B4-BE49-F238E27FC236}">
+                <a16:creationId xmlns:a16="http://schemas.microsoft.com/office/drawing/2014/main" id="{05CE7070-88F7-844C-9AF5-BC9B3D53524C}"/>
+              </a:ext>
+            </a:extLst>
+          </p:cNvPr>
           <p:cNvSpPr>
             <a:spLocks noGrp="1"/>
           </p:cNvSpPr>
@@ -1646,7 +1872,7 @@
           <a:bodyPr/>
           <a:lstStyle/>
           <a:p>
-            <a:fld id="{98E85D06-C739-0643-9E68-73D46CEE9009}" type="slidenum">
+            <a:fld id="{8AF81BBA-B4BC-C14F-8256-1AA858B9C697}" type="slidenum">
               <a:rPr lang="en-US" smtClean="0"/>
               <a:t>‹#›</a:t>
             </a:fld>
@@ -1657,7 +1883,7 @@
     </p:spTree>
     <p:extLst>
       <p:ext uri="{BB962C8B-B14F-4D97-AF65-F5344CB8AC3E}">
-        <p14:creationId xmlns:p14="http://schemas.microsoft.com/office/powerpoint/2010/main" val="3692776466"/>
+        <p14:creationId xmlns:p14="http://schemas.microsoft.com/office/powerpoint/2010/main" val="803306152"/>
       </p:ext>
     </p:extLst>
   </p:cSld>
@@ -1686,7 +1912,13 @@
       </p:grpSpPr>
       <p:sp>
         <p:nvSpPr>
-          <p:cNvPr id="2" name="Title 1"/>
+          <p:cNvPr id="2" name="Title 1">
+            <a:extLst>
+              <a:ext uri="{FF2B5EF4-FFF2-40B4-BE49-F238E27FC236}">
+                <a16:creationId xmlns:a16="http://schemas.microsoft.com/office/drawing/2014/main" id="{6797DD14-F3A1-684B-AE0F-DBA35C35121D}"/>
+              </a:ext>
+            </a:extLst>
+          </p:cNvPr>
           <p:cNvSpPr>
             <a:spLocks noGrp="1"/>
           </p:cNvSpPr>
@@ -1703,13 +1935,18 @@
               <a:rPr lang="en-US"/>
               <a:t>Click to edit Master title style</a:t>
             </a:r>
-            <a:endParaRPr lang="en-US" dirty="0"/>
-          </a:p>
-        </p:txBody>
-      </p:sp>
-      <p:sp>
-        <p:nvSpPr>
-          <p:cNvPr id="3" name="Date Placeholder 2"/>
+          </a:p>
+        </p:txBody>
+      </p:sp>
+      <p:sp>
+        <p:nvSpPr>
+          <p:cNvPr id="3" name="Date Placeholder 2">
+            <a:extLst>
+              <a:ext uri="{FF2B5EF4-FFF2-40B4-BE49-F238E27FC236}">
+                <a16:creationId xmlns:a16="http://schemas.microsoft.com/office/drawing/2014/main" id="{CE559643-F9B9-8045-A337-1CBDE32FAA2B}"/>
+              </a:ext>
+            </a:extLst>
+          </p:cNvPr>
           <p:cNvSpPr>
             <a:spLocks noGrp="1"/>
           </p:cNvSpPr>
@@ -1722,9 +1959,9 @@
           <a:bodyPr/>
           <a:lstStyle/>
           <a:p>
-            <a:fld id="{B23D9760-FF74-A945-B648-430B90E24A94}" type="datetimeFigureOut">
+            <a:fld id="{303D7DAC-2925-7E4D-88C9-53611B8DDF89}" type="datetimeFigureOut">
               <a:rPr lang="en-US" smtClean="0"/>
-              <a:t>3/3/23</a:t>
+              <a:t>4/5/23</a:t>
             </a:fld>
             <a:endParaRPr lang="en-US"/>
           </a:p>
@@ -1732,7 +1969,13 @@
       </p:sp>
       <p:sp>
         <p:nvSpPr>
-          <p:cNvPr id="4" name="Footer Placeholder 3"/>
+          <p:cNvPr id="4" name="Footer Placeholder 3">
+            <a:extLst>
+              <a:ext uri="{FF2B5EF4-FFF2-40B4-BE49-F238E27FC236}">
+                <a16:creationId xmlns:a16="http://schemas.microsoft.com/office/drawing/2014/main" id="{DDBB5BFF-7FC2-E24C-B7F5-4A05BC44FEA3}"/>
+              </a:ext>
+            </a:extLst>
+          </p:cNvPr>
           <p:cNvSpPr>
             <a:spLocks noGrp="1"/>
           </p:cNvSpPr>
@@ -1751,7 +1994,13 @@
       </p:sp>
       <p:sp>
         <p:nvSpPr>
-          <p:cNvPr id="5" name="Slide Number Placeholder 4"/>
+          <p:cNvPr id="5" name="Slide Number Placeholder 4">
+            <a:extLst>
+              <a:ext uri="{FF2B5EF4-FFF2-40B4-BE49-F238E27FC236}">
+                <a16:creationId xmlns:a16="http://schemas.microsoft.com/office/drawing/2014/main" id="{4B31D86E-5CBA-2B47-8591-B94F0009AC1D}"/>
+              </a:ext>
+            </a:extLst>
+          </p:cNvPr>
           <p:cNvSpPr>
             <a:spLocks noGrp="1"/>
           </p:cNvSpPr>
@@ -1764,7 +2013,7 @@
           <a:bodyPr/>
           <a:lstStyle/>
           <a:p>
-            <a:fld id="{98E85D06-C739-0643-9E68-73D46CEE9009}" type="slidenum">
+            <a:fld id="{8AF81BBA-B4BC-C14F-8256-1AA858B9C697}" type="slidenum">
               <a:rPr lang="en-US" smtClean="0"/>
               <a:t>‹#›</a:t>
             </a:fld>
@@ -1775,7 +2024,7 @@
     </p:spTree>
     <p:extLst>
       <p:ext uri="{BB962C8B-B14F-4D97-AF65-F5344CB8AC3E}">
-        <p14:creationId xmlns:p14="http://schemas.microsoft.com/office/powerpoint/2010/main" val="1758840990"/>
+        <p14:creationId xmlns:p14="http://schemas.microsoft.com/office/powerpoint/2010/main" val="2674233862"/>
       </p:ext>
     </p:extLst>
   </p:cSld>
@@ -1804,7 +2053,13 @@
       </p:grpSpPr>
       <p:sp>
         <p:nvSpPr>
-          <p:cNvPr id="2" name="Date Placeholder 1"/>
+          <p:cNvPr id="2" name="Date Placeholder 1">
+            <a:extLst>
+              <a:ext uri="{FF2B5EF4-FFF2-40B4-BE49-F238E27FC236}">
+                <a16:creationId xmlns:a16="http://schemas.microsoft.com/office/drawing/2014/main" id="{ED6BCD62-45DB-B644-A051-A6E58E50665F}"/>
+              </a:ext>
+            </a:extLst>
+          </p:cNvPr>
           <p:cNvSpPr>
             <a:spLocks noGrp="1"/>
           </p:cNvSpPr>
@@ -1817,9 +2072,9 @@
           <a:bodyPr/>
           <a:lstStyle/>
           <a:p>
-            <a:fld id="{B23D9760-FF74-A945-B648-430B90E24A94}" type="datetimeFigureOut">
+            <a:fld id="{303D7DAC-2925-7E4D-88C9-53611B8DDF89}" type="datetimeFigureOut">
               <a:rPr lang="en-US" smtClean="0"/>
-              <a:t>3/3/23</a:t>
+              <a:t>4/5/23</a:t>
             </a:fld>
             <a:endParaRPr lang="en-US"/>
           </a:p>
@@ -1827,7 +2082,13 @@
       </p:sp>
       <p:sp>
         <p:nvSpPr>
-          <p:cNvPr id="3" name="Footer Placeholder 2"/>
+          <p:cNvPr id="3" name="Footer Placeholder 2">
+            <a:extLst>
+              <a:ext uri="{FF2B5EF4-FFF2-40B4-BE49-F238E27FC236}">
+                <a16:creationId xmlns:a16="http://schemas.microsoft.com/office/drawing/2014/main" id="{A7D5DB22-7825-074B-930E-3E50393B761C}"/>
+              </a:ext>
+            </a:extLst>
+          </p:cNvPr>
           <p:cNvSpPr>
             <a:spLocks noGrp="1"/>
           </p:cNvSpPr>
@@ -1846,7 +2107,13 @@
       </p:sp>
       <p:sp>
         <p:nvSpPr>
-          <p:cNvPr id="4" name="Slide Number Placeholder 3"/>
+          <p:cNvPr id="4" name="Slide Number Placeholder 3">
+            <a:extLst>
+              <a:ext uri="{FF2B5EF4-FFF2-40B4-BE49-F238E27FC236}">
+                <a16:creationId xmlns:a16="http://schemas.microsoft.com/office/drawing/2014/main" id="{44813681-4F90-5D49-A9C1-14D2A1AFB6FA}"/>
+              </a:ext>
+            </a:extLst>
+          </p:cNvPr>
           <p:cNvSpPr>
             <a:spLocks noGrp="1"/>
           </p:cNvSpPr>
@@ -1859,7 +2126,7 @@
           <a:bodyPr/>
           <a:lstStyle/>
           <a:p>
-            <a:fld id="{98E85D06-C739-0643-9E68-73D46CEE9009}" type="slidenum">
+            <a:fld id="{8AF81BBA-B4BC-C14F-8256-1AA858B9C697}" type="slidenum">
               <a:rPr lang="en-US" smtClean="0"/>
               <a:t>‹#›</a:t>
             </a:fld>
@@ -1870,7 +2137,7 @@
     </p:spTree>
     <p:extLst>
       <p:ext uri="{BB962C8B-B14F-4D97-AF65-F5344CB8AC3E}">
-        <p14:creationId xmlns:p14="http://schemas.microsoft.com/office/powerpoint/2010/main" val="1781897706"/>
+        <p14:creationId xmlns:p14="http://schemas.microsoft.com/office/powerpoint/2010/main" val="3109009713"/>
       </p:ext>
     </p:extLst>
   </p:cSld>
@@ -1899,7 +2166,13 @@
       </p:grpSpPr>
       <p:sp>
         <p:nvSpPr>
-          <p:cNvPr id="2" name="Title 1"/>
+          <p:cNvPr id="2" name="Title 1">
+            <a:extLst>
+              <a:ext uri="{FF2B5EF4-FFF2-40B4-BE49-F238E27FC236}">
+                <a16:creationId xmlns:a16="http://schemas.microsoft.com/office/drawing/2014/main" id="{7F1A382B-A5C8-6147-BD47-D1F7A187B302}"/>
+              </a:ext>
+            </a:extLst>
+          </p:cNvPr>
           <p:cNvSpPr>
             <a:spLocks noGrp="1"/>
           </p:cNvSpPr>
@@ -1909,8 +2182,8 @@
         </p:nvSpPr>
         <p:spPr>
           <a:xfrm>
-            <a:off x="629841" y="457200"/>
-            <a:ext cx="2949178" cy="1600200"/>
+            <a:off x="839788" y="457200"/>
+            <a:ext cx="3932237" cy="1600200"/>
           </a:xfrm>
         </p:spPr>
         <p:txBody>
@@ -1925,13 +2198,18 @@
               <a:rPr lang="en-US"/>
               <a:t>Click to edit Master title style</a:t>
             </a:r>
-            <a:endParaRPr lang="en-US" dirty="0"/>
-          </a:p>
-        </p:txBody>
-      </p:sp>
-      <p:sp>
-        <p:nvSpPr>
-          <p:cNvPr id="3" name="Content Placeholder 2"/>
+          </a:p>
+        </p:txBody>
+      </p:sp>
+      <p:sp>
+        <p:nvSpPr>
+          <p:cNvPr id="3" name="Content Placeholder 2">
+            <a:extLst>
+              <a:ext uri="{FF2B5EF4-FFF2-40B4-BE49-F238E27FC236}">
+                <a16:creationId xmlns:a16="http://schemas.microsoft.com/office/drawing/2014/main" id="{BBE286D3-0DCF-274B-9590-E91AA0BD2D24}"/>
+              </a:ext>
+            </a:extLst>
+          </p:cNvPr>
           <p:cNvSpPr>
             <a:spLocks noGrp="1"/>
           </p:cNvSpPr>
@@ -1941,8 +2219,8 @@
         </p:nvSpPr>
         <p:spPr>
           <a:xfrm>
-            <a:off x="3887391" y="987426"/>
-            <a:ext cx="4629150" cy="4873625"/>
+            <a:off x="5183188" y="987425"/>
+            <a:ext cx="6172200" cy="4873625"/>
           </a:xfrm>
         </p:spPr>
         <p:txBody>
@@ -2010,13 +2288,18 @@
               <a:rPr lang="en-US"/>
               <a:t>Fifth level</a:t>
             </a:r>
-            <a:endParaRPr lang="en-US" dirty="0"/>
-          </a:p>
-        </p:txBody>
-      </p:sp>
-      <p:sp>
-        <p:nvSpPr>
-          <p:cNvPr id="4" name="Text Placeholder 3"/>
+          </a:p>
+        </p:txBody>
+      </p:sp>
+      <p:sp>
+        <p:nvSpPr>
+          <p:cNvPr id="4" name="Text Placeholder 3">
+            <a:extLst>
+              <a:ext uri="{FF2B5EF4-FFF2-40B4-BE49-F238E27FC236}">
+                <a16:creationId xmlns:a16="http://schemas.microsoft.com/office/drawing/2014/main" id="{16BDAEB9-F4B8-7C47-85B9-4E49E3475478}"/>
+              </a:ext>
+            </a:extLst>
+          </p:cNvPr>
           <p:cNvSpPr>
             <a:spLocks noGrp="1"/>
           </p:cNvSpPr>
@@ -2026,8 +2309,8 @@
         </p:nvSpPr>
         <p:spPr>
           <a:xfrm>
-            <a:off x="629841" y="2057400"/>
-            <a:ext cx="2949178" cy="3811588"/>
+            <a:off x="839788" y="2057400"/>
+            <a:ext cx="3932237" cy="3811588"/>
           </a:xfrm>
         </p:spPr>
         <p:txBody>
@@ -2081,7 +2364,13 @@
       </p:sp>
       <p:sp>
         <p:nvSpPr>
-          <p:cNvPr id="5" name="Date Placeholder 4"/>
+          <p:cNvPr id="5" name="Date Placeholder 4">
+            <a:extLst>
+              <a:ext uri="{FF2B5EF4-FFF2-40B4-BE49-F238E27FC236}">
+                <a16:creationId xmlns:a16="http://schemas.microsoft.com/office/drawing/2014/main" id="{AFC0FAEF-0C42-134B-9C9D-6FB0ACF34134}"/>
+              </a:ext>
+            </a:extLst>
+          </p:cNvPr>
           <p:cNvSpPr>
             <a:spLocks noGrp="1"/>
           </p:cNvSpPr>
@@ -2094,9 +2383,9 @@
           <a:bodyPr/>
           <a:lstStyle/>
           <a:p>
-            <a:fld id="{B23D9760-FF74-A945-B648-430B90E24A94}" type="datetimeFigureOut">
+            <a:fld id="{303D7DAC-2925-7E4D-88C9-53611B8DDF89}" type="datetimeFigureOut">
               <a:rPr lang="en-US" smtClean="0"/>
-              <a:t>3/3/23</a:t>
+              <a:t>4/5/23</a:t>
             </a:fld>
             <a:endParaRPr lang="en-US"/>
           </a:p>
@@ -2104,7 +2393,13 @@
       </p:sp>
       <p:sp>
         <p:nvSpPr>
-          <p:cNvPr id="6" name="Footer Placeholder 5"/>
+          <p:cNvPr id="6" name="Footer Placeholder 5">
+            <a:extLst>
+              <a:ext uri="{FF2B5EF4-FFF2-40B4-BE49-F238E27FC236}">
+                <a16:creationId xmlns:a16="http://schemas.microsoft.com/office/drawing/2014/main" id="{CCDDF0D1-661A-144B-A27B-01026FB33DD4}"/>
+              </a:ext>
+            </a:extLst>
+          </p:cNvPr>
           <p:cNvSpPr>
             <a:spLocks noGrp="1"/>
           </p:cNvSpPr>
@@ -2123,7 +2418,13 @@
       </p:sp>
       <p:sp>
         <p:nvSpPr>
-          <p:cNvPr id="7" name="Slide Number Placeholder 6"/>
+          <p:cNvPr id="7" name="Slide Number Placeholder 6">
+            <a:extLst>
+              <a:ext uri="{FF2B5EF4-FFF2-40B4-BE49-F238E27FC236}">
+                <a16:creationId xmlns:a16="http://schemas.microsoft.com/office/drawing/2014/main" id="{D8F79E96-974C-3D4D-9549-A749DAD82E74}"/>
+              </a:ext>
+            </a:extLst>
+          </p:cNvPr>
           <p:cNvSpPr>
             <a:spLocks noGrp="1"/>
           </p:cNvSpPr>
@@ -2136,7 +2437,7 @@
           <a:bodyPr/>
           <a:lstStyle/>
           <a:p>
-            <a:fld id="{98E85D06-C739-0643-9E68-73D46CEE9009}" type="slidenum">
+            <a:fld id="{8AF81BBA-B4BC-C14F-8256-1AA858B9C697}" type="slidenum">
               <a:rPr lang="en-US" smtClean="0"/>
               <a:t>‹#›</a:t>
             </a:fld>
@@ -2147,7 +2448,7 @@
     </p:spTree>
     <p:extLst>
       <p:ext uri="{BB962C8B-B14F-4D97-AF65-F5344CB8AC3E}">
-        <p14:creationId xmlns:p14="http://schemas.microsoft.com/office/powerpoint/2010/main" val="1574157481"/>
+        <p14:creationId xmlns:p14="http://schemas.microsoft.com/office/powerpoint/2010/main" val="1500093267"/>
       </p:ext>
     </p:extLst>
   </p:cSld>
@@ -2176,7 +2477,13 @@
       </p:grpSpPr>
       <p:sp>
         <p:nvSpPr>
-          <p:cNvPr id="2" name="Title 1"/>
+          <p:cNvPr id="2" name="Title 1">
+            <a:extLst>
+              <a:ext uri="{FF2B5EF4-FFF2-40B4-BE49-F238E27FC236}">
+                <a16:creationId xmlns:a16="http://schemas.microsoft.com/office/drawing/2014/main" id="{4AB7D031-EA49-5E4C-8F8B-B8293915990D}"/>
+              </a:ext>
+            </a:extLst>
+          </p:cNvPr>
           <p:cNvSpPr>
             <a:spLocks noGrp="1"/>
           </p:cNvSpPr>
@@ -2186,8 +2493,8 @@
         </p:nvSpPr>
         <p:spPr>
           <a:xfrm>
-            <a:off x="629841" y="457200"/>
-            <a:ext cx="2949178" cy="1600200"/>
+            <a:off x="839788" y="457200"/>
+            <a:ext cx="3932237" cy="1600200"/>
           </a:xfrm>
         </p:spPr>
         <p:txBody>
@@ -2202,15 +2509,20 @@
               <a:rPr lang="en-US"/>
               <a:t>Click to edit Master title style</a:t>
             </a:r>
-            <a:endParaRPr lang="en-US" dirty="0"/>
-          </a:p>
-        </p:txBody>
-      </p:sp>
-      <p:sp>
-        <p:nvSpPr>
-          <p:cNvPr id="3" name="Picture Placeholder 2"/>
+          </a:p>
+        </p:txBody>
+      </p:sp>
+      <p:sp>
+        <p:nvSpPr>
+          <p:cNvPr id="3" name="Picture Placeholder 2">
+            <a:extLst>
+              <a:ext uri="{FF2B5EF4-FFF2-40B4-BE49-F238E27FC236}">
+                <a16:creationId xmlns:a16="http://schemas.microsoft.com/office/drawing/2014/main" id="{25F25307-292F-6843-BDE0-435D521CE6FE}"/>
+              </a:ext>
+            </a:extLst>
+          </p:cNvPr>
           <p:cNvSpPr>
-            <a:spLocks noGrp="1" noChangeAspect="1"/>
+            <a:spLocks noGrp="1"/>
           </p:cNvSpPr>
           <p:nvPr>
             <p:ph type="pic" idx="1"/>
@@ -2218,12 +2530,12 @@
         </p:nvSpPr>
         <p:spPr>
           <a:xfrm>
-            <a:off x="3887391" y="987426"/>
-            <a:ext cx="4629150" cy="4873625"/>
+            <a:off x="5183188" y="987425"/>
+            <a:ext cx="6172200" cy="4873625"/>
           </a:xfrm>
         </p:spPr>
         <p:txBody>
-          <a:bodyPr anchor="t"/>
+          <a:bodyPr/>
           <a:lstStyle>
             <a:lvl1pPr marL="0" indent="0">
               <a:buNone/>
@@ -2263,17 +2575,19 @@
             </a:lvl9pPr>
           </a:lstStyle>
           <a:p>
-            <a:r>
-              <a:rPr lang="en-US"/>
-              <a:t>Click icon to add picture</a:t>
-            </a:r>
-            <a:endParaRPr lang="en-US" dirty="0"/>
-          </a:p>
-        </p:txBody>
-      </p:sp>
-      <p:sp>
-        <p:nvSpPr>
-          <p:cNvPr id="4" name="Text Placeholder 3"/>
+            <a:endParaRPr lang="en-US"/>
+          </a:p>
+        </p:txBody>
+      </p:sp>
+      <p:sp>
+        <p:nvSpPr>
+          <p:cNvPr id="4" name="Text Placeholder 3">
+            <a:extLst>
+              <a:ext uri="{FF2B5EF4-FFF2-40B4-BE49-F238E27FC236}">
+                <a16:creationId xmlns:a16="http://schemas.microsoft.com/office/drawing/2014/main" id="{1D4C2E14-7BBB-BC43-9D18-D98A18F16CDF}"/>
+              </a:ext>
+            </a:extLst>
+          </p:cNvPr>
           <p:cNvSpPr>
             <a:spLocks noGrp="1"/>
           </p:cNvSpPr>
@@ -2283,8 +2597,8 @@
         </p:nvSpPr>
         <p:spPr>
           <a:xfrm>
-            <a:off x="629841" y="2057400"/>
-            <a:ext cx="2949178" cy="3811588"/>
+            <a:off x="839788" y="2057400"/>
+            <a:ext cx="3932237" cy="3811588"/>
           </a:xfrm>
         </p:spPr>
         <p:txBody>
@@ -2338,7 +2652,13 @@
       </p:sp>
       <p:sp>
         <p:nvSpPr>
-          <p:cNvPr id="5" name="Date Placeholder 4"/>
+          <p:cNvPr id="5" name="Date Placeholder 4">
+            <a:extLst>
+              <a:ext uri="{FF2B5EF4-FFF2-40B4-BE49-F238E27FC236}">
+                <a16:creationId xmlns:a16="http://schemas.microsoft.com/office/drawing/2014/main" id="{394F06BE-9261-2640-85F9-B161741949FB}"/>
+              </a:ext>
+            </a:extLst>
+          </p:cNvPr>
           <p:cNvSpPr>
             <a:spLocks noGrp="1"/>
           </p:cNvSpPr>
@@ -2351,9 +2671,9 @@
           <a:bodyPr/>
           <a:lstStyle/>
           <a:p>
-            <a:fld id="{B23D9760-FF74-A945-B648-430B90E24A94}" type="datetimeFigureOut">
+            <a:fld id="{303D7DAC-2925-7E4D-88C9-53611B8DDF89}" type="datetimeFigureOut">
               <a:rPr lang="en-US" smtClean="0"/>
-              <a:t>3/3/23</a:t>
+              <a:t>4/5/23</a:t>
             </a:fld>
             <a:endParaRPr lang="en-US"/>
           </a:p>
@@ -2361,7 +2681,13 @@
       </p:sp>
       <p:sp>
         <p:nvSpPr>
-          <p:cNvPr id="6" name="Footer Placeholder 5"/>
+          <p:cNvPr id="6" name="Footer Placeholder 5">
+            <a:extLst>
+              <a:ext uri="{FF2B5EF4-FFF2-40B4-BE49-F238E27FC236}">
+                <a16:creationId xmlns:a16="http://schemas.microsoft.com/office/drawing/2014/main" id="{9A712D48-5EB9-AD4A-B310-47276EDD3DC3}"/>
+              </a:ext>
+            </a:extLst>
+          </p:cNvPr>
           <p:cNvSpPr>
             <a:spLocks noGrp="1"/>
           </p:cNvSpPr>
@@ -2380,7 +2706,13 @@
       </p:sp>
       <p:sp>
         <p:nvSpPr>
-          <p:cNvPr id="7" name="Slide Number Placeholder 6"/>
+          <p:cNvPr id="7" name="Slide Number Placeholder 6">
+            <a:extLst>
+              <a:ext uri="{FF2B5EF4-FFF2-40B4-BE49-F238E27FC236}">
+                <a16:creationId xmlns:a16="http://schemas.microsoft.com/office/drawing/2014/main" id="{4DD45FA8-E67D-CE46-AEC0-E08349649B33}"/>
+              </a:ext>
+            </a:extLst>
+          </p:cNvPr>
           <p:cNvSpPr>
             <a:spLocks noGrp="1"/>
           </p:cNvSpPr>
@@ -2393,7 +2725,7 @@
           <a:bodyPr/>
           <a:lstStyle/>
           <a:p>
-            <a:fld id="{98E85D06-C739-0643-9E68-73D46CEE9009}" type="slidenum">
+            <a:fld id="{8AF81BBA-B4BC-C14F-8256-1AA858B9C697}" type="slidenum">
               <a:rPr lang="en-US" smtClean="0"/>
               <a:t>‹#›</a:t>
             </a:fld>
@@ -2404,7 +2736,7 @@
     </p:spTree>
     <p:extLst>
       <p:ext uri="{BB962C8B-B14F-4D97-AF65-F5344CB8AC3E}">
-        <p14:creationId xmlns:p14="http://schemas.microsoft.com/office/powerpoint/2010/main" val="430164321"/>
+        <p14:creationId xmlns:p14="http://schemas.microsoft.com/office/powerpoint/2010/main" val="1758850246"/>
       </p:ext>
     </p:extLst>
   </p:cSld>
@@ -2438,7 +2770,13 @@
       </p:grpSpPr>
       <p:sp>
         <p:nvSpPr>
-          <p:cNvPr id="2" name="Title Placeholder 1"/>
+          <p:cNvPr id="2" name="Title Placeholder 1">
+            <a:extLst>
+              <a:ext uri="{FF2B5EF4-FFF2-40B4-BE49-F238E27FC236}">
+                <a16:creationId xmlns:a16="http://schemas.microsoft.com/office/drawing/2014/main" id="{FB884FEC-F901-5544-94A1-DC0354D0EA5A}"/>
+              </a:ext>
+            </a:extLst>
+          </p:cNvPr>
           <p:cNvSpPr>
             <a:spLocks noGrp="1"/>
           </p:cNvSpPr>
@@ -2448,8 +2786,8 @@
         </p:nvSpPr>
         <p:spPr>
           <a:xfrm>
-            <a:off x="628650" y="365126"/>
-            <a:ext cx="7886700" cy="1325563"/>
+            <a:off x="838200" y="365125"/>
+            <a:ext cx="10515600" cy="1325563"/>
           </a:xfrm>
           <a:prstGeom prst="rect">
             <a:avLst/>
@@ -2465,13 +2803,18 @@
               <a:rPr lang="en-US"/>
               <a:t>Click to edit Master title style</a:t>
             </a:r>
-            <a:endParaRPr lang="en-US" dirty="0"/>
-          </a:p>
-        </p:txBody>
-      </p:sp>
-      <p:sp>
-        <p:nvSpPr>
-          <p:cNvPr id="3" name="Text Placeholder 2"/>
+          </a:p>
+        </p:txBody>
+      </p:sp>
+      <p:sp>
+        <p:nvSpPr>
+          <p:cNvPr id="3" name="Text Placeholder 2">
+            <a:extLst>
+              <a:ext uri="{FF2B5EF4-FFF2-40B4-BE49-F238E27FC236}">
+                <a16:creationId xmlns:a16="http://schemas.microsoft.com/office/drawing/2014/main" id="{ABDBAD16-6FAA-1D43-B1C7-2645B0D27F42}"/>
+              </a:ext>
+            </a:extLst>
+          </p:cNvPr>
           <p:cNvSpPr>
             <a:spLocks noGrp="1"/>
           </p:cNvSpPr>
@@ -2481,8 +2824,8 @@
         </p:nvSpPr>
         <p:spPr>
           <a:xfrm>
-            <a:off x="628650" y="1825625"/>
-            <a:ext cx="7886700" cy="4351338"/>
+            <a:off x="838200" y="1825625"/>
+            <a:ext cx="10515600" cy="4351338"/>
           </a:xfrm>
           <a:prstGeom prst="rect">
             <a:avLst/>
@@ -2527,13 +2870,18 @@
               <a:rPr lang="en-US"/>
               <a:t>Fifth level</a:t>
             </a:r>
-            <a:endParaRPr lang="en-US" dirty="0"/>
-          </a:p>
-        </p:txBody>
-      </p:sp>
-      <p:sp>
-        <p:nvSpPr>
-          <p:cNvPr id="4" name="Date Placeholder 3"/>
+          </a:p>
+        </p:txBody>
+      </p:sp>
+      <p:sp>
+        <p:nvSpPr>
+          <p:cNvPr id="4" name="Date Placeholder 3">
+            <a:extLst>
+              <a:ext uri="{FF2B5EF4-FFF2-40B4-BE49-F238E27FC236}">
+                <a16:creationId xmlns:a16="http://schemas.microsoft.com/office/drawing/2014/main" id="{33FB4A3F-3484-BF48-BFBF-2DE39F73204E}"/>
+              </a:ext>
+            </a:extLst>
+          </p:cNvPr>
           <p:cNvSpPr>
             <a:spLocks noGrp="1"/>
           </p:cNvSpPr>
@@ -2543,8 +2891,8 @@
         </p:nvSpPr>
         <p:spPr>
           <a:xfrm>
-            <a:off x="628650" y="6356351"/>
-            <a:ext cx="2057400" cy="365125"/>
+            <a:off x="838200" y="6356350"/>
+            <a:ext cx="2743200" cy="365125"/>
           </a:xfrm>
           <a:prstGeom prst="rect">
             <a:avLst/>
@@ -2564,9 +2912,9 @@
             </a:lvl1pPr>
           </a:lstStyle>
           <a:p>
-            <a:fld id="{B23D9760-FF74-A945-B648-430B90E24A94}" type="datetimeFigureOut">
+            <a:fld id="{303D7DAC-2925-7E4D-88C9-53611B8DDF89}" type="datetimeFigureOut">
               <a:rPr lang="en-US" smtClean="0"/>
-              <a:t>3/3/23</a:t>
+              <a:t>4/5/23</a:t>
             </a:fld>
             <a:endParaRPr lang="en-US"/>
           </a:p>
@@ -2574,7 +2922,13 @@
       </p:sp>
       <p:sp>
         <p:nvSpPr>
-          <p:cNvPr id="5" name="Footer Placeholder 4"/>
+          <p:cNvPr id="5" name="Footer Placeholder 4">
+            <a:extLst>
+              <a:ext uri="{FF2B5EF4-FFF2-40B4-BE49-F238E27FC236}">
+                <a16:creationId xmlns:a16="http://schemas.microsoft.com/office/drawing/2014/main" id="{C3D42366-595D-7B40-966F-955A1449EDAE}"/>
+              </a:ext>
+            </a:extLst>
+          </p:cNvPr>
           <p:cNvSpPr>
             <a:spLocks noGrp="1"/>
           </p:cNvSpPr>
@@ -2584,8 +2938,8 @@
         </p:nvSpPr>
         <p:spPr>
           <a:xfrm>
-            <a:off x="3028950" y="6356351"/>
-            <a:ext cx="3086100" cy="365125"/>
+            <a:off x="4038600" y="6356350"/>
+            <a:ext cx="4114800" cy="365125"/>
           </a:xfrm>
           <a:prstGeom prst="rect">
             <a:avLst/>
@@ -2611,7 +2965,13 @@
       </p:sp>
       <p:sp>
         <p:nvSpPr>
-          <p:cNvPr id="6" name="Slide Number Placeholder 5"/>
+          <p:cNvPr id="6" name="Slide Number Placeholder 5">
+            <a:extLst>
+              <a:ext uri="{FF2B5EF4-FFF2-40B4-BE49-F238E27FC236}">
+                <a16:creationId xmlns:a16="http://schemas.microsoft.com/office/drawing/2014/main" id="{4CDF6EB0-ACC4-0D47-8548-41F1F9034943}"/>
+              </a:ext>
+            </a:extLst>
+          </p:cNvPr>
           <p:cNvSpPr>
             <a:spLocks noGrp="1"/>
           </p:cNvSpPr>
@@ -2621,8 +2981,8 @@
         </p:nvSpPr>
         <p:spPr>
           <a:xfrm>
-            <a:off x="6457950" y="6356351"/>
-            <a:ext cx="2057400" cy="365125"/>
+            <a:off x="8610600" y="6356350"/>
+            <a:ext cx="2743200" cy="365125"/>
           </a:xfrm>
           <a:prstGeom prst="rect">
             <a:avLst/>
@@ -2642,7 +3002,7 @@
             </a:lvl1pPr>
           </a:lstStyle>
           <a:p>
-            <a:fld id="{98E85D06-C739-0643-9E68-73D46CEE9009}" type="slidenum">
+            <a:fld id="{8AF81BBA-B4BC-C14F-8256-1AA858B9C697}" type="slidenum">
               <a:rPr lang="en-US" smtClean="0"/>
               <a:t>‹#›</a:t>
             </a:fld>
@@ -2653,23 +3013,23 @@
     </p:spTree>
     <p:extLst>
       <p:ext uri="{BB962C8B-B14F-4D97-AF65-F5344CB8AC3E}">
-        <p14:creationId xmlns:p14="http://schemas.microsoft.com/office/powerpoint/2010/main" val="161952247"/>
+        <p14:creationId xmlns:p14="http://schemas.microsoft.com/office/powerpoint/2010/main" val="240007026"/>
       </p:ext>
     </p:extLst>
   </p:cSld>
   <p:clrMap bg1="lt1" tx1="dk1" bg2="lt2" tx2="dk2" accent1="accent1" accent2="accent2" accent3="accent3" accent4="accent4" accent5="accent5" accent6="accent6" hlink="hlink" folHlink="folHlink"/>
   <p:sldLayoutIdLst>
-    <p:sldLayoutId id="2147483661" r:id="rId1"/>
-    <p:sldLayoutId id="2147483662" r:id="rId2"/>
-    <p:sldLayoutId id="2147483663" r:id="rId3"/>
-    <p:sldLayoutId id="2147483664" r:id="rId4"/>
-    <p:sldLayoutId id="2147483665" r:id="rId5"/>
-    <p:sldLayoutId id="2147483666" r:id="rId6"/>
-    <p:sldLayoutId id="2147483667" r:id="rId7"/>
-    <p:sldLayoutId id="2147483668" r:id="rId8"/>
-    <p:sldLayoutId id="2147483669" r:id="rId9"/>
-    <p:sldLayoutId id="2147483670" r:id="rId10"/>
-    <p:sldLayoutId id="2147483671" r:id="rId11"/>
+    <p:sldLayoutId id="2147483649" r:id="rId1"/>
+    <p:sldLayoutId id="2147483650" r:id="rId2"/>
+    <p:sldLayoutId id="2147483651" r:id="rId3"/>
+    <p:sldLayoutId id="2147483652" r:id="rId4"/>
+    <p:sldLayoutId id="2147483653" r:id="rId5"/>
+    <p:sldLayoutId id="2147483654" r:id="rId6"/>
+    <p:sldLayoutId id="2147483655" r:id="rId7"/>
+    <p:sldLayoutId id="2147483656" r:id="rId8"/>
+    <p:sldLayoutId id="2147483657" r:id="rId9"/>
+    <p:sldLayoutId id="2147483658" r:id="rId10"/>
+    <p:sldLayoutId id="2147483659" r:id="rId11"/>
   </p:sldLayoutIdLst>
   <p:txStyles>
     <p:titleStyle>
@@ -2971,12 +3331,312 @@
           <a:chExt cx="0" cy="0"/>
         </a:xfrm>
       </p:grpSpPr>
+      <p:sp>
+        <p:nvSpPr>
+          <p:cNvPr id="49" name="Rectangle 48">
+            <a:extLst>
+              <a:ext uri="{FF2B5EF4-FFF2-40B4-BE49-F238E27FC236}">
+                <a16:creationId xmlns:a16="http://schemas.microsoft.com/office/drawing/2014/main" id="{EA5B63B3-594D-2F4D-8586-3AF73E68C3CE}"/>
+              </a:ext>
+            </a:extLst>
+          </p:cNvPr>
+          <p:cNvSpPr/>
+          <p:nvPr/>
+        </p:nvSpPr>
+        <p:spPr>
+          <a:xfrm>
+            <a:off x="1231900" y="736600"/>
+            <a:ext cx="9867900" cy="5283200"/>
+          </a:xfrm>
+          <a:prstGeom prst="rect">
+            <a:avLst/>
+          </a:prstGeom>
+          <a:noFill/>
+          <a:ln>
+            <a:solidFill>
+              <a:schemeClr val="tx1"/>
+            </a:solidFill>
+          </a:ln>
+        </p:spPr>
+        <p:style>
+          <a:lnRef idx="2">
+            <a:schemeClr val="accent1">
+              <a:shade val="50000"/>
+            </a:schemeClr>
+          </a:lnRef>
+          <a:fillRef idx="1">
+            <a:schemeClr val="accent1"/>
+          </a:fillRef>
+          <a:effectRef idx="0">
+            <a:schemeClr val="accent1"/>
+          </a:effectRef>
+          <a:fontRef idx="minor">
+            <a:schemeClr val="lt1"/>
+          </a:fontRef>
+        </p:style>
+        <p:txBody>
+          <a:bodyPr rtlCol="0" anchor="ctr"/>
+          <a:lstStyle/>
+          <a:p>
+            <a:pPr algn="ctr"/>
+            <a:endParaRPr lang="en-US"/>
+          </a:p>
+        </p:txBody>
+      </p:sp>
+      <p:sp>
+        <p:nvSpPr>
+          <p:cNvPr id="4" name="Rectangle 3">
+            <a:extLst>
+              <a:ext uri="{FF2B5EF4-FFF2-40B4-BE49-F238E27FC236}">
+                <a16:creationId xmlns:a16="http://schemas.microsoft.com/office/drawing/2014/main" id="{C2EEE33D-1FA3-4144-BDC0-72C79F2C10F0}"/>
+              </a:ext>
+            </a:extLst>
+          </p:cNvPr>
+          <p:cNvSpPr/>
+          <p:nvPr/>
+        </p:nvSpPr>
+        <p:spPr>
+          <a:xfrm>
+            <a:off x="1445342" y="1490406"/>
+            <a:ext cx="9438968" cy="4311446"/>
+          </a:xfrm>
+          <a:prstGeom prst="rect">
+            <a:avLst/>
+          </a:prstGeom>
+          <a:noFill/>
+          <a:ln>
+            <a:solidFill>
+              <a:schemeClr val="tx1"/>
+            </a:solidFill>
+          </a:ln>
+        </p:spPr>
+        <p:style>
+          <a:lnRef idx="2">
+            <a:schemeClr val="accent1">
+              <a:shade val="50000"/>
+            </a:schemeClr>
+          </a:lnRef>
+          <a:fillRef idx="1">
+            <a:schemeClr val="accent1"/>
+          </a:fillRef>
+          <a:effectRef idx="0">
+            <a:schemeClr val="accent1"/>
+          </a:effectRef>
+          <a:fontRef idx="minor">
+            <a:schemeClr val="lt1"/>
+          </a:fontRef>
+        </p:style>
+        <p:txBody>
+          <a:bodyPr rtlCol="0" anchor="ctr"/>
+          <a:lstStyle/>
+          <a:p>
+            <a:pPr algn="ctr"/>
+            <a:endParaRPr lang="en-US" sz="1600">
+              <a:latin typeface="Roboto Medium" panose="02000000000000000000" pitchFamily="2" charset="0"/>
+              <a:ea typeface="Roboto Medium" panose="02000000000000000000" pitchFamily="2" charset="0"/>
+            </a:endParaRPr>
+          </a:p>
+        </p:txBody>
+      </p:sp>
+      <p:sp>
+        <p:nvSpPr>
+          <p:cNvPr id="13" name="TextBox 12">
+            <a:extLst>
+              <a:ext uri="{FF2B5EF4-FFF2-40B4-BE49-F238E27FC236}">
+                <a16:creationId xmlns:a16="http://schemas.microsoft.com/office/drawing/2014/main" id="{8C48EAC3-D9BC-0C42-819F-AEDF53E266E0}"/>
+              </a:ext>
+            </a:extLst>
+          </p:cNvPr>
+          <p:cNvSpPr txBox="1"/>
+          <p:nvPr/>
+        </p:nvSpPr>
+        <p:spPr>
+          <a:xfrm>
+            <a:off x="1637413" y="1105685"/>
+            <a:ext cx="1701209" cy="369332"/>
+          </a:xfrm>
+          <a:prstGeom prst="rect">
+            <a:avLst/>
+          </a:prstGeom>
+          <a:solidFill>
+            <a:schemeClr val="accent4">
+              <a:lumMod val="20000"/>
+              <a:lumOff val="80000"/>
+            </a:schemeClr>
+          </a:solidFill>
+          <a:ln>
+            <a:solidFill>
+              <a:schemeClr val="tx1"/>
+            </a:solidFill>
+          </a:ln>
+        </p:spPr>
+        <p:txBody>
+          <a:bodyPr wrap="square" rtlCol="0" anchor="ctr">
+            <a:spAutoFit/>
+          </a:bodyPr>
+          <a:lstStyle/>
+          <a:p>
+            <a:pPr algn="ctr"/>
+            <a:r>
+              <a:rPr lang="en-US" dirty="0">
+                <a:solidFill>
+                  <a:srgbClr val="C00000"/>
+                </a:solidFill>
+                <a:latin typeface="Roboto Light" panose="02000000000000000000" pitchFamily="2" charset="0"/>
+                <a:ea typeface="Roboto Light" panose="02000000000000000000" pitchFamily="2" charset="0"/>
+              </a:rPr>
+              <a:t>General</a:t>
+            </a:r>
+          </a:p>
+        </p:txBody>
+      </p:sp>
+      <p:sp>
+        <p:nvSpPr>
+          <p:cNvPr id="14" name="TextBox 13">
+            <a:extLst>
+              <a:ext uri="{FF2B5EF4-FFF2-40B4-BE49-F238E27FC236}">
+                <a16:creationId xmlns:a16="http://schemas.microsoft.com/office/drawing/2014/main" id="{49413004-037C-D841-BFF9-56787C7B6CAD}"/>
+              </a:ext>
+            </a:extLst>
+          </p:cNvPr>
+          <p:cNvSpPr txBox="1"/>
+          <p:nvPr/>
+        </p:nvSpPr>
+        <p:spPr>
+          <a:xfrm>
+            <a:off x="5039831" y="1103573"/>
+            <a:ext cx="1701209" cy="369332"/>
+          </a:xfrm>
+          <a:prstGeom prst="rect">
+            <a:avLst/>
+          </a:prstGeom>
+          <a:noFill/>
+          <a:ln>
+            <a:solidFill>
+              <a:schemeClr val="tx1"/>
+            </a:solidFill>
+          </a:ln>
+        </p:spPr>
+        <p:txBody>
+          <a:bodyPr wrap="square" rtlCol="0" anchor="ctr">
+            <a:spAutoFit/>
+          </a:bodyPr>
+          <a:lstStyle/>
+          <a:p>
+            <a:pPr algn="ctr"/>
+            <a:r>
+              <a:rPr lang="en-US" dirty="0">
+                <a:solidFill>
+                  <a:srgbClr val="C00000"/>
+                </a:solidFill>
+                <a:latin typeface="Roboto Light" panose="02000000000000000000" pitchFamily="2" charset="0"/>
+                <a:ea typeface="Roboto Light" panose="02000000000000000000" pitchFamily="2" charset="0"/>
+              </a:rPr>
+              <a:t>Admin</a:t>
+            </a:r>
+          </a:p>
+        </p:txBody>
+      </p:sp>
+      <p:sp>
+        <p:nvSpPr>
+          <p:cNvPr id="15" name="TextBox 14">
+            <a:extLst>
+              <a:ext uri="{FF2B5EF4-FFF2-40B4-BE49-F238E27FC236}">
+                <a16:creationId xmlns:a16="http://schemas.microsoft.com/office/drawing/2014/main" id="{C78C22E9-80F7-4C4F-850F-6FAA174461A7}"/>
+              </a:ext>
+            </a:extLst>
+          </p:cNvPr>
+          <p:cNvSpPr txBox="1"/>
+          <p:nvPr/>
+        </p:nvSpPr>
+        <p:spPr>
+          <a:xfrm>
+            <a:off x="3338622" y="1103573"/>
+            <a:ext cx="1701209" cy="369332"/>
+          </a:xfrm>
+          <a:prstGeom prst="rect">
+            <a:avLst/>
+          </a:prstGeom>
+          <a:noFill/>
+          <a:ln>
+            <a:solidFill>
+              <a:schemeClr val="tx1"/>
+            </a:solidFill>
+          </a:ln>
+        </p:spPr>
+        <p:txBody>
+          <a:bodyPr wrap="square" rtlCol="0" anchor="ctr">
+            <a:spAutoFit/>
+          </a:bodyPr>
+          <a:lstStyle/>
+          <a:p>
+            <a:pPr algn="ctr"/>
+            <a:r>
+              <a:rPr lang="en-US" dirty="0">
+                <a:solidFill>
+                  <a:srgbClr val="C00000"/>
+                </a:solidFill>
+                <a:latin typeface="Roboto Light" panose="02000000000000000000" pitchFamily="2" charset="0"/>
+                <a:ea typeface="Roboto Light" panose="02000000000000000000" pitchFamily="2" charset="0"/>
+              </a:rPr>
+              <a:t>Users</a:t>
+            </a:r>
+          </a:p>
+        </p:txBody>
+      </p:sp>
+      <p:sp>
+        <p:nvSpPr>
+          <p:cNvPr id="17" name="TextBox 16">
+            <a:extLst>
+              <a:ext uri="{FF2B5EF4-FFF2-40B4-BE49-F238E27FC236}">
+                <a16:creationId xmlns:a16="http://schemas.microsoft.com/office/drawing/2014/main" id="{D91249C1-1392-7C46-A83A-0DC60B3C761E}"/>
+              </a:ext>
+            </a:extLst>
+          </p:cNvPr>
+          <p:cNvSpPr txBox="1"/>
+          <p:nvPr/>
+        </p:nvSpPr>
+        <p:spPr>
+          <a:xfrm>
+            <a:off x="6741040" y="1105685"/>
+            <a:ext cx="2802213" cy="369332"/>
+          </a:xfrm>
+          <a:prstGeom prst="rect">
+            <a:avLst/>
+          </a:prstGeom>
+          <a:noFill/>
+          <a:ln>
+            <a:solidFill>
+              <a:schemeClr val="tx1"/>
+            </a:solidFill>
+          </a:ln>
+        </p:spPr>
+        <p:txBody>
+          <a:bodyPr wrap="square" rtlCol="0" anchor="ctr">
+            <a:spAutoFit/>
+          </a:bodyPr>
+          <a:lstStyle/>
+          <a:p>
+            <a:pPr algn="ctr"/>
+            <a:r>
+              <a:rPr lang="en-US" dirty="0">
+                <a:solidFill>
+                  <a:srgbClr val="C00000"/>
+                </a:solidFill>
+                <a:latin typeface="Roboto Light" panose="02000000000000000000" pitchFamily="2" charset="0"/>
+                <a:ea typeface="Roboto Light" panose="02000000000000000000" pitchFamily="2" charset="0"/>
+              </a:rPr>
+              <a:t>Privacy and Sharing</a:t>
+            </a:r>
+          </a:p>
+        </p:txBody>
+      </p:sp>
       <p:grpSp>
         <p:nvGrpSpPr>
-          <p:cNvPr id="10" name="Group 9">
-            <a:extLst>
-              <a:ext uri="{FF2B5EF4-FFF2-40B4-BE49-F238E27FC236}">
-                <a16:creationId xmlns:a16="http://schemas.microsoft.com/office/drawing/2014/main" id="{9BB844C0-472A-7F40-8FD3-689AB290F7F8}"/>
+          <p:cNvPr id="28" name="Group 27">
+            <a:extLst>
+              <a:ext uri="{FF2B5EF4-FFF2-40B4-BE49-F238E27FC236}">
+                <a16:creationId xmlns:a16="http://schemas.microsoft.com/office/drawing/2014/main" id="{03875207-554C-2443-A6AF-74DBE7CE6DC1}"/>
               </a:ext>
             </a:extLst>
           </p:cNvPr>
@@ -2985,18 +3645,107 @@
         </p:nvGrpSpPr>
         <p:grpSpPr>
           <a:xfrm>
-            <a:off x="464233" y="-1126829"/>
-            <a:ext cx="7920000" cy="10080000"/>
-            <a:chOff x="464233" y="-1819556"/>
-            <a:chExt cx="7920000" cy="10080000"/>
+            <a:off x="1628264" y="1590697"/>
+            <a:ext cx="4236442" cy="629228"/>
+            <a:chOff x="1995948" y="2678668"/>
+            <a:chExt cx="4236442" cy="629228"/>
           </a:xfrm>
         </p:grpSpPr>
         <p:sp>
           <p:nvSpPr>
-            <p:cNvPr id="5" name="Rectangle 4">
+            <p:cNvPr id="19" name="TextBox 18">
               <a:extLst>
                 <a:ext uri="{FF2B5EF4-FFF2-40B4-BE49-F238E27FC236}">
-                  <a16:creationId xmlns:a16="http://schemas.microsoft.com/office/drawing/2014/main" id="{38AAC717-4C1F-C645-AD27-EB2AD40BD341}"/>
+                  <a16:creationId xmlns:a16="http://schemas.microsoft.com/office/drawing/2014/main" id="{A8FAEC67-CB4C-7748-B502-BF0602B97847}"/>
+                </a:ext>
+              </a:extLst>
+            </p:cNvPr>
+            <p:cNvSpPr txBox="1"/>
+            <p:nvPr/>
+          </p:nvSpPr>
+          <p:spPr>
+            <a:xfrm>
+              <a:off x="1995948" y="2969342"/>
+              <a:ext cx="4236442" cy="338554"/>
+            </a:xfrm>
+            <a:prstGeom prst="rect">
+              <a:avLst/>
+            </a:prstGeom>
+            <a:solidFill>
+              <a:srgbClr val="FFE2D5"/>
+            </a:solidFill>
+            <a:ln>
+              <a:solidFill>
+                <a:schemeClr val="accent3"/>
+              </a:solidFill>
+            </a:ln>
+          </p:spPr>
+          <p:txBody>
+            <a:bodyPr wrap="square" rtlCol="0">
+              <a:spAutoFit/>
+            </a:bodyPr>
+            <a:lstStyle/>
+            <a:p>
+              <a:endParaRPr lang="en-US" sz="1600" dirty="0">
+                <a:solidFill>
+                  <a:srgbClr val="FFE2D5"/>
+                </a:solidFill>
+                <a:latin typeface="Roboto Medium" panose="02000000000000000000" pitchFamily="2" charset="0"/>
+                <a:ea typeface="Roboto Medium" panose="02000000000000000000" pitchFamily="2" charset="0"/>
+              </a:endParaRPr>
+            </a:p>
+          </p:txBody>
+        </p:sp>
+        <p:sp>
+          <p:nvSpPr>
+            <p:cNvPr id="21" name="TextBox 20">
+              <a:extLst>
+                <a:ext uri="{FF2B5EF4-FFF2-40B4-BE49-F238E27FC236}">
+                  <a16:creationId xmlns:a16="http://schemas.microsoft.com/office/drawing/2014/main" id="{75F0D9D8-D94A-8E48-A386-709E43D1F24C}"/>
+                </a:ext>
+              </a:extLst>
+            </p:cNvPr>
+            <p:cNvSpPr txBox="1"/>
+            <p:nvPr/>
+          </p:nvSpPr>
+          <p:spPr>
+            <a:xfrm>
+              <a:off x="1995948" y="2678668"/>
+              <a:ext cx="2438400" cy="261610"/>
+            </a:xfrm>
+            <a:prstGeom prst="rect">
+              <a:avLst/>
+            </a:prstGeom>
+            <a:noFill/>
+            <a:ln>
+              <a:noFill/>
+            </a:ln>
+          </p:spPr>
+          <p:txBody>
+            <a:bodyPr wrap="square" rtlCol="0">
+              <a:spAutoFit/>
+            </a:bodyPr>
+            <a:lstStyle/>
+            <a:p>
+              <a:r>
+                <a:rPr lang="en-US" sz="1100" dirty="0">
+                  <a:solidFill>
+                    <a:schemeClr val="tx2"/>
+                  </a:solidFill>
+                  <a:latin typeface="Roboto Medium" panose="02000000000000000000" pitchFamily="2" charset="0"/>
+                  <a:ea typeface="Roboto Medium" panose="02000000000000000000" pitchFamily="2" charset="0"/>
+                </a:rPr>
+                <a:t>Organization Acronym</a:t>
+              </a:r>
+            </a:p>
+          </p:txBody>
+        </p:sp>
+        <p:sp>
+          <p:nvSpPr>
+            <p:cNvPr id="24" name="Oval 23">
+              <a:extLst>
+                <a:ext uri="{FF2B5EF4-FFF2-40B4-BE49-F238E27FC236}">
+                  <a16:creationId xmlns:a16="http://schemas.microsoft.com/office/drawing/2014/main" id="{1211D64F-FDB4-8D43-98B3-3B7408451754}"/>
                 </a:ext>
               </a:extLst>
             </p:cNvPr>
@@ -3005,18 +3754,18 @@
           </p:nvSpPr>
           <p:spPr>
             <a:xfrm>
-              <a:off x="464233" y="-1819556"/>
-              <a:ext cx="7920000" cy="10080000"/>
+              <a:off x="3539613" y="2722272"/>
+              <a:ext cx="186813" cy="182970"/>
             </a:xfrm>
-            <a:prstGeom prst="rect">
+            <a:prstGeom prst="ellipse">
               <a:avLst/>
             </a:prstGeom>
             <a:solidFill>
-              <a:schemeClr val="bg1"/>
+              <a:schemeClr val="accent4"/>
             </a:solidFill>
             <a:ln>
               <a:solidFill>
-                <a:schemeClr val="tx1"/>
+                <a:schemeClr val="bg1"/>
               </a:solidFill>
             </a:ln>
           </p:spPr>
@@ -3041,16 +3790,129 @@
             <a:lstStyle/>
             <a:p>
               <a:pPr algn="ctr"/>
-              <a:endParaRPr lang="en-US" dirty="0"/>
+              <a:endParaRPr lang="en-US" sz="1600">
+                <a:solidFill>
+                  <a:srgbClr val="FFC000"/>
+                </a:solidFill>
+                <a:latin typeface="Roboto Medium" panose="02000000000000000000" pitchFamily="2" charset="0"/>
+                <a:ea typeface="Roboto Medium" panose="02000000000000000000" pitchFamily="2" charset="0"/>
+              </a:endParaRPr>
+            </a:p>
+          </p:txBody>
+        </p:sp>
+      </p:grpSp>
+      <p:grpSp>
+        <p:nvGrpSpPr>
+          <p:cNvPr id="29" name="Group 28">
+            <a:extLst>
+              <a:ext uri="{FF2B5EF4-FFF2-40B4-BE49-F238E27FC236}">
+                <a16:creationId xmlns:a16="http://schemas.microsoft.com/office/drawing/2014/main" id="{8D12C5DB-84C6-344F-AB09-9FDC928E4DFA}"/>
+              </a:ext>
+            </a:extLst>
+          </p:cNvPr>
+          <p:cNvGrpSpPr/>
+          <p:nvPr/>
+        </p:nvGrpSpPr>
+        <p:grpSpPr>
+          <a:xfrm>
+            <a:off x="1623690" y="2232694"/>
+            <a:ext cx="4241015" cy="629228"/>
+            <a:chOff x="1995948" y="2678668"/>
+            <a:chExt cx="4241015" cy="629228"/>
+          </a:xfrm>
+        </p:grpSpPr>
+        <p:sp>
+          <p:nvSpPr>
+            <p:cNvPr id="30" name="TextBox 29">
+              <a:extLst>
+                <a:ext uri="{FF2B5EF4-FFF2-40B4-BE49-F238E27FC236}">
+                  <a16:creationId xmlns:a16="http://schemas.microsoft.com/office/drawing/2014/main" id="{06A6334B-7CE3-6E4C-8FF1-624450F964CB}"/>
+                </a:ext>
+              </a:extLst>
+            </p:cNvPr>
+            <p:cNvSpPr txBox="1"/>
+            <p:nvPr/>
+          </p:nvSpPr>
+          <p:spPr>
+            <a:xfrm>
+              <a:off x="2009670" y="2969342"/>
+              <a:ext cx="4227293" cy="338554"/>
+            </a:xfrm>
+            <a:prstGeom prst="rect">
+              <a:avLst/>
+            </a:prstGeom>
+            <a:solidFill>
+              <a:srgbClr val="FFE2D5"/>
+            </a:solidFill>
+            <a:ln>
+              <a:solidFill>
+                <a:schemeClr val="accent3"/>
+              </a:solidFill>
+            </a:ln>
+          </p:spPr>
+          <p:txBody>
+            <a:bodyPr wrap="square" rtlCol="0">
+              <a:spAutoFit/>
+            </a:bodyPr>
+            <a:lstStyle/>
+            <a:p>
+              <a:endParaRPr lang="en-US" sz="1600" dirty="0">
+                <a:latin typeface="Roboto Medium" panose="02000000000000000000" pitchFamily="2" charset="0"/>
+                <a:ea typeface="Roboto Medium" panose="02000000000000000000" pitchFamily="2" charset="0"/>
+              </a:endParaRPr>
             </a:p>
           </p:txBody>
         </p:sp>
         <p:sp>
           <p:nvSpPr>
-            <p:cNvPr id="8" name="Hexagon 7">
+            <p:cNvPr id="31" name="TextBox 30">
               <a:extLst>
                 <a:ext uri="{FF2B5EF4-FFF2-40B4-BE49-F238E27FC236}">
-                  <a16:creationId xmlns:a16="http://schemas.microsoft.com/office/drawing/2014/main" id="{EB102C1F-2F9A-C44D-8563-E989C26ECE59}"/>
+                  <a16:creationId xmlns:a16="http://schemas.microsoft.com/office/drawing/2014/main" id="{705BABFD-BD98-BA40-AE1E-2C84ED2674CA}"/>
+                </a:ext>
+              </a:extLst>
+            </p:cNvPr>
+            <p:cNvSpPr txBox="1"/>
+            <p:nvPr/>
+          </p:nvSpPr>
+          <p:spPr>
+            <a:xfrm>
+              <a:off x="1995948" y="2678668"/>
+              <a:ext cx="2438400" cy="261610"/>
+            </a:xfrm>
+            <a:prstGeom prst="rect">
+              <a:avLst/>
+            </a:prstGeom>
+            <a:noFill/>
+            <a:ln>
+              <a:noFill/>
+            </a:ln>
+          </p:spPr>
+          <p:txBody>
+            <a:bodyPr wrap="square" rtlCol="0">
+              <a:spAutoFit/>
+            </a:bodyPr>
+            <a:lstStyle/>
+            <a:p>
+              <a:r>
+                <a:rPr lang="en-US" sz="1100" dirty="0">
+                  <a:solidFill>
+                    <a:schemeClr val="tx2"/>
+                  </a:solidFill>
+                  <a:latin typeface="Roboto Medium" panose="02000000000000000000" pitchFamily="2" charset="0"/>
+                  <a:ea typeface="Roboto Medium" panose="02000000000000000000" pitchFamily="2" charset="0"/>
+                </a:rPr>
+                <a:t>Organization Name</a:t>
+              </a:r>
+            </a:p>
+          </p:txBody>
+        </p:sp>
+        <p:sp>
+          <p:nvSpPr>
+            <p:cNvPr id="32" name="Oval 31">
+              <a:extLst>
+                <a:ext uri="{FF2B5EF4-FFF2-40B4-BE49-F238E27FC236}">
+                  <a16:creationId xmlns:a16="http://schemas.microsoft.com/office/drawing/2014/main" id="{50D5E3A2-B078-3547-A43E-6B0F250099D0}"/>
                 </a:ext>
               </a:extLst>
             </p:cNvPr>
@@ -3058,19 +3920,19 @@
             <p:nvPr/>
           </p:nvSpPr>
           <p:spPr>
-            <a:xfrm rot="5400000">
-              <a:off x="4690533" y="-1066800"/>
-              <a:ext cx="3332033" cy="2895600"/>
+            <a:xfrm>
+              <a:off x="3539613" y="2722272"/>
+              <a:ext cx="186813" cy="182970"/>
             </a:xfrm>
-            <a:prstGeom prst="hexagon">
+            <a:prstGeom prst="ellipse">
               <a:avLst/>
             </a:prstGeom>
             <a:solidFill>
-              <a:schemeClr val="bg2"/>
+              <a:schemeClr val="accent4"/>
             </a:solidFill>
             <a:ln>
               <a:solidFill>
-                <a:schemeClr val="tx1"/>
+                <a:schemeClr val="bg1"/>
               </a:solidFill>
             </a:ln>
           </p:spPr>
@@ -3095,16 +3957,43 @@
             <a:lstStyle/>
             <a:p>
               <a:pPr algn="ctr"/>
-              <a:endParaRPr lang="en-US"/>
+              <a:endParaRPr lang="en-US" sz="1600">
+                <a:solidFill>
+                  <a:srgbClr val="FFC000"/>
+                </a:solidFill>
+                <a:latin typeface="Roboto Medium" panose="02000000000000000000" pitchFamily="2" charset="0"/>
+                <a:ea typeface="Roboto Medium" panose="02000000000000000000" pitchFamily="2" charset="0"/>
+              </a:endParaRPr>
             </a:p>
           </p:txBody>
         </p:sp>
+      </p:grpSp>
+      <p:grpSp>
+        <p:nvGrpSpPr>
+          <p:cNvPr id="33" name="Group 32">
+            <a:extLst>
+              <a:ext uri="{FF2B5EF4-FFF2-40B4-BE49-F238E27FC236}">
+                <a16:creationId xmlns:a16="http://schemas.microsoft.com/office/drawing/2014/main" id="{07E86ABB-8931-6143-83FB-542DBB16087D}"/>
+              </a:ext>
+            </a:extLst>
+          </p:cNvPr>
+          <p:cNvGrpSpPr/>
+          <p:nvPr/>
+        </p:nvGrpSpPr>
+        <p:grpSpPr>
+          <a:xfrm>
+            <a:off x="1623691" y="3660846"/>
+            <a:ext cx="4251424" cy="1367891"/>
+            <a:chOff x="1995948" y="2678668"/>
+            <a:chExt cx="4251424" cy="1367891"/>
+          </a:xfrm>
+        </p:grpSpPr>
         <p:sp>
           <p:nvSpPr>
-            <p:cNvPr id="7" name="TextBox 6">
+            <p:cNvPr id="34" name="TextBox 33">
               <a:extLst>
                 <a:ext uri="{FF2B5EF4-FFF2-40B4-BE49-F238E27FC236}">
-                  <a16:creationId xmlns:a16="http://schemas.microsoft.com/office/drawing/2014/main" id="{04DB9B9C-B3C9-C34F-ADB3-C64162341B1E}"/>
+                  <a16:creationId xmlns:a16="http://schemas.microsoft.com/office/drawing/2014/main" id="{6ACD15C9-F8E1-8449-AA78-EE110F55CAB8}"/>
                 </a:ext>
               </a:extLst>
             </p:cNvPr>
@@ -3113,18 +4002,2284 @@
           </p:nvSpPr>
           <p:spPr>
             <a:xfrm>
-              <a:off x="609600" y="1182624"/>
-              <a:ext cx="6437376" cy="769441"/>
+              <a:off x="2009669" y="2969341"/>
+              <a:ext cx="4237703" cy="1077218"/>
+            </a:xfrm>
+            <a:prstGeom prst="rect">
+              <a:avLst/>
+            </a:prstGeom>
+            <a:noFill/>
+            <a:ln>
+              <a:solidFill>
+                <a:schemeClr val="accent3"/>
+              </a:solidFill>
+            </a:ln>
+          </p:spPr>
+          <p:txBody>
+            <a:bodyPr wrap="square" rtlCol="0">
+              <a:spAutoFit/>
+            </a:bodyPr>
+            <a:lstStyle/>
+            <a:p>
+              <a:endParaRPr lang="en-US" sz="1600" dirty="0">
+                <a:latin typeface="Roboto Medium" panose="02000000000000000000" pitchFamily="2" charset="0"/>
+                <a:ea typeface="Roboto Medium" panose="02000000000000000000" pitchFamily="2" charset="0"/>
+              </a:endParaRPr>
+            </a:p>
+            <a:p>
+              <a:endParaRPr lang="en-US" sz="1600" dirty="0">
+                <a:latin typeface="Roboto Medium" panose="02000000000000000000" pitchFamily="2" charset="0"/>
+                <a:ea typeface="Roboto Medium" panose="02000000000000000000" pitchFamily="2" charset="0"/>
+              </a:endParaRPr>
+            </a:p>
+            <a:p>
+              <a:endParaRPr lang="en-US" sz="1600" dirty="0">
+                <a:latin typeface="Roboto Medium" panose="02000000000000000000" pitchFamily="2" charset="0"/>
+                <a:ea typeface="Roboto Medium" panose="02000000000000000000" pitchFamily="2" charset="0"/>
+              </a:endParaRPr>
+            </a:p>
+            <a:p>
+              <a:endParaRPr lang="en-US" sz="1600" dirty="0">
+                <a:latin typeface="Roboto Medium" panose="02000000000000000000" pitchFamily="2" charset="0"/>
+                <a:ea typeface="Roboto Medium" panose="02000000000000000000" pitchFamily="2" charset="0"/>
+              </a:endParaRPr>
+            </a:p>
+          </p:txBody>
+        </p:sp>
+        <p:sp>
+          <p:nvSpPr>
+            <p:cNvPr id="35" name="TextBox 34">
+              <a:extLst>
+                <a:ext uri="{FF2B5EF4-FFF2-40B4-BE49-F238E27FC236}">
+                  <a16:creationId xmlns:a16="http://schemas.microsoft.com/office/drawing/2014/main" id="{FCE27E01-BE58-1741-9B6D-E9225C189BB3}"/>
+                </a:ext>
+              </a:extLst>
+            </p:cNvPr>
+            <p:cNvSpPr txBox="1"/>
+            <p:nvPr/>
+          </p:nvSpPr>
+          <p:spPr>
+            <a:xfrm>
+              <a:off x="1995948" y="2678668"/>
+              <a:ext cx="2438400" cy="261610"/>
+            </a:xfrm>
+            <a:prstGeom prst="rect">
+              <a:avLst/>
+            </a:prstGeom>
+            <a:noFill/>
+            <a:ln>
+              <a:noFill/>
+            </a:ln>
+          </p:spPr>
+          <p:txBody>
+            <a:bodyPr wrap="square" rtlCol="0">
+              <a:spAutoFit/>
+            </a:bodyPr>
+            <a:lstStyle/>
+            <a:p>
+              <a:r>
+                <a:rPr lang="en-US" sz="1100" dirty="0">
+                  <a:solidFill>
+                    <a:schemeClr val="tx2"/>
+                  </a:solidFill>
+                  <a:latin typeface="Roboto Medium" panose="02000000000000000000" pitchFamily="2" charset="0"/>
+                  <a:ea typeface="Roboto Medium" panose="02000000000000000000" pitchFamily="2" charset="0"/>
+                </a:rPr>
+                <a:t>Description</a:t>
+              </a:r>
+            </a:p>
+          </p:txBody>
+        </p:sp>
+        <p:sp>
+          <p:nvSpPr>
+            <p:cNvPr id="36" name="Oval 35">
+              <a:extLst>
+                <a:ext uri="{FF2B5EF4-FFF2-40B4-BE49-F238E27FC236}">
+                  <a16:creationId xmlns:a16="http://schemas.microsoft.com/office/drawing/2014/main" id="{5633715B-E96E-814C-A319-BADCDC1A77B2}"/>
+                </a:ext>
+              </a:extLst>
+            </p:cNvPr>
+            <p:cNvSpPr/>
+            <p:nvPr/>
+          </p:nvSpPr>
+          <p:spPr>
+            <a:xfrm>
+              <a:off x="3539613" y="2722272"/>
+              <a:ext cx="186813" cy="182970"/>
+            </a:xfrm>
+            <a:prstGeom prst="ellipse">
+              <a:avLst/>
+            </a:prstGeom>
+            <a:solidFill>
+              <a:schemeClr val="accent4"/>
+            </a:solidFill>
+            <a:ln>
+              <a:solidFill>
+                <a:schemeClr val="bg1"/>
+              </a:solidFill>
+            </a:ln>
+          </p:spPr>
+          <p:style>
+            <a:lnRef idx="2">
+              <a:schemeClr val="accent1">
+                <a:shade val="50000"/>
+              </a:schemeClr>
+            </a:lnRef>
+            <a:fillRef idx="1">
+              <a:schemeClr val="accent1"/>
+            </a:fillRef>
+            <a:effectRef idx="0">
+              <a:schemeClr val="accent1"/>
+            </a:effectRef>
+            <a:fontRef idx="minor">
+              <a:schemeClr val="lt1"/>
+            </a:fontRef>
+          </p:style>
+          <p:txBody>
+            <a:bodyPr rtlCol="0" anchor="ctr"/>
+            <a:lstStyle/>
+            <a:p>
+              <a:pPr algn="ctr"/>
+              <a:endParaRPr lang="en-US" sz="1600">
+                <a:solidFill>
+                  <a:srgbClr val="FFC000"/>
+                </a:solidFill>
+                <a:latin typeface="Roboto Medium" panose="02000000000000000000" pitchFamily="2" charset="0"/>
+                <a:ea typeface="Roboto Medium" panose="02000000000000000000" pitchFamily="2" charset="0"/>
+              </a:endParaRPr>
+            </a:p>
+          </p:txBody>
+        </p:sp>
+      </p:grpSp>
+      <p:grpSp>
+        <p:nvGrpSpPr>
+          <p:cNvPr id="41" name="Group 40">
+            <a:extLst>
+              <a:ext uri="{FF2B5EF4-FFF2-40B4-BE49-F238E27FC236}">
+                <a16:creationId xmlns:a16="http://schemas.microsoft.com/office/drawing/2014/main" id="{E21EAFA0-7F83-074A-90E6-DBE065A55AC8}"/>
+              </a:ext>
+            </a:extLst>
+          </p:cNvPr>
+          <p:cNvGrpSpPr/>
+          <p:nvPr/>
+        </p:nvGrpSpPr>
+        <p:grpSpPr>
+          <a:xfrm>
+            <a:off x="1623690" y="2917798"/>
+            <a:ext cx="4241016" cy="629228"/>
+            <a:chOff x="1995948" y="2678668"/>
+            <a:chExt cx="4241016" cy="629228"/>
+          </a:xfrm>
+        </p:grpSpPr>
+        <p:sp>
+          <p:nvSpPr>
+            <p:cNvPr id="42" name="TextBox 41">
+              <a:extLst>
+                <a:ext uri="{FF2B5EF4-FFF2-40B4-BE49-F238E27FC236}">
+                  <a16:creationId xmlns:a16="http://schemas.microsoft.com/office/drawing/2014/main" id="{709B9B89-BF19-1940-A6FC-12EA954976B0}"/>
+                </a:ext>
+              </a:extLst>
+            </p:cNvPr>
+            <p:cNvSpPr txBox="1"/>
+            <p:nvPr/>
+          </p:nvSpPr>
+          <p:spPr>
+            <a:xfrm>
+              <a:off x="2009670" y="2969342"/>
+              <a:ext cx="4227294" cy="338554"/>
+            </a:xfrm>
+            <a:prstGeom prst="rect">
+              <a:avLst/>
+            </a:prstGeom>
+            <a:noFill/>
+            <a:ln>
+              <a:solidFill>
+                <a:schemeClr val="accent3"/>
+              </a:solidFill>
+            </a:ln>
+          </p:spPr>
+          <p:txBody>
+            <a:bodyPr wrap="square" rtlCol="0">
+              <a:spAutoFit/>
+            </a:bodyPr>
+            <a:lstStyle/>
+            <a:p>
+              <a:endParaRPr lang="en-US" sz="1600" dirty="0">
+                <a:latin typeface="Roboto Medium" panose="02000000000000000000" pitchFamily="2" charset="0"/>
+                <a:ea typeface="Roboto Medium" panose="02000000000000000000" pitchFamily="2" charset="0"/>
+              </a:endParaRPr>
+            </a:p>
+          </p:txBody>
+        </p:sp>
+        <p:sp>
+          <p:nvSpPr>
+            <p:cNvPr id="43" name="TextBox 42">
+              <a:extLst>
+                <a:ext uri="{FF2B5EF4-FFF2-40B4-BE49-F238E27FC236}">
+                  <a16:creationId xmlns:a16="http://schemas.microsoft.com/office/drawing/2014/main" id="{0C6A2BB6-3B7A-EB4C-BF68-820EF6B2DE5E}"/>
+                </a:ext>
+              </a:extLst>
+            </p:cNvPr>
+            <p:cNvSpPr txBox="1"/>
+            <p:nvPr/>
+          </p:nvSpPr>
+          <p:spPr>
+            <a:xfrm>
+              <a:off x="1995948" y="2678668"/>
+              <a:ext cx="2438400" cy="261610"/>
+            </a:xfrm>
+            <a:prstGeom prst="rect">
+              <a:avLst/>
+            </a:prstGeom>
+            <a:noFill/>
+            <a:ln>
+              <a:noFill/>
+            </a:ln>
+          </p:spPr>
+          <p:txBody>
+            <a:bodyPr wrap="square" rtlCol="0">
+              <a:spAutoFit/>
+            </a:bodyPr>
+            <a:lstStyle/>
+            <a:p>
+              <a:r>
+                <a:rPr lang="en-US" sz="1100" dirty="0">
+                  <a:solidFill>
+                    <a:schemeClr val="tx2"/>
+                  </a:solidFill>
+                  <a:latin typeface="Roboto Medium" panose="02000000000000000000" pitchFamily="2" charset="0"/>
+                  <a:ea typeface="Roboto Medium" panose="02000000000000000000" pitchFamily="2" charset="0"/>
+                </a:rPr>
+                <a:t>Institution / Company</a:t>
+              </a:r>
+            </a:p>
+          </p:txBody>
+        </p:sp>
+        <p:sp>
+          <p:nvSpPr>
+            <p:cNvPr id="44" name="Oval 43">
+              <a:extLst>
+                <a:ext uri="{FF2B5EF4-FFF2-40B4-BE49-F238E27FC236}">
+                  <a16:creationId xmlns:a16="http://schemas.microsoft.com/office/drawing/2014/main" id="{9FEC9A1B-CBC5-664B-BC50-0CCF54BD9A3A}"/>
+                </a:ext>
+              </a:extLst>
+            </p:cNvPr>
+            <p:cNvSpPr/>
+            <p:nvPr/>
+          </p:nvSpPr>
+          <p:spPr>
+            <a:xfrm>
+              <a:off x="3539613" y="2722272"/>
+              <a:ext cx="186813" cy="182970"/>
+            </a:xfrm>
+            <a:prstGeom prst="ellipse">
+              <a:avLst/>
+            </a:prstGeom>
+            <a:solidFill>
+              <a:schemeClr val="accent4"/>
+            </a:solidFill>
+            <a:ln>
+              <a:solidFill>
+                <a:schemeClr val="bg1"/>
+              </a:solidFill>
+            </a:ln>
+          </p:spPr>
+          <p:style>
+            <a:lnRef idx="2">
+              <a:schemeClr val="accent1">
+                <a:shade val="50000"/>
+              </a:schemeClr>
+            </a:lnRef>
+            <a:fillRef idx="1">
+              <a:schemeClr val="accent1"/>
+            </a:fillRef>
+            <a:effectRef idx="0">
+              <a:schemeClr val="accent1"/>
+            </a:effectRef>
+            <a:fontRef idx="minor">
+              <a:schemeClr val="lt1"/>
+            </a:fontRef>
+          </p:style>
+          <p:txBody>
+            <a:bodyPr rtlCol="0" anchor="ctr"/>
+            <a:lstStyle/>
+            <a:p>
+              <a:pPr algn="ctr"/>
+              <a:endParaRPr lang="en-US" sz="1600">
+                <a:solidFill>
+                  <a:srgbClr val="FFC000"/>
+                </a:solidFill>
+                <a:latin typeface="Roboto Medium" panose="02000000000000000000" pitchFamily="2" charset="0"/>
+                <a:ea typeface="Roboto Medium" panose="02000000000000000000" pitchFamily="2" charset="0"/>
+              </a:endParaRPr>
+            </a:p>
+          </p:txBody>
+        </p:sp>
+      </p:grpSp>
+      <p:sp>
+        <p:nvSpPr>
+          <p:cNvPr id="45" name="TextBox 44">
+            <a:extLst>
+              <a:ext uri="{FF2B5EF4-FFF2-40B4-BE49-F238E27FC236}">
+                <a16:creationId xmlns:a16="http://schemas.microsoft.com/office/drawing/2014/main" id="{BE3E1A76-7840-4C4F-B696-95921650D8C6}"/>
+              </a:ext>
+            </a:extLst>
+          </p:cNvPr>
+          <p:cNvSpPr txBox="1"/>
+          <p:nvPr/>
+        </p:nvSpPr>
+        <p:spPr>
+          <a:xfrm>
+            <a:off x="5637913" y="5321959"/>
+            <a:ext cx="958303" cy="338554"/>
+          </a:xfrm>
+          <a:prstGeom prst="rect">
+            <a:avLst/>
+          </a:prstGeom>
+          <a:solidFill>
+            <a:schemeClr val="accent6"/>
+          </a:solidFill>
+          <a:ln>
+            <a:solidFill>
+              <a:schemeClr val="accent3"/>
+            </a:solidFill>
+          </a:ln>
+        </p:spPr>
+        <p:txBody>
+          <a:bodyPr wrap="square" rtlCol="0">
+            <a:spAutoFit/>
+          </a:bodyPr>
+          <a:lstStyle/>
+          <a:p>
+            <a:pPr algn="ctr"/>
+            <a:r>
+              <a:rPr lang="en-US" sz="1600" dirty="0">
+                <a:solidFill>
+                  <a:schemeClr val="bg1"/>
+                </a:solidFill>
+                <a:latin typeface="Roboto Light" panose="02000000000000000000" pitchFamily="2" charset="0"/>
+                <a:ea typeface="Roboto Light" panose="02000000000000000000" pitchFamily="2" charset="0"/>
+              </a:rPr>
+              <a:t>Save</a:t>
+            </a:r>
+          </a:p>
+        </p:txBody>
+      </p:sp>
+      <p:sp>
+        <p:nvSpPr>
+          <p:cNvPr id="46" name="TextBox 45">
+            <a:extLst>
+              <a:ext uri="{FF2B5EF4-FFF2-40B4-BE49-F238E27FC236}">
+                <a16:creationId xmlns:a16="http://schemas.microsoft.com/office/drawing/2014/main" id="{C0B5FE88-0AC3-114B-96FF-EBC603E2FB50}"/>
+              </a:ext>
+            </a:extLst>
+          </p:cNvPr>
+          <p:cNvSpPr txBox="1"/>
+          <p:nvPr/>
+        </p:nvSpPr>
+        <p:spPr>
+          <a:xfrm>
+            <a:off x="6688703" y="5321959"/>
+            <a:ext cx="958303" cy="338554"/>
+          </a:xfrm>
+          <a:prstGeom prst="rect">
+            <a:avLst/>
+          </a:prstGeom>
+          <a:solidFill>
+            <a:srgbClr val="C00000"/>
+          </a:solidFill>
+          <a:ln>
+            <a:solidFill>
+              <a:schemeClr val="accent3"/>
+            </a:solidFill>
+          </a:ln>
+        </p:spPr>
+        <p:txBody>
+          <a:bodyPr wrap="square" rtlCol="0">
+            <a:spAutoFit/>
+          </a:bodyPr>
+          <a:lstStyle/>
+          <a:p>
+            <a:pPr algn="ctr"/>
+            <a:r>
+              <a:rPr lang="en-US" sz="1600" dirty="0">
+                <a:solidFill>
+                  <a:schemeClr val="bg1"/>
+                </a:solidFill>
+                <a:latin typeface="Roboto Light" panose="02000000000000000000" pitchFamily="2" charset="0"/>
+                <a:ea typeface="Roboto Light" panose="02000000000000000000" pitchFamily="2" charset="0"/>
+              </a:rPr>
+              <a:t>Delete</a:t>
+            </a:r>
+          </a:p>
+        </p:txBody>
+      </p:sp>
+      <p:sp>
+        <p:nvSpPr>
+          <p:cNvPr id="47" name="TextBox 46">
+            <a:extLst>
+              <a:ext uri="{FF2B5EF4-FFF2-40B4-BE49-F238E27FC236}">
+                <a16:creationId xmlns:a16="http://schemas.microsoft.com/office/drawing/2014/main" id="{B8E43083-9D0A-7D43-8082-83E587B38188}"/>
+              </a:ext>
+            </a:extLst>
+          </p:cNvPr>
+          <p:cNvSpPr txBox="1"/>
+          <p:nvPr/>
+        </p:nvSpPr>
+        <p:spPr>
+          <a:xfrm>
+            <a:off x="7739493" y="5321959"/>
+            <a:ext cx="2125713" cy="338554"/>
+          </a:xfrm>
+          <a:prstGeom prst="rect">
+            <a:avLst/>
+          </a:prstGeom>
+          <a:solidFill>
+            <a:schemeClr val="accent1"/>
+          </a:solidFill>
+          <a:ln>
+            <a:solidFill>
+              <a:schemeClr val="accent3"/>
+            </a:solidFill>
+          </a:ln>
+        </p:spPr>
+        <p:txBody>
+          <a:bodyPr wrap="square" rtlCol="0">
+            <a:spAutoFit/>
+          </a:bodyPr>
+          <a:lstStyle/>
+          <a:p>
+            <a:pPr algn="ctr"/>
+            <a:r>
+              <a:rPr lang="en-US" sz="1600" dirty="0">
+                <a:solidFill>
+                  <a:schemeClr val="bg1"/>
+                </a:solidFill>
+                <a:latin typeface="Roboto Light" panose="02000000000000000000" pitchFamily="2" charset="0"/>
+                <a:ea typeface="Roboto Light" panose="02000000000000000000" pitchFamily="2" charset="0"/>
+              </a:rPr>
+              <a:t>Change to Pending</a:t>
+            </a:r>
+          </a:p>
+        </p:txBody>
+      </p:sp>
+      <p:sp>
+        <p:nvSpPr>
+          <p:cNvPr id="48" name="TextBox 47">
+            <a:extLst>
+              <a:ext uri="{FF2B5EF4-FFF2-40B4-BE49-F238E27FC236}">
+                <a16:creationId xmlns:a16="http://schemas.microsoft.com/office/drawing/2014/main" id="{6D18DAFA-2F75-434A-913F-51C143F87737}"/>
+              </a:ext>
+            </a:extLst>
+          </p:cNvPr>
+          <p:cNvSpPr txBox="1"/>
+          <p:nvPr/>
+        </p:nvSpPr>
+        <p:spPr>
+          <a:xfrm>
+            <a:off x="9957693" y="5321959"/>
+            <a:ext cx="783847" cy="338554"/>
+          </a:xfrm>
+          <a:prstGeom prst="rect">
+            <a:avLst/>
+          </a:prstGeom>
+          <a:noFill/>
+          <a:ln>
+            <a:solidFill>
+              <a:schemeClr val="accent3"/>
+            </a:solidFill>
+          </a:ln>
+        </p:spPr>
+        <p:txBody>
+          <a:bodyPr wrap="square" rtlCol="0">
+            <a:spAutoFit/>
+          </a:bodyPr>
+          <a:lstStyle/>
+          <a:p>
+            <a:pPr algn="ctr"/>
+            <a:r>
+              <a:rPr lang="en-US" sz="1600" dirty="0">
+                <a:solidFill>
+                  <a:schemeClr val="accent3"/>
+                </a:solidFill>
+                <a:latin typeface="Roboto Light" panose="02000000000000000000" pitchFamily="2" charset="0"/>
+                <a:ea typeface="Roboto Light" panose="02000000000000000000" pitchFamily="2" charset="0"/>
+              </a:rPr>
+              <a:t>Close</a:t>
+            </a:r>
+          </a:p>
+        </p:txBody>
+      </p:sp>
+      <p:sp>
+        <p:nvSpPr>
+          <p:cNvPr id="50" name="Rectangle 49">
+            <a:extLst>
+              <a:ext uri="{FF2B5EF4-FFF2-40B4-BE49-F238E27FC236}">
+                <a16:creationId xmlns:a16="http://schemas.microsoft.com/office/drawing/2014/main" id="{8F272F39-C3C8-5045-9F09-431E10A6CF44}"/>
+              </a:ext>
+            </a:extLst>
+          </p:cNvPr>
+          <p:cNvSpPr/>
+          <p:nvPr/>
+        </p:nvSpPr>
+        <p:spPr>
+          <a:xfrm>
+            <a:off x="10516420" y="917499"/>
+            <a:ext cx="367890" cy="354959"/>
+          </a:xfrm>
+          <a:prstGeom prst="rect">
+            <a:avLst/>
+          </a:prstGeom>
+          <a:noFill/>
+          <a:ln>
+            <a:solidFill>
+              <a:schemeClr val="tx1"/>
+            </a:solidFill>
+          </a:ln>
+        </p:spPr>
+        <p:style>
+          <a:lnRef idx="2">
+            <a:schemeClr val="accent1">
+              <a:shade val="50000"/>
+            </a:schemeClr>
+          </a:lnRef>
+          <a:fillRef idx="1">
+            <a:schemeClr val="accent1"/>
+          </a:fillRef>
+          <a:effectRef idx="0">
+            <a:schemeClr val="accent1"/>
+          </a:effectRef>
+          <a:fontRef idx="minor">
+            <a:schemeClr val="lt1"/>
+          </a:fontRef>
+        </p:style>
+        <p:txBody>
+          <a:bodyPr rtlCol="0" anchor="ctr"/>
+          <a:lstStyle/>
+          <a:p>
+            <a:pPr algn="ctr"/>
+            <a:r>
+              <a:rPr lang="en-US" dirty="0">
+                <a:solidFill>
+                  <a:schemeClr val="tx1">
+                    <a:lumMod val="65000"/>
+                    <a:lumOff val="35000"/>
+                  </a:schemeClr>
+                </a:solidFill>
+              </a:rPr>
+              <a:t>X</a:t>
+            </a:r>
+          </a:p>
+        </p:txBody>
+      </p:sp>
+      <p:sp>
+        <p:nvSpPr>
+          <p:cNvPr id="2" name="TextBox 1">
+            <a:extLst>
+              <a:ext uri="{FF2B5EF4-FFF2-40B4-BE49-F238E27FC236}">
+                <a16:creationId xmlns:a16="http://schemas.microsoft.com/office/drawing/2014/main" id="{306FC359-A963-FB4A-968F-ACEB9C408536}"/>
+              </a:ext>
+            </a:extLst>
+          </p:cNvPr>
+          <p:cNvSpPr txBox="1"/>
+          <p:nvPr/>
+        </p:nvSpPr>
+        <p:spPr>
+          <a:xfrm>
+            <a:off x="1231900" y="248491"/>
+            <a:ext cx="6068291" cy="369332"/>
+          </a:xfrm>
+          <a:prstGeom prst="rect">
+            <a:avLst/>
+          </a:prstGeom>
+          <a:noFill/>
+        </p:spPr>
+        <p:txBody>
+          <a:bodyPr wrap="square" rtlCol="0">
+            <a:spAutoFit/>
+          </a:bodyPr>
+          <a:lstStyle/>
+          <a:p>
+            <a:r>
+              <a:rPr lang="en-US" dirty="0"/>
+              <a:t>Organization Settings</a:t>
+            </a:r>
+          </a:p>
+        </p:txBody>
+      </p:sp>
+    </p:spTree>
+    <p:extLst>
+      <p:ext uri="{BB962C8B-B14F-4D97-AF65-F5344CB8AC3E}">
+        <p14:creationId xmlns:p14="http://schemas.microsoft.com/office/powerpoint/2010/main" val="2339344833"/>
+      </p:ext>
+    </p:extLst>
+  </p:cSld>
+  <p:clrMapOvr>
+    <a:masterClrMapping/>
+  </p:clrMapOvr>
+</p:sld>
+</file>
+
+<file path=ppt/slides/slide2.xml><?xml version="1.0" encoding="utf-8"?>
+<p:sld xmlns:a="http://schemas.openxmlformats.org/drawingml/2006/main" xmlns:r="http://schemas.openxmlformats.org/officeDocument/2006/relationships" xmlns:p="http://schemas.openxmlformats.org/presentationml/2006/main">
+  <p:cSld>
+    <p:spTree>
+      <p:nvGrpSpPr>
+        <p:cNvPr id="1" name=""/>
+        <p:cNvGrpSpPr/>
+        <p:nvPr/>
+      </p:nvGrpSpPr>
+      <p:grpSpPr>
+        <a:xfrm>
+          <a:off x="0" y="0"/>
+          <a:ext cx="0" cy="0"/>
+          <a:chOff x="0" y="0"/>
+          <a:chExt cx="0" cy="0"/>
+        </a:xfrm>
+      </p:grpSpPr>
+      <p:sp>
+        <p:nvSpPr>
+          <p:cNvPr id="49" name="Rectangle 48">
+            <a:extLst>
+              <a:ext uri="{FF2B5EF4-FFF2-40B4-BE49-F238E27FC236}">
+                <a16:creationId xmlns:a16="http://schemas.microsoft.com/office/drawing/2014/main" id="{EA5B63B3-594D-2F4D-8586-3AF73E68C3CE}"/>
+              </a:ext>
+            </a:extLst>
+          </p:cNvPr>
+          <p:cNvSpPr/>
+          <p:nvPr/>
+        </p:nvSpPr>
+        <p:spPr>
+          <a:xfrm>
+            <a:off x="1231900" y="736600"/>
+            <a:ext cx="9867900" cy="5283200"/>
+          </a:xfrm>
+          <a:prstGeom prst="rect">
+            <a:avLst/>
+          </a:prstGeom>
+          <a:noFill/>
+          <a:ln>
+            <a:solidFill>
+              <a:schemeClr val="tx1"/>
+            </a:solidFill>
+          </a:ln>
+        </p:spPr>
+        <p:style>
+          <a:lnRef idx="2">
+            <a:schemeClr val="accent1">
+              <a:shade val="50000"/>
+            </a:schemeClr>
+          </a:lnRef>
+          <a:fillRef idx="1">
+            <a:schemeClr val="accent1"/>
+          </a:fillRef>
+          <a:effectRef idx="0">
+            <a:schemeClr val="accent1"/>
+          </a:effectRef>
+          <a:fontRef idx="minor">
+            <a:schemeClr val="lt1"/>
+          </a:fontRef>
+        </p:style>
+        <p:txBody>
+          <a:bodyPr rtlCol="0" anchor="ctr"/>
+          <a:lstStyle/>
+          <a:p>
+            <a:pPr algn="ctr"/>
+            <a:endParaRPr lang="en-US"/>
+          </a:p>
+        </p:txBody>
+      </p:sp>
+      <p:sp>
+        <p:nvSpPr>
+          <p:cNvPr id="4" name="Rectangle 3">
+            <a:extLst>
+              <a:ext uri="{FF2B5EF4-FFF2-40B4-BE49-F238E27FC236}">
+                <a16:creationId xmlns:a16="http://schemas.microsoft.com/office/drawing/2014/main" id="{C2EEE33D-1FA3-4144-BDC0-72C79F2C10F0}"/>
+              </a:ext>
+            </a:extLst>
+          </p:cNvPr>
+          <p:cNvSpPr/>
+          <p:nvPr/>
+        </p:nvSpPr>
+        <p:spPr>
+          <a:xfrm>
+            <a:off x="1445342" y="1490406"/>
+            <a:ext cx="9438968" cy="4311446"/>
+          </a:xfrm>
+          <a:prstGeom prst="rect">
+            <a:avLst/>
+          </a:prstGeom>
+          <a:noFill/>
+          <a:ln>
+            <a:solidFill>
+              <a:schemeClr val="tx1"/>
+            </a:solidFill>
+          </a:ln>
+        </p:spPr>
+        <p:style>
+          <a:lnRef idx="2">
+            <a:schemeClr val="accent1">
+              <a:shade val="50000"/>
+            </a:schemeClr>
+          </a:lnRef>
+          <a:fillRef idx="1">
+            <a:schemeClr val="accent1"/>
+          </a:fillRef>
+          <a:effectRef idx="0">
+            <a:schemeClr val="accent1"/>
+          </a:effectRef>
+          <a:fontRef idx="minor">
+            <a:schemeClr val="lt1"/>
+          </a:fontRef>
+        </p:style>
+        <p:txBody>
+          <a:bodyPr rtlCol="0" anchor="ctr"/>
+          <a:lstStyle/>
+          <a:p>
+            <a:pPr algn="ctr"/>
+            <a:endParaRPr lang="en-US" sz="1600">
+              <a:latin typeface="Roboto Medium" panose="02000000000000000000" pitchFamily="2" charset="0"/>
+              <a:ea typeface="Roboto Medium" panose="02000000000000000000" pitchFamily="2" charset="0"/>
+            </a:endParaRPr>
+          </a:p>
+        </p:txBody>
+      </p:sp>
+      <p:sp>
+        <p:nvSpPr>
+          <p:cNvPr id="13" name="TextBox 12">
+            <a:extLst>
+              <a:ext uri="{FF2B5EF4-FFF2-40B4-BE49-F238E27FC236}">
+                <a16:creationId xmlns:a16="http://schemas.microsoft.com/office/drawing/2014/main" id="{8C48EAC3-D9BC-0C42-819F-AEDF53E266E0}"/>
+              </a:ext>
+            </a:extLst>
+          </p:cNvPr>
+          <p:cNvSpPr txBox="1"/>
+          <p:nvPr/>
+        </p:nvSpPr>
+        <p:spPr>
+          <a:xfrm>
+            <a:off x="1637413" y="1105685"/>
+            <a:ext cx="1701209" cy="369332"/>
+          </a:xfrm>
+          <a:prstGeom prst="rect">
+            <a:avLst/>
+          </a:prstGeom>
+          <a:noFill/>
+          <a:ln>
+            <a:solidFill>
+              <a:schemeClr val="tx1"/>
+            </a:solidFill>
+          </a:ln>
+        </p:spPr>
+        <p:txBody>
+          <a:bodyPr wrap="square" rtlCol="0" anchor="ctr">
+            <a:spAutoFit/>
+          </a:bodyPr>
+          <a:lstStyle/>
+          <a:p>
+            <a:pPr algn="ctr"/>
+            <a:r>
+              <a:rPr lang="en-US" dirty="0">
+                <a:solidFill>
+                  <a:srgbClr val="C00000"/>
+                </a:solidFill>
+                <a:latin typeface="Roboto Light" panose="02000000000000000000" pitchFamily="2" charset="0"/>
+                <a:ea typeface="Roboto Light" panose="02000000000000000000" pitchFamily="2" charset="0"/>
+              </a:rPr>
+              <a:t>General</a:t>
+            </a:r>
+          </a:p>
+        </p:txBody>
+      </p:sp>
+      <p:sp>
+        <p:nvSpPr>
+          <p:cNvPr id="14" name="TextBox 13">
+            <a:extLst>
+              <a:ext uri="{FF2B5EF4-FFF2-40B4-BE49-F238E27FC236}">
+                <a16:creationId xmlns:a16="http://schemas.microsoft.com/office/drawing/2014/main" id="{49413004-037C-D841-BFF9-56787C7B6CAD}"/>
+              </a:ext>
+            </a:extLst>
+          </p:cNvPr>
+          <p:cNvSpPr txBox="1"/>
+          <p:nvPr/>
+        </p:nvSpPr>
+        <p:spPr>
+          <a:xfrm>
+            <a:off x="5039831" y="1103573"/>
+            <a:ext cx="1701209" cy="369332"/>
+          </a:xfrm>
+          <a:prstGeom prst="rect">
+            <a:avLst/>
+          </a:prstGeom>
+          <a:noFill/>
+          <a:ln>
+            <a:solidFill>
+              <a:schemeClr val="tx1"/>
+            </a:solidFill>
+          </a:ln>
+        </p:spPr>
+        <p:txBody>
+          <a:bodyPr wrap="square" rtlCol="0" anchor="ctr">
+            <a:spAutoFit/>
+          </a:bodyPr>
+          <a:lstStyle/>
+          <a:p>
+            <a:pPr algn="ctr"/>
+            <a:r>
+              <a:rPr lang="en-US" dirty="0">
+                <a:solidFill>
+                  <a:srgbClr val="C00000"/>
+                </a:solidFill>
+                <a:latin typeface="Roboto Light" panose="02000000000000000000" pitchFamily="2" charset="0"/>
+                <a:ea typeface="Roboto Light" panose="02000000000000000000" pitchFamily="2" charset="0"/>
+              </a:rPr>
+              <a:t>Admin</a:t>
+            </a:r>
+          </a:p>
+        </p:txBody>
+      </p:sp>
+      <p:sp>
+        <p:nvSpPr>
+          <p:cNvPr id="15" name="TextBox 14">
+            <a:extLst>
+              <a:ext uri="{FF2B5EF4-FFF2-40B4-BE49-F238E27FC236}">
+                <a16:creationId xmlns:a16="http://schemas.microsoft.com/office/drawing/2014/main" id="{C78C22E9-80F7-4C4F-850F-6FAA174461A7}"/>
+              </a:ext>
+            </a:extLst>
+          </p:cNvPr>
+          <p:cNvSpPr txBox="1"/>
+          <p:nvPr/>
+        </p:nvSpPr>
+        <p:spPr>
+          <a:xfrm>
+            <a:off x="3338622" y="1103573"/>
+            <a:ext cx="1701209" cy="369332"/>
+          </a:xfrm>
+          <a:prstGeom prst="rect">
+            <a:avLst/>
+          </a:prstGeom>
+          <a:solidFill>
+            <a:schemeClr val="accent4">
+              <a:lumMod val="20000"/>
+              <a:lumOff val="80000"/>
+            </a:schemeClr>
+          </a:solidFill>
+          <a:ln>
+            <a:solidFill>
+              <a:schemeClr val="tx1"/>
+            </a:solidFill>
+          </a:ln>
+        </p:spPr>
+        <p:txBody>
+          <a:bodyPr wrap="square" rtlCol="0" anchor="ctr">
+            <a:spAutoFit/>
+          </a:bodyPr>
+          <a:lstStyle/>
+          <a:p>
+            <a:pPr algn="ctr"/>
+            <a:r>
+              <a:rPr lang="en-US" dirty="0">
+                <a:solidFill>
+                  <a:srgbClr val="C00000"/>
+                </a:solidFill>
+                <a:latin typeface="Roboto Light" panose="02000000000000000000" pitchFamily="2" charset="0"/>
+                <a:ea typeface="Roboto Light" panose="02000000000000000000" pitchFamily="2" charset="0"/>
+              </a:rPr>
+              <a:t>Users</a:t>
+            </a:r>
+          </a:p>
+        </p:txBody>
+      </p:sp>
+      <p:grpSp>
+        <p:nvGrpSpPr>
+          <p:cNvPr id="28" name="Group 27">
+            <a:extLst>
+              <a:ext uri="{FF2B5EF4-FFF2-40B4-BE49-F238E27FC236}">
+                <a16:creationId xmlns:a16="http://schemas.microsoft.com/office/drawing/2014/main" id="{03875207-554C-2443-A6AF-74DBE7CE6DC1}"/>
+              </a:ext>
+            </a:extLst>
+          </p:cNvPr>
+          <p:cNvGrpSpPr/>
+          <p:nvPr/>
+        </p:nvGrpSpPr>
+        <p:grpSpPr>
+          <a:xfrm>
+            <a:off x="1637413" y="2808328"/>
+            <a:ext cx="4236442" cy="629228"/>
+            <a:chOff x="1995948" y="2678668"/>
+            <a:chExt cx="4236442" cy="629228"/>
+          </a:xfrm>
+        </p:grpSpPr>
+        <p:sp>
+          <p:nvSpPr>
+            <p:cNvPr id="19" name="TextBox 18">
+              <a:extLst>
+                <a:ext uri="{FF2B5EF4-FFF2-40B4-BE49-F238E27FC236}">
+                  <a16:creationId xmlns:a16="http://schemas.microsoft.com/office/drawing/2014/main" id="{A8FAEC67-CB4C-7748-B502-BF0602B97847}"/>
+                </a:ext>
+              </a:extLst>
+            </p:cNvPr>
+            <p:cNvSpPr txBox="1"/>
+            <p:nvPr/>
+          </p:nvSpPr>
+          <p:spPr>
+            <a:xfrm>
+              <a:off x="1995948" y="2969342"/>
+              <a:ext cx="4236442" cy="338554"/>
+            </a:xfrm>
+            <a:prstGeom prst="rect">
+              <a:avLst/>
+            </a:prstGeom>
+            <a:noFill/>
+            <a:ln>
+              <a:solidFill>
+                <a:schemeClr val="accent3"/>
+              </a:solidFill>
+            </a:ln>
+          </p:spPr>
+          <p:txBody>
+            <a:bodyPr wrap="square" rtlCol="0">
+              <a:spAutoFit/>
+            </a:bodyPr>
+            <a:lstStyle/>
+            <a:p>
+              <a:endParaRPr lang="en-US" sz="1600" dirty="0">
+                <a:latin typeface="Roboto Medium" panose="02000000000000000000" pitchFamily="2" charset="0"/>
+                <a:ea typeface="Roboto Medium" panose="02000000000000000000" pitchFamily="2" charset="0"/>
+              </a:endParaRPr>
+            </a:p>
+          </p:txBody>
+        </p:sp>
+        <p:sp>
+          <p:nvSpPr>
+            <p:cNvPr id="21" name="TextBox 20">
+              <a:extLst>
+                <a:ext uri="{FF2B5EF4-FFF2-40B4-BE49-F238E27FC236}">
+                  <a16:creationId xmlns:a16="http://schemas.microsoft.com/office/drawing/2014/main" id="{75F0D9D8-D94A-8E48-A386-709E43D1F24C}"/>
+                </a:ext>
+              </a:extLst>
+            </p:cNvPr>
+            <p:cNvSpPr txBox="1"/>
+            <p:nvPr/>
+          </p:nvSpPr>
+          <p:spPr>
+            <a:xfrm>
+              <a:off x="1995948" y="2678668"/>
+              <a:ext cx="2438400" cy="261610"/>
+            </a:xfrm>
+            <a:prstGeom prst="rect">
+              <a:avLst/>
+            </a:prstGeom>
+            <a:noFill/>
+            <a:ln>
+              <a:noFill/>
+            </a:ln>
+          </p:spPr>
+          <p:txBody>
+            <a:bodyPr wrap="square" rtlCol="0">
+              <a:spAutoFit/>
+            </a:bodyPr>
+            <a:lstStyle/>
+            <a:p>
+              <a:r>
+                <a:rPr lang="en-US" sz="1100" dirty="0">
+                  <a:solidFill>
+                    <a:schemeClr val="tx2"/>
+                  </a:solidFill>
+                  <a:latin typeface="Roboto Medium" panose="02000000000000000000" pitchFamily="2" charset="0"/>
+                  <a:ea typeface="Roboto Medium" panose="02000000000000000000" pitchFamily="2" charset="0"/>
+                </a:rPr>
+                <a:t>Add Users</a:t>
+              </a:r>
+            </a:p>
+          </p:txBody>
+        </p:sp>
+        <p:sp>
+          <p:nvSpPr>
+            <p:cNvPr id="24" name="Oval 23">
+              <a:extLst>
+                <a:ext uri="{FF2B5EF4-FFF2-40B4-BE49-F238E27FC236}">
+                  <a16:creationId xmlns:a16="http://schemas.microsoft.com/office/drawing/2014/main" id="{1211D64F-FDB4-8D43-98B3-3B7408451754}"/>
+                </a:ext>
+              </a:extLst>
+            </p:cNvPr>
+            <p:cNvSpPr/>
+            <p:nvPr/>
+          </p:nvSpPr>
+          <p:spPr>
+            <a:xfrm>
+              <a:off x="3215148" y="2717988"/>
+              <a:ext cx="186813" cy="182970"/>
+            </a:xfrm>
+            <a:prstGeom prst="ellipse">
+              <a:avLst/>
+            </a:prstGeom>
+            <a:solidFill>
+              <a:schemeClr val="accent4"/>
+            </a:solidFill>
+            <a:ln>
+              <a:solidFill>
+                <a:schemeClr val="bg1"/>
+              </a:solidFill>
+            </a:ln>
+          </p:spPr>
+          <p:style>
+            <a:lnRef idx="2">
+              <a:schemeClr val="accent1">
+                <a:shade val="50000"/>
+              </a:schemeClr>
+            </a:lnRef>
+            <a:fillRef idx="1">
+              <a:schemeClr val="accent1"/>
+            </a:fillRef>
+            <a:effectRef idx="0">
+              <a:schemeClr val="accent1"/>
+            </a:effectRef>
+            <a:fontRef idx="minor">
+              <a:schemeClr val="lt1"/>
+            </a:fontRef>
+          </p:style>
+          <p:txBody>
+            <a:bodyPr rtlCol="0" anchor="ctr"/>
+            <a:lstStyle/>
+            <a:p>
+              <a:pPr algn="ctr"/>
+              <a:endParaRPr lang="en-US" sz="1600">
+                <a:solidFill>
+                  <a:srgbClr val="FFC000"/>
+                </a:solidFill>
+                <a:latin typeface="Roboto Medium" panose="02000000000000000000" pitchFamily="2" charset="0"/>
+                <a:ea typeface="Roboto Medium" panose="02000000000000000000" pitchFamily="2" charset="0"/>
+              </a:endParaRPr>
+            </a:p>
+          </p:txBody>
+        </p:sp>
+      </p:grpSp>
+      <p:sp>
+        <p:nvSpPr>
+          <p:cNvPr id="48" name="TextBox 47">
+            <a:extLst>
+              <a:ext uri="{FF2B5EF4-FFF2-40B4-BE49-F238E27FC236}">
+                <a16:creationId xmlns:a16="http://schemas.microsoft.com/office/drawing/2014/main" id="{6D18DAFA-2F75-434A-913F-51C143F87737}"/>
+              </a:ext>
+            </a:extLst>
+          </p:cNvPr>
+          <p:cNvSpPr txBox="1"/>
+          <p:nvPr/>
+        </p:nvSpPr>
+        <p:spPr>
+          <a:xfrm>
+            <a:off x="9916518" y="5295366"/>
+            <a:ext cx="783847" cy="338554"/>
+          </a:xfrm>
+          <a:prstGeom prst="rect">
+            <a:avLst/>
+          </a:prstGeom>
+          <a:noFill/>
+          <a:ln>
+            <a:solidFill>
+              <a:schemeClr val="accent3"/>
+            </a:solidFill>
+          </a:ln>
+        </p:spPr>
+        <p:txBody>
+          <a:bodyPr wrap="square" rtlCol="0">
+            <a:spAutoFit/>
+          </a:bodyPr>
+          <a:lstStyle/>
+          <a:p>
+            <a:pPr algn="ctr"/>
+            <a:r>
+              <a:rPr lang="en-US" sz="1600" dirty="0">
+                <a:solidFill>
+                  <a:schemeClr val="accent3"/>
+                </a:solidFill>
+                <a:latin typeface="Roboto Light" panose="02000000000000000000" pitchFamily="2" charset="0"/>
+                <a:ea typeface="Roboto Light" panose="02000000000000000000" pitchFamily="2" charset="0"/>
+              </a:rPr>
+              <a:t>Close</a:t>
+            </a:r>
+          </a:p>
+        </p:txBody>
+      </p:sp>
+      <p:sp>
+        <p:nvSpPr>
+          <p:cNvPr id="50" name="Rectangle 49">
+            <a:extLst>
+              <a:ext uri="{FF2B5EF4-FFF2-40B4-BE49-F238E27FC236}">
+                <a16:creationId xmlns:a16="http://schemas.microsoft.com/office/drawing/2014/main" id="{8F272F39-C3C8-5045-9F09-431E10A6CF44}"/>
+              </a:ext>
+            </a:extLst>
+          </p:cNvPr>
+          <p:cNvSpPr/>
+          <p:nvPr/>
+        </p:nvSpPr>
+        <p:spPr>
+          <a:xfrm>
+            <a:off x="10516420" y="917499"/>
+            <a:ext cx="367890" cy="354959"/>
+          </a:xfrm>
+          <a:prstGeom prst="rect">
+            <a:avLst/>
+          </a:prstGeom>
+          <a:noFill/>
+          <a:ln>
+            <a:solidFill>
+              <a:schemeClr val="tx1"/>
+            </a:solidFill>
+          </a:ln>
+        </p:spPr>
+        <p:style>
+          <a:lnRef idx="2">
+            <a:schemeClr val="accent1">
+              <a:shade val="50000"/>
+            </a:schemeClr>
+          </a:lnRef>
+          <a:fillRef idx="1">
+            <a:schemeClr val="accent1"/>
+          </a:fillRef>
+          <a:effectRef idx="0">
+            <a:schemeClr val="accent1"/>
+          </a:effectRef>
+          <a:fontRef idx="minor">
+            <a:schemeClr val="lt1"/>
+          </a:fontRef>
+        </p:style>
+        <p:txBody>
+          <a:bodyPr rtlCol="0" anchor="ctr"/>
+          <a:lstStyle/>
+          <a:p>
+            <a:pPr algn="ctr"/>
+            <a:r>
+              <a:rPr lang="en-US" dirty="0">
+                <a:solidFill>
+                  <a:schemeClr val="tx1">
+                    <a:lumMod val="65000"/>
+                    <a:lumOff val="35000"/>
+                  </a:schemeClr>
+                </a:solidFill>
+              </a:rPr>
+              <a:t>X</a:t>
+            </a:r>
+          </a:p>
+        </p:txBody>
+      </p:sp>
+      <p:grpSp>
+        <p:nvGrpSpPr>
+          <p:cNvPr id="37" name="Group 36">
+            <a:extLst>
+              <a:ext uri="{FF2B5EF4-FFF2-40B4-BE49-F238E27FC236}">
+                <a16:creationId xmlns:a16="http://schemas.microsoft.com/office/drawing/2014/main" id="{23729938-D416-4B4B-A687-FD6E42B85251}"/>
+              </a:ext>
+            </a:extLst>
+          </p:cNvPr>
+          <p:cNvGrpSpPr/>
+          <p:nvPr/>
+        </p:nvGrpSpPr>
+        <p:grpSpPr>
+          <a:xfrm>
+            <a:off x="1637413" y="2045654"/>
+            <a:ext cx="4236442" cy="629228"/>
+            <a:chOff x="1995948" y="2678668"/>
+            <a:chExt cx="4236442" cy="629228"/>
+          </a:xfrm>
+        </p:grpSpPr>
+        <p:sp>
+          <p:nvSpPr>
+            <p:cNvPr id="38" name="TextBox 37">
+              <a:extLst>
+                <a:ext uri="{FF2B5EF4-FFF2-40B4-BE49-F238E27FC236}">
+                  <a16:creationId xmlns:a16="http://schemas.microsoft.com/office/drawing/2014/main" id="{73E81E97-C59A-9142-8EEF-1640C3F9032E}"/>
+                </a:ext>
+              </a:extLst>
+            </p:cNvPr>
+            <p:cNvSpPr txBox="1"/>
+            <p:nvPr/>
+          </p:nvSpPr>
+          <p:spPr>
+            <a:xfrm>
+              <a:off x="1995948" y="2969342"/>
+              <a:ext cx="4236442" cy="338554"/>
             </a:xfrm>
             <a:prstGeom prst="rect">
               <a:avLst/>
             </a:prstGeom>
             <a:solidFill>
-              <a:srgbClr val="C00000"/>
+              <a:srgbClr val="FFE2D5"/>
+            </a:solidFill>
+            <a:ln>
+              <a:solidFill>
+                <a:schemeClr val="accent3"/>
+              </a:solidFill>
+            </a:ln>
+          </p:spPr>
+          <p:txBody>
+            <a:bodyPr wrap="square" rtlCol="0">
+              <a:spAutoFit/>
+            </a:bodyPr>
+            <a:lstStyle/>
+            <a:p>
+              <a:endParaRPr lang="en-US" sz="1600" dirty="0">
+                <a:latin typeface="Roboto Medium" panose="02000000000000000000" pitchFamily="2" charset="0"/>
+                <a:ea typeface="Roboto Medium" panose="02000000000000000000" pitchFamily="2" charset="0"/>
+              </a:endParaRPr>
+            </a:p>
+          </p:txBody>
+        </p:sp>
+        <p:sp>
+          <p:nvSpPr>
+            <p:cNvPr id="39" name="TextBox 38">
+              <a:extLst>
+                <a:ext uri="{FF2B5EF4-FFF2-40B4-BE49-F238E27FC236}">
+                  <a16:creationId xmlns:a16="http://schemas.microsoft.com/office/drawing/2014/main" id="{EA8E1AD7-EDAA-3B4B-A771-0DC6EC96120A}"/>
+                </a:ext>
+              </a:extLst>
+            </p:cNvPr>
+            <p:cNvSpPr txBox="1"/>
+            <p:nvPr/>
+          </p:nvSpPr>
+          <p:spPr>
+            <a:xfrm>
+              <a:off x="1995948" y="2678668"/>
+              <a:ext cx="2438400" cy="261610"/>
+            </a:xfrm>
+            <a:prstGeom prst="rect">
+              <a:avLst/>
+            </a:prstGeom>
+            <a:noFill/>
+            <a:ln>
+              <a:noFill/>
+            </a:ln>
+          </p:spPr>
+          <p:txBody>
+            <a:bodyPr wrap="square" rtlCol="0">
+              <a:spAutoFit/>
+            </a:bodyPr>
+            <a:lstStyle/>
+            <a:p>
+              <a:r>
+                <a:rPr lang="en-US" sz="1100" dirty="0">
+                  <a:solidFill>
+                    <a:schemeClr val="tx2"/>
+                  </a:solidFill>
+                  <a:latin typeface="Roboto Medium" panose="02000000000000000000" pitchFamily="2" charset="0"/>
+                  <a:ea typeface="Roboto Medium" panose="02000000000000000000" pitchFamily="2" charset="0"/>
+                </a:rPr>
+                <a:t>Organization Principal Investigator</a:t>
+              </a:r>
+            </a:p>
+          </p:txBody>
+        </p:sp>
+        <p:sp>
+          <p:nvSpPr>
+            <p:cNvPr id="40" name="Oval 39">
+              <a:extLst>
+                <a:ext uri="{FF2B5EF4-FFF2-40B4-BE49-F238E27FC236}">
+                  <a16:creationId xmlns:a16="http://schemas.microsoft.com/office/drawing/2014/main" id="{D0856460-37F4-5840-844B-915A4AC9E966}"/>
+                </a:ext>
+              </a:extLst>
+            </p:cNvPr>
+            <p:cNvSpPr/>
+            <p:nvPr/>
+          </p:nvSpPr>
+          <p:spPr>
+            <a:xfrm>
+              <a:off x="4335548" y="2690896"/>
+              <a:ext cx="186813" cy="182970"/>
+            </a:xfrm>
+            <a:prstGeom prst="ellipse">
+              <a:avLst/>
+            </a:prstGeom>
+            <a:solidFill>
+              <a:schemeClr val="accent4"/>
             </a:solidFill>
             <a:ln>
               <a:solidFill>
                 <a:schemeClr val="bg1"/>
+              </a:solidFill>
+            </a:ln>
+          </p:spPr>
+          <p:style>
+            <a:lnRef idx="2">
+              <a:schemeClr val="accent1">
+                <a:shade val="50000"/>
+              </a:schemeClr>
+            </a:lnRef>
+            <a:fillRef idx="1">
+              <a:schemeClr val="accent1"/>
+            </a:fillRef>
+            <a:effectRef idx="0">
+              <a:schemeClr val="accent1"/>
+            </a:effectRef>
+            <a:fontRef idx="minor">
+              <a:schemeClr val="lt1"/>
+            </a:fontRef>
+          </p:style>
+          <p:txBody>
+            <a:bodyPr rtlCol="0" anchor="ctr"/>
+            <a:lstStyle/>
+            <a:p>
+              <a:pPr algn="ctr"/>
+              <a:endParaRPr lang="en-US" sz="1600">
+                <a:solidFill>
+                  <a:srgbClr val="FFC000"/>
+                </a:solidFill>
+                <a:latin typeface="Roboto Medium" panose="02000000000000000000" pitchFamily="2" charset="0"/>
+                <a:ea typeface="Roboto Medium" panose="02000000000000000000" pitchFamily="2" charset="0"/>
+              </a:endParaRPr>
+            </a:p>
+          </p:txBody>
+        </p:sp>
+      </p:grpSp>
+      <p:grpSp>
+        <p:nvGrpSpPr>
+          <p:cNvPr id="51" name="Group 50">
+            <a:extLst>
+              <a:ext uri="{FF2B5EF4-FFF2-40B4-BE49-F238E27FC236}">
+                <a16:creationId xmlns:a16="http://schemas.microsoft.com/office/drawing/2014/main" id="{19A40AE4-67CA-544F-966F-43FFD63239BB}"/>
+              </a:ext>
+            </a:extLst>
+          </p:cNvPr>
+          <p:cNvGrpSpPr/>
+          <p:nvPr/>
+        </p:nvGrpSpPr>
+        <p:grpSpPr>
+          <a:xfrm>
+            <a:off x="6065926" y="2045654"/>
+            <a:ext cx="4236442" cy="629228"/>
+            <a:chOff x="1995948" y="2678668"/>
+            <a:chExt cx="4236442" cy="629228"/>
+          </a:xfrm>
+        </p:grpSpPr>
+        <p:sp>
+          <p:nvSpPr>
+            <p:cNvPr id="52" name="TextBox 51">
+              <a:extLst>
+                <a:ext uri="{FF2B5EF4-FFF2-40B4-BE49-F238E27FC236}">
+                  <a16:creationId xmlns:a16="http://schemas.microsoft.com/office/drawing/2014/main" id="{0017103C-9361-3749-951E-534C99E51298}"/>
+                </a:ext>
+              </a:extLst>
+            </p:cNvPr>
+            <p:cNvSpPr txBox="1"/>
+            <p:nvPr/>
+          </p:nvSpPr>
+          <p:spPr>
+            <a:xfrm>
+              <a:off x="1995948" y="2969342"/>
+              <a:ext cx="4236442" cy="338554"/>
+            </a:xfrm>
+            <a:prstGeom prst="rect">
+              <a:avLst/>
+            </a:prstGeom>
+            <a:noFill/>
+            <a:ln>
+              <a:solidFill>
+                <a:schemeClr val="accent3"/>
+              </a:solidFill>
+            </a:ln>
+          </p:spPr>
+          <p:txBody>
+            <a:bodyPr wrap="square" rtlCol="0">
+              <a:spAutoFit/>
+            </a:bodyPr>
+            <a:lstStyle/>
+            <a:p>
+              <a:endParaRPr lang="en-US" sz="1600" dirty="0">
+                <a:latin typeface="Roboto Medium" panose="02000000000000000000" pitchFamily="2" charset="0"/>
+                <a:ea typeface="Roboto Medium" panose="02000000000000000000" pitchFamily="2" charset="0"/>
+              </a:endParaRPr>
+            </a:p>
+          </p:txBody>
+        </p:sp>
+        <p:sp>
+          <p:nvSpPr>
+            <p:cNvPr id="53" name="TextBox 52">
+              <a:extLst>
+                <a:ext uri="{FF2B5EF4-FFF2-40B4-BE49-F238E27FC236}">
+                  <a16:creationId xmlns:a16="http://schemas.microsoft.com/office/drawing/2014/main" id="{DD08155F-9EA1-3B49-9ECD-5BC617ACB075}"/>
+                </a:ext>
+              </a:extLst>
+            </p:cNvPr>
+            <p:cNvSpPr txBox="1"/>
+            <p:nvPr/>
+          </p:nvSpPr>
+          <p:spPr>
+            <a:xfrm>
+              <a:off x="1995948" y="2678668"/>
+              <a:ext cx="2470422" cy="261610"/>
+            </a:xfrm>
+            <a:prstGeom prst="rect">
+              <a:avLst/>
+            </a:prstGeom>
+            <a:noFill/>
+            <a:ln>
+              <a:noFill/>
+            </a:ln>
+          </p:spPr>
+          <p:txBody>
+            <a:bodyPr wrap="square" rtlCol="0">
+              <a:spAutoFit/>
+            </a:bodyPr>
+            <a:lstStyle/>
+            <a:p>
+              <a:r>
+                <a:rPr lang="en-US" sz="1100" dirty="0">
+                  <a:solidFill>
+                    <a:schemeClr val="tx2"/>
+                  </a:solidFill>
+                  <a:latin typeface="Roboto Medium" panose="02000000000000000000" pitchFamily="2" charset="0"/>
+                  <a:ea typeface="Roboto Medium" panose="02000000000000000000" pitchFamily="2" charset="0"/>
+                </a:rPr>
+                <a:t>Organization Secondary Investigator</a:t>
+              </a:r>
+            </a:p>
+          </p:txBody>
+        </p:sp>
+        <p:sp>
+          <p:nvSpPr>
+            <p:cNvPr id="54" name="Oval 53">
+              <a:extLst>
+                <a:ext uri="{FF2B5EF4-FFF2-40B4-BE49-F238E27FC236}">
+                  <a16:creationId xmlns:a16="http://schemas.microsoft.com/office/drawing/2014/main" id="{7708964E-7C55-7144-AFA1-7F6E04C619FD}"/>
+                </a:ext>
+              </a:extLst>
+            </p:cNvPr>
+            <p:cNvSpPr/>
+            <p:nvPr/>
+          </p:nvSpPr>
+          <p:spPr>
+            <a:xfrm>
+              <a:off x="4554383" y="2702828"/>
+              <a:ext cx="186813" cy="182970"/>
+            </a:xfrm>
+            <a:prstGeom prst="ellipse">
+              <a:avLst/>
+            </a:prstGeom>
+            <a:solidFill>
+              <a:schemeClr val="accent4"/>
+            </a:solidFill>
+            <a:ln>
+              <a:solidFill>
+                <a:schemeClr val="bg1"/>
+              </a:solidFill>
+            </a:ln>
+          </p:spPr>
+          <p:style>
+            <a:lnRef idx="2">
+              <a:schemeClr val="accent1">
+                <a:shade val="50000"/>
+              </a:schemeClr>
+            </a:lnRef>
+            <a:fillRef idx="1">
+              <a:schemeClr val="accent1"/>
+            </a:fillRef>
+            <a:effectRef idx="0">
+              <a:schemeClr val="accent1"/>
+            </a:effectRef>
+            <a:fontRef idx="minor">
+              <a:schemeClr val="lt1"/>
+            </a:fontRef>
+          </p:style>
+          <p:txBody>
+            <a:bodyPr rtlCol="0" anchor="ctr"/>
+            <a:lstStyle/>
+            <a:p>
+              <a:pPr algn="ctr"/>
+              <a:endParaRPr lang="en-US" sz="1600">
+                <a:solidFill>
+                  <a:srgbClr val="FFC000"/>
+                </a:solidFill>
+                <a:latin typeface="Roboto Medium" panose="02000000000000000000" pitchFamily="2" charset="0"/>
+                <a:ea typeface="Roboto Medium" panose="02000000000000000000" pitchFamily="2" charset="0"/>
+              </a:endParaRPr>
+            </a:p>
+          </p:txBody>
+        </p:sp>
+      </p:grpSp>
+      <p:sp>
+        <p:nvSpPr>
+          <p:cNvPr id="55" name="TextBox 54">
+            <a:extLst>
+              <a:ext uri="{FF2B5EF4-FFF2-40B4-BE49-F238E27FC236}">
+                <a16:creationId xmlns:a16="http://schemas.microsoft.com/office/drawing/2014/main" id="{D34CAE11-FD1A-234F-9F51-3BB467657D74}"/>
+              </a:ext>
+            </a:extLst>
+          </p:cNvPr>
+          <p:cNvSpPr txBox="1"/>
+          <p:nvPr/>
+        </p:nvSpPr>
+        <p:spPr>
+          <a:xfrm>
+            <a:off x="1653992" y="3933732"/>
+            <a:ext cx="8648375" cy="338554"/>
+          </a:xfrm>
+          <a:prstGeom prst="rect">
+            <a:avLst/>
+          </a:prstGeom>
+          <a:noFill/>
+          <a:ln>
+            <a:solidFill>
+              <a:schemeClr val="accent3"/>
+            </a:solidFill>
+          </a:ln>
+        </p:spPr>
+        <p:txBody>
+          <a:bodyPr wrap="square" rtlCol="0">
+            <a:spAutoFit/>
+          </a:bodyPr>
+          <a:lstStyle/>
+          <a:p>
+            <a:r>
+              <a:rPr lang="en-US" sz="1600" dirty="0">
+                <a:latin typeface="Roboto Light" panose="02000000000000000000" pitchFamily="2" charset="0"/>
+                <a:ea typeface="Roboto Light" panose="02000000000000000000" pitchFamily="2" charset="0"/>
+              </a:rPr>
+              <a:t>Alex MacPhail</a:t>
+            </a:r>
+          </a:p>
+        </p:txBody>
+      </p:sp>
+      <p:sp>
+        <p:nvSpPr>
+          <p:cNvPr id="56" name="TextBox 55">
+            <a:extLst>
+              <a:ext uri="{FF2B5EF4-FFF2-40B4-BE49-F238E27FC236}">
+                <a16:creationId xmlns:a16="http://schemas.microsoft.com/office/drawing/2014/main" id="{E3377B49-E76A-3541-9148-0FBBB31E5670}"/>
+              </a:ext>
+            </a:extLst>
+          </p:cNvPr>
+          <p:cNvSpPr txBox="1"/>
+          <p:nvPr/>
+        </p:nvSpPr>
+        <p:spPr>
+          <a:xfrm>
+            <a:off x="1653992" y="4276453"/>
+            <a:ext cx="8648375" cy="338554"/>
+          </a:xfrm>
+          <a:prstGeom prst="rect">
+            <a:avLst/>
+          </a:prstGeom>
+          <a:noFill/>
+          <a:ln>
+            <a:solidFill>
+              <a:schemeClr val="accent3"/>
+            </a:solidFill>
+          </a:ln>
+        </p:spPr>
+        <p:txBody>
+          <a:bodyPr wrap="square" rtlCol="0">
+            <a:spAutoFit/>
+          </a:bodyPr>
+          <a:lstStyle/>
+          <a:p>
+            <a:r>
+              <a:rPr lang="en-US" sz="1600" dirty="0">
+                <a:latin typeface="Roboto Light" panose="02000000000000000000" pitchFamily="2" charset="0"/>
+                <a:ea typeface="Roboto Light" panose="02000000000000000000" pitchFamily="2" charset="0"/>
+              </a:rPr>
+              <a:t>Mike Packer</a:t>
+            </a:r>
+          </a:p>
+        </p:txBody>
+      </p:sp>
+      <p:sp>
+        <p:nvSpPr>
+          <p:cNvPr id="57" name="TextBox 56">
+            <a:extLst>
+              <a:ext uri="{FF2B5EF4-FFF2-40B4-BE49-F238E27FC236}">
+                <a16:creationId xmlns:a16="http://schemas.microsoft.com/office/drawing/2014/main" id="{23893A1B-A2CB-1440-928B-59E4110FF694}"/>
+              </a:ext>
+            </a:extLst>
+          </p:cNvPr>
+          <p:cNvSpPr txBox="1"/>
+          <p:nvPr/>
+        </p:nvSpPr>
+        <p:spPr>
+          <a:xfrm>
+            <a:off x="1653992" y="4617696"/>
+            <a:ext cx="8648375" cy="338554"/>
+          </a:xfrm>
+          <a:prstGeom prst="rect">
+            <a:avLst/>
+          </a:prstGeom>
+          <a:noFill/>
+          <a:ln>
+            <a:solidFill>
+              <a:schemeClr val="accent3"/>
+            </a:solidFill>
+          </a:ln>
+        </p:spPr>
+        <p:txBody>
+          <a:bodyPr wrap="square" rtlCol="0">
+            <a:spAutoFit/>
+          </a:bodyPr>
+          <a:lstStyle/>
+          <a:p>
+            <a:r>
+              <a:rPr lang="en-US" sz="1600" dirty="0">
+                <a:latin typeface="Roboto Light" panose="02000000000000000000" pitchFamily="2" charset="0"/>
+                <a:ea typeface="Roboto Light" panose="02000000000000000000" pitchFamily="2" charset="0"/>
+              </a:rPr>
+              <a:t>Chad Klassen</a:t>
+            </a:r>
+          </a:p>
+        </p:txBody>
+      </p:sp>
+      <p:sp>
+        <p:nvSpPr>
+          <p:cNvPr id="58" name="TextBox 57">
+            <a:extLst>
+              <a:ext uri="{FF2B5EF4-FFF2-40B4-BE49-F238E27FC236}">
+                <a16:creationId xmlns:a16="http://schemas.microsoft.com/office/drawing/2014/main" id="{DCA63EFE-666F-A64F-9AB2-600F1E2FF4C2}"/>
+              </a:ext>
+            </a:extLst>
+          </p:cNvPr>
+          <p:cNvSpPr txBox="1"/>
+          <p:nvPr/>
+        </p:nvSpPr>
+        <p:spPr>
+          <a:xfrm>
+            <a:off x="5788966" y="3635211"/>
+            <a:ext cx="1120300" cy="261610"/>
+          </a:xfrm>
+          <a:prstGeom prst="rect">
+            <a:avLst/>
+          </a:prstGeom>
+          <a:noFill/>
+          <a:ln>
+            <a:noFill/>
+          </a:ln>
+        </p:spPr>
+        <p:txBody>
+          <a:bodyPr wrap="square" rtlCol="0">
+            <a:spAutoFit/>
+          </a:bodyPr>
+          <a:lstStyle/>
+          <a:p>
+            <a:pPr algn="ctr"/>
+            <a:r>
+              <a:rPr lang="en-US" sz="1100" dirty="0">
+                <a:solidFill>
+                  <a:schemeClr val="tx2"/>
+                </a:solidFill>
+                <a:latin typeface="Roboto Medium" panose="02000000000000000000" pitchFamily="2" charset="0"/>
+                <a:ea typeface="Roboto Medium" panose="02000000000000000000" pitchFamily="2" charset="0"/>
+              </a:rPr>
+              <a:t>Administrator</a:t>
+            </a:r>
+          </a:p>
+        </p:txBody>
+      </p:sp>
+      <p:sp>
+        <p:nvSpPr>
+          <p:cNvPr id="59" name="TextBox 58">
+            <a:extLst>
+              <a:ext uri="{FF2B5EF4-FFF2-40B4-BE49-F238E27FC236}">
+                <a16:creationId xmlns:a16="http://schemas.microsoft.com/office/drawing/2014/main" id="{11195039-DA37-FC4E-A9F7-EB9E239B14C1}"/>
+              </a:ext>
+            </a:extLst>
+          </p:cNvPr>
+          <p:cNvSpPr txBox="1"/>
+          <p:nvPr/>
+        </p:nvSpPr>
+        <p:spPr>
+          <a:xfrm>
+            <a:off x="8624361" y="3635211"/>
+            <a:ext cx="1120300" cy="261610"/>
+          </a:xfrm>
+          <a:prstGeom prst="rect">
+            <a:avLst/>
+          </a:prstGeom>
+          <a:noFill/>
+          <a:ln>
+            <a:noFill/>
+          </a:ln>
+        </p:spPr>
+        <p:txBody>
+          <a:bodyPr wrap="square" rtlCol="0">
+            <a:spAutoFit/>
+          </a:bodyPr>
+          <a:lstStyle/>
+          <a:p>
+            <a:pPr algn="ctr"/>
+            <a:r>
+              <a:rPr lang="en-US" sz="1100" dirty="0">
+                <a:solidFill>
+                  <a:schemeClr val="tx2"/>
+                </a:solidFill>
+                <a:latin typeface="Roboto Medium" panose="02000000000000000000" pitchFamily="2" charset="0"/>
+                <a:ea typeface="Roboto Medium" panose="02000000000000000000" pitchFamily="2" charset="0"/>
+              </a:rPr>
+              <a:t>Read-Only</a:t>
+            </a:r>
+          </a:p>
+        </p:txBody>
+      </p:sp>
+      <p:sp>
+        <p:nvSpPr>
+          <p:cNvPr id="60" name="TextBox 59">
+            <a:extLst>
+              <a:ext uri="{FF2B5EF4-FFF2-40B4-BE49-F238E27FC236}">
+                <a16:creationId xmlns:a16="http://schemas.microsoft.com/office/drawing/2014/main" id="{278EA7DF-FA66-F243-962C-8F86958B9B45}"/>
+              </a:ext>
+            </a:extLst>
+          </p:cNvPr>
+          <p:cNvSpPr txBox="1"/>
+          <p:nvPr/>
+        </p:nvSpPr>
+        <p:spPr>
+          <a:xfrm>
+            <a:off x="6741040" y="1105685"/>
+            <a:ext cx="2802213" cy="369332"/>
+          </a:xfrm>
+          <a:prstGeom prst="rect">
+            <a:avLst/>
+          </a:prstGeom>
+          <a:noFill/>
+          <a:ln>
+            <a:solidFill>
+              <a:schemeClr val="tx1"/>
+            </a:solidFill>
+          </a:ln>
+        </p:spPr>
+        <p:txBody>
+          <a:bodyPr wrap="square" rtlCol="0" anchor="ctr">
+            <a:spAutoFit/>
+          </a:bodyPr>
+          <a:lstStyle/>
+          <a:p>
+            <a:pPr algn="ctr"/>
+            <a:r>
+              <a:rPr lang="en-US" dirty="0">
+                <a:solidFill>
+                  <a:srgbClr val="C00000"/>
+                </a:solidFill>
+                <a:latin typeface="Roboto Light" panose="02000000000000000000" pitchFamily="2" charset="0"/>
+                <a:ea typeface="Roboto Light" panose="02000000000000000000" pitchFamily="2" charset="0"/>
+              </a:rPr>
+              <a:t>Privacy and Sharing</a:t>
+            </a:r>
+          </a:p>
+        </p:txBody>
+      </p:sp>
+      <p:sp>
+        <p:nvSpPr>
+          <p:cNvPr id="61" name="TextBox 60">
+            <a:extLst>
+              <a:ext uri="{FF2B5EF4-FFF2-40B4-BE49-F238E27FC236}">
+                <a16:creationId xmlns:a16="http://schemas.microsoft.com/office/drawing/2014/main" id="{E6A3DE2F-6E34-934D-945B-318F4C67C9BF}"/>
+              </a:ext>
+            </a:extLst>
+          </p:cNvPr>
+          <p:cNvSpPr txBox="1"/>
+          <p:nvPr/>
+        </p:nvSpPr>
+        <p:spPr>
+          <a:xfrm>
+            <a:off x="9171709" y="4956250"/>
+            <a:ext cx="529319" cy="523220"/>
+          </a:xfrm>
+          <a:prstGeom prst="rect">
+            <a:avLst/>
+          </a:prstGeom>
+          <a:noFill/>
+          <a:ln>
+            <a:solidFill>
+              <a:schemeClr val="accent3"/>
+            </a:solidFill>
+          </a:ln>
+        </p:spPr>
+        <p:txBody>
+          <a:bodyPr wrap="square" rtlCol="0">
+            <a:spAutoFit/>
+          </a:bodyPr>
+          <a:lstStyle/>
+          <a:p>
+            <a:pPr algn="ctr"/>
+            <a:r>
+              <a:rPr lang="en-US" sz="2800" dirty="0">
+                <a:solidFill>
+                  <a:schemeClr val="accent3"/>
+                </a:solidFill>
+                <a:latin typeface="Roboto Light" panose="02000000000000000000" pitchFamily="2" charset="0"/>
+                <a:ea typeface="Roboto Light" panose="02000000000000000000" pitchFamily="2" charset="0"/>
+              </a:rPr>
+              <a:t>▼</a:t>
+            </a:r>
+          </a:p>
+        </p:txBody>
+      </p:sp>
+      <p:sp>
+        <p:nvSpPr>
+          <p:cNvPr id="29" name="TextBox 28">
+            <a:extLst>
+              <a:ext uri="{FF2B5EF4-FFF2-40B4-BE49-F238E27FC236}">
+                <a16:creationId xmlns:a16="http://schemas.microsoft.com/office/drawing/2014/main" id="{0AA29CF1-641B-5146-8884-E8359AECAF94}"/>
+              </a:ext>
+            </a:extLst>
+          </p:cNvPr>
+          <p:cNvSpPr txBox="1"/>
+          <p:nvPr/>
+        </p:nvSpPr>
+        <p:spPr>
+          <a:xfrm>
+            <a:off x="1231900" y="248491"/>
+            <a:ext cx="6068291" cy="369332"/>
+          </a:xfrm>
+          <a:prstGeom prst="rect">
+            <a:avLst/>
+          </a:prstGeom>
+          <a:noFill/>
+        </p:spPr>
+        <p:txBody>
+          <a:bodyPr wrap="square" rtlCol="0">
+            <a:spAutoFit/>
+          </a:bodyPr>
+          <a:lstStyle/>
+          <a:p>
+            <a:r>
+              <a:rPr lang="en-US" dirty="0"/>
+              <a:t>Organization Settings</a:t>
+            </a:r>
+          </a:p>
+        </p:txBody>
+      </p:sp>
+    </p:spTree>
+    <p:extLst>
+      <p:ext uri="{BB962C8B-B14F-4D97-AF65-F5344CB8AC3E}">
+        <p14:creationId xmlns:p14="http://schemas.microsoft.com/office/powerpoint/2010/main" val="4168538342"/>
+      </p:ext>
+    </p:extLst>
+  </p:cSld>
+  <p:clrMapOvr>
+    <a:masterClrMapping/>
+  </p:clrMapOvr>
+</p:sld>
+</file>
+
+<file path=ppt/slides/slide3.xml><?xml version="1.0" encoding="utf-8"?>
+<p:sld xmlns:a="http://schemas.openxmlformats.org/drawingml/2006/main" xmlns:r="http://schemas.openxmlformats.org/officeDocument/2006/relationships" xmlns:p="http://schemas.openxmlformats.org/presentationml/2006/main">
+  <p:cSld>
+    <p:spTree>
+      <p:nvGrpSpPr>
+        <p:cNvPr id="1" name=""/>
+        <p:cNvGrpSpPr/>
+        <p:nvPr/>
+      </p:nvGrpSpPr>
+      <p:grpSpPr>
+        <a:xfrm>
+          <a:off x="0" y="0"/>
+          <a:ext cx="0" cy="0"/>
+          <a:chOff x="0" y="0"/>
+          <a:chExt cx="0" cy="0"/>
+        </a:xfrm>
+      </p:grpSpPr>
+      <p:sp>
+        <p:nvSpPr>
+          <p:cNvPr id="49" name="Rectangle 48">
+            <a:extLst>
+              <a:ext uri="{FF2B5EF4-FFF2-40B4-BE49-F238E27FC236}">
+                <a16:creationId xmlns:a16="http://schemas.microsoft.com/office/drawing/2014/main" id="{EA5B63B3-594D-2F4D-8586-3AF73E68C3CE}"/>
+              </a:ext>
+            </a:extLst>
+          </p:cNvPr>
+          <p:cNvSpPr/>
+          <p:nvPr/>
+        </p:nvSpPr>
+        <p:spPr>
+          <a:xfrm>
+            <a:off x="1231900" y="736600"/>
+            <a:ext cx="9867900" cy="5283200"/>
+          </a:xfrm>
+          <a:prstGeom prst="rect">
+            <a:avLst/>
+          </a:prstGeom>
+          <a:noFill/>
+          <a:ln>
+            <a:solidFill>
+              <a:schemeClr val="tx1"/>
+            </a:solidFill>
+          </a:ln>
+        </p:spPr>
+        <p:style>
+          <a:lnRef idx="2">
+            <a:schemeClr val="accent1">
+              <a:shade val="50000"/>
+            </a:schemeClr>
+          </a:lnRef>
+          <a:fillRef idx="1">
+            <a:schemeClr val="accent1"/>
+          </a:fillRef>
+          <a:effectRef idx="0">
+            <a:schemeClr val="accent1"/>
+          </a:effectRef>
+          <a:fontRef idx="minor">
+            <a:schemeClr val="lt1"/>
+          </a:fontRef>
+        </p:style>
+        <p:txBody>
+          <a:bodyPr rtlCol="0" anchor="ctr"/>
+          <a:lstStyle/>
+          <a:p>
+            <a:pPr algn="ctr"/>
+            <a:endParaRPr lang="en-US"/>
+          </a:p>
+        </p:txBody>
+      </p:sp>
+      <p:sp>
+        <p:nvSpPr>
+          <p:cNvPr id="4" name="Rectangle 3">
+            <a:extLst>
+              <a:ext uri="{FF2B5EF4-FFF2-40B4-BE49-F238E27FC236}">
+                <a16:creationId xmlns:a16="http://schemas.microsoft.com/office/drawing/2014/main" id="{C2EEE33D-1FA3-4144-BDC0-72C79F2C10F0}"/>
+              </a:ext>
+            </a:extLst>
+          </p:cNvPr>
+          <p:cNvSpPr/>
+          <p:nvPr/>
+        </p:nvSpPr>
+        <p:spPr>
+          <a:xfrm>
+            <a:off x="1445342" y="1490406"/>
+            <a:ext cx="9438968" cy="4311446"/>
+          </a:xfrm>
+          <a:prstGeom prst="rect">
+            <a:avLst/>
+          </a:prstGeom>
+          <a:noFill/>
+          <a:ln>
+            <a:solidFill>
+              <a:schemeClr val="tx1"/>
+            </a:solidFill>
+          </a:ln>
+        </p:spPr>
+        <p:style>
+          <a:lnRef idx="2">
+            <a:schemeClr val="accent1">
+              <a:shade val="50000"/>
+            </a:schemeClr>
+          </a:lnRef>
+          <a:fillRef idx="1">
+            <a:schemeClr val="accent1"/>
+          </a:fillRef>
+          <a:effectRef idx="0">
+            <a:schemeClr val="accent1"/>
+          </a:effectRef>
+          <a:fontRef idx="minor">
+            <a:schemeClr val="lt1"/>
+          </a:fontRef>
+        </p:style>
+        <p:txBody>
+          <a:bodyPr rtlCol="0" anchor="ctr"/>
+          <a:lstStyle/>
+          <a:p>
+            <a:pPr algn="ctr"/>
+            <a:endParaRPr lang="en-US" sz="1600">
+              <a:latin typeface="Roboto Medium" panose="02000000000000000000" pitchFamily="2" charset="0"/>
+              <a:ea typeface="Roboto Medium" panose="02000000000000000000" pitchFamily="2" charset="0"/>
+            </a:endParaRPr>
+          </a:p>
+        </p:txBody>
+      </p:sp>
+      <p:sp>
+        <p:nvSpPr>
+          <p:cNvPr id="13" name="TextBox 12">
+            <a:extLst>
+              <a:ext uri="{FF2B5EF4-FFF2-40B4-BE49-F238E27FC236}">
+                <a16:creationId xmlns:a16="http://schemas.microsoft.com/office/drawing/2014/main" id="{8C48EAC3-D9BC-0C42-819F-AEDF53E266E0}"/>
+              </a:ext>
+            </a:extLst>
+          </p:cNvPr>
+          <p:cNvSpPr txBox="1"/>
+          <p:nvPr/>
+        </p:nvSpPr>
+        <p:spPr>
+          <a:xfrm>
+            <a:off x="1637413" y="1105685"/>
+            <a:ext cx="1701209" cy="369332"/>
+          </a:xfrm>
+          <a:prstGeom prst="rect">
+            <a:avLst/>
+          </a:prstGeom>
+          <a:noFill/>
+          <a:ln>
+            <a:solidFill>
+              <a:schemeClr val="tx1"/>
+            </a:solidFill>
+          </a:ln>
+        </p:spPr>
+        <p:txBody>
+          <a:bodyPr wrap="square" rtlCol="0" anchor="ctr">
+            <a:spAutoFit/>
+          </a:bodyPr>
+          <a:lstStyle/>
+          <a:p>
+            <a:pPr algn="ctr"/>
+            <a:r>
+              <a:rPr lang="en-US" dirty="0">
+                <a:solidFill>
+                  <a:srgbClr val="C00000"/>
+                </a:solidFill>
+                <a:latin typeface="Roboto Light" panose="02000000000000000000" pitchFamily="2" charset="0"/>
+                <a:ea typeface="Roboto Light" panose="02000000000000000000" pitchFamily="2" charset="0"/>
+              </a:rPr>
+              <a:t>General</a:t>
+            </a:r>
+          </a:p>
+        </p:txBody>
+      </p:sp>
+      <p:sp>
+        <p:nvSpPr>
+          <p:cNvPr id="14" name="TextBox 13">
+            <a:extLst>
+              <a:ext uri="{FF2B5EF4-FFF2-40B4-BE49-F238E27FC236}">
+                <a16:creationId xmlns:a16="http://schemas.microsoft.com/office/drawing/2014/main" id="{49413004-037C-D841-BFF9-56787C7B6CAD}"/>
+              </a:ext>
+            </a:extLst>
+          </p:cNvPr>
+          <p:cNvSpPr txBox="1"/>
+          <p:nvPr/>
+        </p:nvSpPr>
+        <p:spPr>
+          <a:xfrm>
+            <a:off x="5039831" y="1103573"/>
+            <a:ext cx="1701209" cy="369332"/>
+          </a:xfrm>
+          <a:prstGeom prst="rect">
+            <a:avLst/>
+          </a:prstGeom>
+          <a:solidFill>
+            <a:schemeClr val="accent4">
+              <a:lumMod val="20000"/>
+              <a:lumOff val="80000"/>
+            </a:schemeClr>
+          </a:solidFill>
+          <a:ln>
+            <a:solidFill>
+              <a:schemeClr val="tx1"/>
+            </a:solidFill>
+          </a:ln>
+        </p:spPr>
+        <p:txBody>
+          <a:bodyPr wrap="square" rtlCol="0" anchor="ctr">
+            <a:spAutoFit/>
+          </a:bodyPr>
+          <a:lstStyle/>
+          <a:p>
+            <a:pPr algn="ctr"/>
+            <a:r>
+              <a:rPr lang="en-US" dirty="0">
+                <a:solidFill>
+                  <a:srgbClr val="C00000"/>
+                </a:solidFill>
+                <a:latin typeface="Roboto Light" panose="02000000000000000000" pitchFamily="2" charset="0"/>
+                <a:ea typeface="Roboto Light" panose="02000000000000000000" pitchFamily="2" charset="0"/>
+              </a:rPr>
+              <a:t>Admin</a:t>
+            </a:r>
+          </a:p>
+        </p:txBody>
+      </p:sp>
+      <p:sp>
+        <p:nvSpPr>
+          <p:cNvPr id="15" name="TextBox 14">
+            <a:extLst>
+              <a:ext uri="{FF2B5EF4-FFF2-40B4-BE49-F238E27FC236}">
+                <a16:creationId xmlns:a16="http://schemas.microsoft.com/office/drawing/2014/main" id="{C78C22E9-80F7-4C4F-850F-6FAA174461A7}"/>
+              </a:ext>
+            </a:extLst>
+          </p:cNvPr>
+          <p:cNvSpPr txBox="1"/>
+          <p:nvPr/>
+        </p:nvSpPr>
+        <p:spPr>
+          <a:xfrm>
+            <a:off x="3338622" y="1103573"/>
+            <a:ext cx="1701209" cy="369332"/>
+          </a:xfrm>
+          <a:prstGeom prst="rect">
+            <a:avLst/>
+          </a:prstGeom>
+          <a:noFill/>
+          <a:ln>
+            <a:solidFill>
+              <a:schemeClr val="tx1"/>
+            </a:solidFill>
+          </a:ln>
+        </p:spPr>
+        <p:txBody>
+          <a:bodyPr wrap="square" rtlCol="0" anchor="ctr">
+            <a:spAutoFit/>
+          </a:bodyPr>
+          <a:lstStyle/>
+          <a:p>
+            <a:pPr algn="ctr"/>
+            <a:r>
+              <a:rPr lang="en-US" dirty="0">
+                <a:solidFill>
+                  <a:srgbClr val="C00000"/>
+                </a:solidFill>
+                <a:latin typeface="Roboto Light" panose="02000000000000000000" pitchFamily="2" charset="0"/>
+                <a:ea typeface="Roboto Light" panose="02000000000000000000" pitchFamily="2" charset="0"/>
+              </a:rPr>
+              <a:t>Users</a:t>
+            </a:r>
+          </a:p>
+        </p:txBody>
+      </p:sp>
+      <p:sp>
+        <p:nvSpPr>
+          <p:cNvPr id="48" name="TextBox 47">
+            <a:extLst>
+              <a:ext uri="{FF2B5EF4-FFF2-40B4-BE49-F238E27FC236}">
+                <a16:creationId xmlns:a16="http://schemas.microsoft.com/office/drawing/2014/main" id="{6D18DAFA-2F75-434A-913F-51C143F87737}"/>
+              </a:ext>
+            </a:extLst>
+          </p:cNvPr>
+          <p:cNvSpPr txBox="1"/>
+          <p:nvPr/>
+        </p:nvSpPr>
+        <p:spPr>
+          <a:xfrm>
+            <a:off x="9916518" y="5295366"/>
+            <a:ext cx="783847" cy="338554"/>
+          </a:xfrm>
+          <a:prstGeom prst="rect">
+            <a:avLst/>
+          </a:prstGeom>
+          <a:noFill/>
+          <a:ln>
+            <a:solidFill>
+              <a:schemeClr val="accent3"/>
+            </a:solidFill>
+          </a:ln>
+        </p:spPr>
+        <p:txBody>
+          <a:bodyPr wrap="square" rtlCol="0">
+            <a:spAutoFit/>
+          </a:bodyPr>
+          <a:lstStyle/>
+          <a:p>
+            <a:pPr algn="ctr"/>
+            <a:r>
+              <a:rPr lang="en-US" sz="1600" dirty="0">
+                <a:solidFill>
+                  <a:schemeClr val="accent3"/>
+                </a:solidFill>
+                <a:latin typeface="Roboto Light" panose="02000000000000000000" pitchFamily="2" charset="0"/>
+                <a:ea typeface="Roboto Light" panose="02000000000000000000" pitchFamily="2" charset="0"/>
+              </a:rPr>
+              <a:t>Close</a:t>
+            </a:r>
+          </a:p>
+        </p:txBody>
+      </p:sp>
+      <p:sp>
+        <p:nvSpPr>
+          <p:cNvPr id="50" name="Rectangle 49">
+            <a:extLst>
+              <a:ext uri="{FF2B5EF4-FFF2-40B4-BE49-F238E27FC236}">
+                <a16:creationId xmlns:a16="http://schemas.microsoft.com/office/drawing/2014/main" id="{8F272F39-C3C8-5045-9F09-431E10A6CF44}"/>
+              </a:ext>
+            </a:extLst>
+          </p:cNvPr>
+          <p:cNvSpPr/>
+          <p:nvPr/>
+        </p:nvSpPr>
+        <p:spPr>
+          <a:xfrm>
+            <a:off x="10516420" y="917499"/>
+            <a:ext cx="367890" cy="354959"/>
+          </a:xfrm>
+          <a:prstGeom prst="rect">
+            <a:avLst/>
+          </a:prstGeom>
+          <a:noFill/>
+          <a:ln>
+            <a:solidFill>
+              <a:schemeClr val="tx1"/>
+            </a:solidFill>
+          </a:ln>
+        </p:spPr>
+        <p:style>
+          <a:lnRef idx="2">
+            <a:schemeClr val="accent1">
+              <a:shade val="50000"/>
+            </a:schemeClr>
+          </a:lnRef>
+          <a:fillRef idx="1">
+            <a:schemeClr val="accent1"/>
+          </a:fillRef>
+          <a:effectRef idx="0">
+            <a:schemeClr val="accent1"/>
+          </a:effectRef>
+          <a:fontRef idx="minor">
+            <a:schemeClr val="lt1"/>
+          </a:fontRef>
+        </p:style>
+        <p:txBody>
+          <a:bodyPr rtlCol="0" anchor="ctr"/>
+          <a:lstStyle/>
+          <a:p>
+            <a:pPr algn="ctr"/>
+            <a:r>
+              <a:rPr lang="en-US" dirty="0">
+                <a:solidFill>
+                  <a:schemeClr val="tx1">
+                    <a:lumMod val="65000"/>
+                    <a:lumOff val="35000"/>
+                  </a:schemeClr>
+                </a:solidFill>
+              </a:rPr>
+              <a:t>X</a:t>
+            </a:r>
+          </a:p>
+        </p:txBody>
+      </p:sp>
+      <p:grpSp>
+        <p:nvGrpSpPr>
+          <p:cNvPr id="51" name="Group 50">
+            <a:extLst>
+              <a:ext uri="{FF2B5EF4-FFF2-40B4-BE49-F238E27FC236}">
+                <a16:creationId xmlns:a16="http://schemas.microsoft.com/office/drawing/2014/main" id="{19A40AE4-67CA-544F-966F-43FFD63239BB}"/>
+              </a:ext>
+            </a:extLst>
+          </p:cNvPr>
+          <p:cNvGrpSpPr/>
+          <p:nvPr/>
+        </p:nvGrpSpPr>
+        <p:grpSpPr>
+          <a:xfrm>
+            <a:off x="6191568" y="2688453"/>
+            <a:ext cx="4236442" cy="629228"/>
+            <a:chOff x="1995948" y="2678668"/>
+            <a:chExt cx="4236442" cy="629228"/>
+          </a:xfrm>
+        </p:grpSpPr>
+        <p:sp>
+          <p:nvSpPr>
+            <p:cNvPr id="52" name="TextBox 51">
+              <a:extLst>
+                <a:ext uri="{FF2B5EF4-FFF2-40B4-BE49-F238E27FC236}">
+                  <a16:creationId xmlns:a16="http://schemas.microsoft.com/office/drawing/2014/main" id="{0017103C-9361-3749-951E-534C99E51298}"/>
+                </a:ext>
+              </a:extLst>
+            </p:cNvPr>
+            <p:cNvSpPr txBox="1"/>
+            <p:nvPr/>
+          </p:nvSpPr>
+          <p:spPr>
+            <a:xfrm>
+              <a:off x="1995948" y="2969342"/>
+              <a:ext cx="4236442" cy="338554"/>
+            </a:xfrm>
+            <a:prstGeom prst="rect">
+              <a:avLst/>
+            </a:prstGeom>
+            <a:noFill/>
+            <a:ln>
+              <a:solidFill>
+                <a:schemeClr val="accent3"/>
               </a:solidFill>
             </a:ln>
           </p:spPr>
@@ -3135,22 +6290,21 @@
             <a:lstStyle/>
             <a:p>
               <a:r>
-                <a:rPr lang="en-US" sz="4400" dirty="0">
-                  <a:solidFill>
-                    <a:schemeClr val="bg1"/>
-                  </a:solidFill>
+                <a:rPr lang="en-US" sz="1600" dirty="0">
+                  <a:latin typeface="Roboto Light" panose="02000000000000000000" pitchFamily="2" charset="0"/>
+                  <a:ea typeface="Roboto Light" panose="02000000000000000000" pitchFamily="2" charset="0"/>
                 </a:rPr>
-                <a:t>--TEMPLATE FOR COVER--</a:t>
+                <a:t>March 31, 2024</a:t>
               </a:r>
             </a:p>
           </p:txBody>
         </p:sp>
         <p:sp>
           <p:nvSpPr>
-            <p:cNvPr id="6" name="TextBox 5">
+            <p:cNvPr id="53" name="TextBox 52">
               <a:extLst>
                 <a:ext uri="{FF2B5EF4-FFF2-40B4-BE49-F238E27FC236}">
-                  <a16:creationId xmlns:a16="http://schemas.microsoft.com/office/drawing/2014/main" id="{E6EA5107-9DAC-A34E-87A0-03E33EDE7940}"/>
+                  <a16:creationId xmlns:a16="http://schemas.microsoft.com/office/drawing/2014/main" id="{DD08155F-9EA1-3B49-9ECD-5BC617ACB075}"/>
                 </a:ext>
               </a:extLst>
             </p:cNvPr>
@@ -3159,13 +6313,16 @@
           </p:nvSpPr>
           <p:spPr>
             <a:xfrm>
-              <a:off x="825899" y="2225764"/>
-              <a:ext cx="7196667" cy="1200329"/>
+              <a:off x="1995948" y="2678668"/>
+              <a:ext cx="2470422" cy="261610"/>
             </a:xfrm>
             <a:prstGeom prst="rect">
               <a:avLst/>
             </a:prstGeom>
             <a:noFill/>
+            <a:ln>
+              <a:noFill/>
+            </a:ln>
           </p:spPr>
           <p:txBody>
             <a:bodyPr wrap="square" rtlCol="0">
@@ -3174,24 +6331,152 @@
             <a:lstStyle/>
             <a:p>
               <a:r>
-                <a:rPr lang="en-US" sz="3600" dirty="0">
+                <a:rPr lang="en-US" sz="1100" dirty="0">
                   <a:solidFill>
-                    <a:schemeClr val="accent3"/>
+                    <a:schemeClr val="tx2"/>
                   </a:solidFill>
-                  <a:latin typeface="Roboto Light" panose="02000000000000000000" pitchFamily="2" charset="0"/>
-                  <a:ea typeface="Roboto Light" panose="02000000000000000000" pitchFamily="2" charset="0"/>
+                  <a:latin typeface="Roboto Medium" panose="02000000000000000000" pitchFamily="2" charset="0"/>
+                  <a:ea typeface="Roboto Medium" panose="02000000000000000000" pitchFamily="2" charset="0"/>
                 </a:rPr>
-                <a:t>Environmental sensor data management and analysis with R</a:t>
+                <a:t>Next Billing Date</a:t>
               </a:r>
             </a:p>
           </p:txBody>
         </p:sp>
         <p:sp>
           <p:nvSpPr>
-            <p:cNvPr id="9" name="TextBox 8">
+            <p:cNvPr id="54" name="Oval 53">
               <a:extLst>
                 <a:ext uri="{FF2B5EF4-FFF2-40B4-BE49-F238E27FC236}">
-                  <a16:creationId xmlns:a16="http://schemas.microsoft.com/office/drawing/2014/main" id="{EF7EBC5C-D863-BF4E-8AA0-88A9A8DCE4D6}"/>
+                  <a16:creationId xmlns:a16="http://schemas.microsoft.com/office/drawing/2014/main" id="{7708964E-7C55-7144-AFA1-7F6E04C619FD}"/>
+                </a:ext>
+              </a:extLst>
+            </p:cNvPr>
+            <p:cNvSpPr/>
+            <p:nvPr/>
+          </p:nvSpPr>
+          <p:spPr>
+            <a:xfrm>
+              <a:off x="3231159" y="2687193"/>
+              <a:ext cx="186813" cy="182970"/>
+            </a:xfrm>
+            <a:prstGeom prst="ellipse">
+              <a:avLst/>
+            </a:prstGeom>
+            <a:solidFill>
+              <a:schemeClr val="accent4"/>
+            </a:solidFill>
+            <a:ln>
+              <a:solidFill>
+                <a:schemeClr val="bg1"/>
+              </a:solidFill>
+            </a:ln>
+          </p:spPr>
+          <p:style>
+            <a:lnRef idx="2">
+              <a:schemeClr val="accent1">
+                <a:shade val="50000"/>
+              </a:schemeClr>
+            </a:lnRef>
+            <a:fillRef idx="1">
+              <a:schemeClr val="accent1"/>
+            </a:fillRef>
+            <a:effectRef idx="0">
+              <a:schemeClr val="accent1"/>
+            </a:effectRef>
+            <a:fontRef idx="minor">
+              <a:schemeClr val="lt1"/>
+            </a:fontRef>
+          </p:style>
+          <p:txBody>
+            <a:bodyPr rtlCol="0" anchor="ctr"/>
+            <a:lstStyle/>
+            <a:p>
+              <a:pPr algn="ctr"/>
+              <a:endParaRPr lang="en-US" sz="1600">
+                <a:solidFill>
+                  <a:srgbClr val="FFC000"/>
+                </a:solidFill>
+                <a:latin typeface="Roboto Medium" panose="02000000000000000000" pitchFamily="2" charset="0"/>
+                <a:ea typeface="Roboto Medium" panose="02000000000000000000" pitchFamily="2" charset="0"/>
+              </a:endParaRPr>
+            </a:p>
+          </p:txBody>
+        </p:sp>
+      </p:grpSp>
+      <p:sp>
+        <p:nvSpPr>
+          <p:cNvPr id="60" name="TextBox 59">
+            <a:extLst>
+              <a:ext uri="{FF2B5EF4-FFF2-40B4-BE49-F238E27FC236}">
+                <a16:creationId xmlns:a16="http://schemas.microsoft.com/office/drawing/2014/main" id="{278EA7DF-FA66-F243-962C-8F86958B9B45}"/>
+              </a:ext>
+            </a:extLst>
+          </p:cNvPr>
+          <p:cNvSpPr txBox="1"/>
+          <p:nvPr/>
+        </p:nvSpPr>
+        <p:spPr>
+          <a:xfrm>
+            <a:off x="6741040" y="1105685"/>
+            <a:ext cx="2802213" cy="369332"/>
+          </a:xfrm>
+          <a:prstGeom prst="rect">
+            <a:avLst/>
+          </a:prstGeom>
+          <a:noFill/>
+          <a:ln>
+            <a:solidFill>
+              <a:schemeClr val="tx1"/>
+            </a:solidFill>
+          </a:ln>
+        </p:spPr>
+        <p:txBody>
+          <a:bodyPr wrap="square" rtlCol="0" anchor="ctr">
+            <a:spAutoFit/>
+          </a:bodyPr>
+          <a:lstStyle/>
+          <a:p>
+            <a:pPr algn="ctr"/>
+            <a:r>
+              <a:rPr lang="en-US" dirty="0">
+                <a:solidFill>
+                  <a:srgbClr val="C00000"/>
+                </a:solidFill>
+                <a:latin typeface="Roboto Light" panose="02000000000000000000" pitchFamily="2" charset="0"/>
+                <a:ea typeface="Roboto Light" panose="02000000000000000000" pitchFamily="2" charset="0"/>
+              </a:rPr>
+              <a:t>Privacy and Sharing</a:t>
+            </a:r>
+          </a:p>
+        </p:txBody>
+      </p:sp>
+      <p:grpSp>
+        <p:nvGrpSpPr>
+          <p:cNvPr id="27" name="Group 26">
+            <a:extLst>
+              <a:ext uri="{FF2B5EF4-FFF2-40B4-BE49-F238E27FC236}">
+                <a16:creationId xmlns:a16="http://schemas.microsoft.com/office/drawing/2014/main" id="{93793EAF-6D51-7F4A-BC3A-A74E681505BD}"/>
+              </a:ext>
+            </a:extLst>
+          </p:cNvPr>
+          <p:cNvGrpSpPr/>
+          <p:nvPr/>
+        </p:nvGrpSpPr>
+        <p:grpSpPr>
+          <a:xfrm>
+            <a:off x="1654703" y="4204842"/>
+            <a:ext cx="4236442" cy="629228"/>
+            <a:chOff x="1995948" y="2678668"/>
+            <a:chExt cx="4236442" cy="629228"/>
+          </a:xfrm>
+        </p:grpSpPr>
+        <p:sp>
+          <p:nvSpPr>
+            <p:cNvPr id="29" name="TextBox 28">
+              <a:extLst>
+                <a:ext uri="{FF2B5EF4-FFF2-40B4-BE49-F238E27FC236}">
+                  <a16:creationId xmlns:a16="http://schemas.microsoft.com/office/drawing/2014/main" id="{F024C801-746A-B044-83F7-A66CECFC4F73}"/>
                 </a:ext>
               </a:extLst>
             </p:cNvPr>
@@ -3200,13 +6485,18 @@
           </p:nvSpPr>
           <p:spPr>
             <a:xfrm>
-              <a:off x="825899" y="5736546"/>
-              <a:ext cx="7196667" cy="1200329"/>
+              <a:off x="1995948" y="2969342"/>
+              <a:ext cx="4236442" cy="338554"/>
             </a:xfrm>
             <a:prstGeom prst="rect">
               <a:avLst/>
             </a:prstGeom>
             <a:noFill/>
+            <a:ln>
+              <a:solidFill>
+                <a:schemeClr val="accent3"/>
+              </a:solidFill>
+            </a:ln>
           </p:spPr>
           <p:txBody>
             <a:bodyPr wrap="square" rtlCol="0">
@@ -3215,38 +6505,3066 @@
             <a:lstStyle/>
             <a:p>
               <a:r>
-                <a:rPr lang="en-US" sz="2400" b="1" dirty="0">
+                <a:rPr lang="en-US" sz="1600" dirty="0">
                   <a:latin typeface="Roboto Light" panose="02000000000000000000" pitchFamily="2" charset="0"/>
                   <a:ea typeface="Roboto Light" panose="02000000000000000000" pitchFamily="2" charset="0"/>
                 </a:rPr>
-                <a:t>Alexander G. MacPhail</a:t>
-              </a:r>
-            </a:p>
-            <a:p>
-              <a:r>
-                <a:rPr lang="en-US" sz="2400" b="1" dirty="0">
-                  <a:latin typeface="Roboto Light" panose="02000000000000000000" pitchFamily="2" charset="0"/>
-                  <a:ea typeface="Roboto Light" panose="02000000000000000000" pitchFamily="2" charset="0"/>
-                </a:rPr>
-                <a:t>Marcus Becker</a:t>
-              </a:r>
-            </a:p>
-            <a:p>
-              <a:r>
-                <a:rPr lang="en-US" sz="2400" b="1" dirty="0">
-                  <a:latin typeface="Roboto Light" panose="02000000000000000000" pitchFamily="2" charset="0"/>
-                  <a:ea typeface="Roboto Light" panose="02000000000000000000" pitchFamily="2" charset="0"/>
-                </a:rPr>
-                <a:t>Elly C. Knight</a:t>
+                <a:t>$ 156.75</a:t>
               </a:r>
             </a:p>
           </p:txBody>
         </p:sp>
+        <p:sp>
+          <p:nvSpPr>
+            <p:cNvPr id="30" name="TextBox 29">
+              <a:extLst>
+                <a:ext uri="{FF2B5EF4-FFF2-40B4-BE49-F238E27FC236}">
+                  <a16:creationId xmlns:a16="http://schemas.microsoft.com/office/drawing/2014/main" id="{4F2AEEA8-6109-2144-A9E2-2B1DB5F3C3D1}"/>
+                </a:ext>
+              </a:extLst>
+            </p:cNvPr>
+            <p:cNvSpPr txBox="1"/>
+            <p:nvPr/>
+          </p:nvSpPr>
+          <p:spPr>
+            <a:xfrm>
+              <a:off x="1995948" y="2678668"/>
+              <a:ext cx="2470422" cy="261610"/>
+            </a:xfrm>
+            <a:prstGeom prst="rect">
+              <a:avLst/>
+            </a:prstGeom>
+            <a:noFill/>
+            <a:ln>
+              <a:noFill/>
+            </a:ln>
+          </p:spPr>
+          <p:txBody>
+            <a:bodyPr wrap="square" rtlCol="0">
+              <a:spAutoFit/>
+            </a:bodyPr>
+            <a:lstStyle/>
+            <a:p>
+              <a:r>
+                <a:rPr lang="en-US" sz="1100" dirty="0">
+                  <a:solidFill>
+                    <a:schemeClr val="tx2"/>
+                  </a:solidFill>
+                  <a:latin typeface="Roboto Medium" panose="02000000000000000000" pitchFamily="2" charset="0"/>
+                  <a:ea typeface="Roboto Medium" panose="02000000000000000000" pitchFamily="2" charset="0"/>
+                </a:rPr>
+                <a:t>Total Storage Costs</a:t>
+              </a:r>
+            </a:p>
+          </p:txBody>
+        </p:sp>
+        <p:sp>
+          <p:nvSpPr>
+            <p:cNvPr id="31" name="Oval 30">
+              <a:extLst>
+                <a:ext uri="{FF2B5EF4-FFF2-40B4-BE49-F238E27FC236}">
+                  <a16:creationId xmlns:a16="http://schemas.microsoft.com/office/drawing/2014/main" id="{85092126-9E32-C04E-8E0D-42A0A90272E9}"/>
+                </a:ext>
+              </a:extLst>
+            </p:cNvPr>
+            <p:cNvSpPr/>
+            <p:nvPr/>
+          </p:nvSpPr>
+          <p:spPr>
+            <a:xfrm>
+              <a:off x="3386625" y="2701802"/>
+              <a:ext cx="186813" cy="182970"/>
+            </a:xfrm>
+            <a:prstGeom prst="ellipse">
+              <a:avLst/>
+            </a:prstGeom>
+            <a:solidFill>
+              <a:schemeClr val="accent4"/>
+            </a:solidFill>
+            <a:ln>
+              <a:solidFill>
+                <a:schemeClr val="bg1"/>
+              </a:solidFill>
+            </a:ln>
+          </p:spPr>
+          <p:style>
+            <a:lnRef idx="2">
+              <a:schemeClr val="accent1">
+                <a:shade val="50000"/>
+              </a:schemeClr>
+            </a:lnRef>
+            <a:fillRef idx="1">
+              <a:schemeClr val="accent1"/>
+            </a:fillRef>
+            <a:effectRef idx="0">
+              <a:schemeClr val="accent1"/>
+            </a:effectRef>
+            <a:fontRef idx="minor">
+              <a:schemeClr val="lt1"/>
+            </a:fontRef>
+          </p:style>
+          <p:txBody>
+            <a:bodyPr rtlCol="0" anchor="ctr"/>
+            <a:lstStyle/>
+            <a:p>
+              <a:pPr algn="ctr"/>
+              <a:endParaRPr lang="en-US" sz="1600">
+                <a:solidFill>
+                  <a:srgbClr val="FFC000"/>
+                </a:solidFill>
+                <a:latin typeface="Roboto Medium" panose="02000000000000000000" pitchFamily="2" charset="0"/>
+                <a:ea typeface="Roboto Medium" panose="02000000000000000000" pitchFamily="2" charset="0"/>
+              </a:endParaRPr>
+            </a:p>
+          </p:txBody>
+        </p:sp>
       </p:grpSp>
+      <p:grpSp>
+        <p:nvGrpSpPr>
+          <p:cNvPr id="36" name="Group 35">
+            <a:extLst>
+              <a:ext uri="{FF2B5EF4-FFF2-40B4-BE49-F238E27FC236}">
+                <a16:creationId xmlns:a16="http://schemas.microsoft.com/office/drawing/2014/main" id="{7964C7D0-36AD-A84D-BBCC-6937DD3DE762}"/>
+              </a:ext>
+            </a:extLst>
+          </p:cNvPr>
+          <p:cNvGrpSpPr/>
+          <p:nvPr/>
+        </p:nvGrpSpPr>
+        <p:grpSpPr>
+          <a:xfrm>
+            <a:off x="1654703" y="2686982"/>
+            <a:ext cx="4236442" cy="629228"/>
+            <a:chOff x="1995948" y="2678668"/>
+            <a:chExt cx="4236442" cy="629228"/>
+          </a:xfrm>
+        </p:grpSpPr>
+        <p:sp>
+          <p:nvSpPr>
+            <p:cNvPr id="41" name="TextBox 40">
+              <a:extLst>
+                <a:ext uri="{FF2B5EF4-FFF2-40B4-BE49-F238E27FC236}">
+                  <a16:creationId xmlns:a16="http://schemas.microsoft.com/office/drawing/2014/main" id="{2B32C73E-8307-B947-81CC-690671417DEF}"/>
+                </a:ext>
+              </a:extLst>
+            </p:cNvPr>
+            <p:cNvSpPr txBox="1"/>
+            <p:nvPr/>
+          </p:nvSpPr>
+          <p:spPr>
+            <a:xfrm>
+              <a:off x="1995948" y="2969342"/>
+              <a:ext cx="4236442" cy="338554"/>
+            </a:xfrm>
+            <a:prstGeom prst="rect">
+              <a:avLst/>
+            </a:prstGeom>
+            <a:noFill/>
+            <a:ln>
+              <a:solidFill>
+                <a:schemeClr val="accent3"/>
+              </a:solidFill>
+            </a:ln>
+          </p:spPr>
+          <p:txBody>
+            <a:bodyPr wrap="square" rtlCol="0">
+              <a:spAutoFit/>
+            </a:bodyPr>
+            <a:lstStyle/>
+            <a:p>
+              <a:r>
+                <a:rPr lang="en-US" sz="1600" dirty="0">
+                  <a:latin typeface="Roboto Light" panose="02000000000000000000" pitchFamily="2" charset="0"/>
+                  <a:ea typeface="Roboto Light" panose="02000000000000000000" pitchFamily="2" charset="0"/>
+                </a:rPr>
+                <a:t>2.356 TB</a:t>
+              </a:r>
+            </a:p>
+          </p:txBody>
+        </p:sp>
+        <p:sp>
+          <p:nvSpPr>
+            <p:cNvPr id="42" name="TextBox 41">
+              <a:extLst>
+                <a:ext uri="{FF2B5EF4-FFF2-40B4-BE49-F238E27FC236}">
+                  <a16:creationId xmlns:a16="http://schemas.microsoft.com/office/drawing/2014/main" id="{1E86410C-9AEF-3B43-99E0-DAA1E20E5139}"/>
+                </a:ext>
+              </a:extLst>
+            </p:cNvPr>
+            <p:cNvSpPr txBox="1"/>
+            <p:nvPr/>
+          </p:nvSpPr>
+          <p:spPr>
+            <a:xfrm>
+              <a:off x="1995948" y="2678668"/>
+              <a:ext cx="2470422" cy="261610"/>
+            </a:xfrm>
+            <a:prstGeom prst="rect">
+              <a:avLst/>
+            </a:prstGeom>
+            <a:noFill/>
+            <a:ln>
+              <a:noFill/>
+            </a:ln>
+          </p:spPr>
+          <p:txBody>
+            <a:bodyPr wrap="square" rtlCol="0">
+              <a:spAutoFit/>
+            </a:bodyPr>
+            <a:lstStyle/>
+            <a:p>
+              <a:r>
+                <a:rPr lang="en-US" sz="1100" dirty="0">
+                  <a:solidFill>
+                    <a:schemeClr val="tx2"/>
+                  </a:solidFill>
+                  <a:latin typeface="Roboto Medium" panose="02000000000000000000" pitchFamily="2" charset="0"/>
+                  <a:ea typeface="Roboto Medium" panose="02000000000000000000" pitchFamily="2" charset="0"/>
+                </a:rPr>
+                <a:t>Audio Volume</a:t>
+              </a:r>
+            </a:p>
+          </p:txBody>
+        </p:sp>
+        <p:sp>
+          <p:nvSpPr>
+            <p:cNvPr id="43" name="Oval 42">
+              <a:extLst>
+                <a:ext uri="{FF2B5EF4-FFF2-40B4-BE49-F238E27FC236}">
+                  <a16:creationId xmlns:a16="http://schemas.microsoft.com/office/drawing/2014/main" id="{C298DE3C-4D05-E740-8C7C-6D7F6578EF2D}"/>
+                </a:ext>
+              </a:extLst>
+            </p:cNvPr>
+            <p:cNvSpPr/>
+            <p:nvPr/>
+          </p:nvSpPr>
+          <p:spPr>
+            <a:xfrm>
+              <a:off x="3386625" y="2701802"/>
+              <a:ext cx="186813" cy="182970"/>
+            </a:xfrm>
+            <a:prstGeom prst="ellipse">
+              <a:avLst/>
+            </a:prstGeom>
+            <a:solidFill>
+              <a:schemeClr val="accent4"/>
+            </a:solidFill>
+            <a:ln>
+              <a:solidFill>
+                <a:schemeClr val="bg1"/>
+              </a:solidFill>
+            </a:ln>
+          </p:spPr>
+          <p:style>
+            <a:lnRef idx="2">
+              <a:schemeClr val="accent1">
+                <a:shade val="50000"/>
+              </a:schemeClr>
+            </a:lnRef>
+            <a:fillRef idx="1">
+              <a:schemeClr val="accent1"/>
+            </a:fillRef>
+            <a:effectRef idx="0">
+              <a:schemeClr val="accent1"/>
+            </a:effectRef>
+            <a:fontRef idx="minor">
+              <a:schemeClr val="lt1"/>
+            </a:fontRef>
+          </p:style>
+          <p:txBody>
+            <a:bodyPr rtlCol="0" anchor="ctr"/>
+            <a:lstStyle/>
+            <a:p>
+              <a:pPr algn="ctr"/>
+              <a:endParaRPr lang="en-US" sz="1600">
+                <a:solidFill>
+                  <a:srgbClr val="FFC000"/>
+                </a:solidFill>
+                <a:latin typeface="Roboto Medium" panose="02000000000000000000" pitchFamily="2" charset="0"/>
+                <a:ea typeface="Roboto Medium" panose="02000000000000000000" pitchFamily="2" charset="0"/>
+              </a:endParaRPr>
+            </a:p>
+          </p:txBody>
+        </p:sp>
+      </p:grpSp>
+      <p:grpSp>
+        <p:nvGrpSpPr>
+          <p:cNvPr id="44" name="Group 43">
+            <a:extLst>
+              <a:ext uri="{FF2B5EF4-FFF2-40B4-BE49-F238E27FC236}">
+                <a16:creationId xmlns:a16="http://schemas.microsoft.com/office/drawing/2014/main" id="{80F7A9AC-4A2F-0E47-828A-00CFD252BCF8}"/>
+              </a:ext>
+            </a:extLst>
+          </p:cNvPr>
+          <p:cNvGrpSpPr/>
+          <p:nvPr/>
+        </p:nvGrpSpPr>
+        <p:grpSpPr>
+          <a:xfrm>
+            <a:off x="1654703" y="3369974"/>
+            <a:ext cx="4236442" cy="629228"/>
+            <a:chOff x="1995948" y="2678668"/>
+            <a:chExt cx="4236442" cy="629228"/>
+          </a:xfrm>
+        </p:grpSpPr>
+        <p:sp>
+          <p:nvSpPr>
+            <p:cNvPr id="45" name="TextBox 44">
+              <a:extLst>
+                <a:ext uri="{FF2B5EF4-FFF2-40B4-BE49-F238E27FC236}">
+                  <a16:creationId xmlns:a16="http://schemas.microsoft.com/office/drawing/2014/main" id="{2D1425BE-1992-3348-B5D5-D79CD174DBC1}"/>
+                </a:ext>
+              </a:extLst>
+            </p:cNvPr>
+            <p:cNvSpPr txBox="1"/>
+            <p:nvPr/>
+          </p:nvSpPr>
+          <p:spPr>
+            <a:xfrm>
+              <a:off x="1995948" y="2969342"/>
+              <a:ext cx="4236442" cy="338554"/>
+            </a:xfrm>
+            <a:prstGeom prst="rect">
+              <a:avLst/>
+            </a:prstGeom>
+            <a:noFill/>
+            <a:ln>
+              <a:solidFill>
+                <a:schemeClr val="accent3"/>
+              </a:solidFill>
+            </a:ln>
+          </p:spPr>
+          <p:txBody>
+            <a:bodyPr wrap="square" rtlCol="0">
+              <a:spAutoFit/>
+            </a:bodyPr>
+            <a:lstStyle/>
+            <a:p>
+              <a:r>
+                <a:rPr lang="en-US" sz="1600" dirty="0">
+                  <a:latin typeface="Roboto Light" panose="02000000000000000000" pitchFamily="2" charset="0"/>
+                  <a:ea typeface="Roboto Light" panose="02000000000000000000" pitchFamily="2" charset="0"/>
+                </a:rPr>
+                <a:t>3.451 TB</a:t>
+              </a:r>
+            </a:p>
+          </p:txBody>
+        </p:sp>
+        <p:sp>
+          <p:nvSpPr>
+            <p:cNvPr id="46" name="TextBox 45">
+              <a:extLst>
+                <a:ext uri="{FF2B5EF4-FFF2-40B4-BE49-F238E27FC236}">
+                  <a16:creationId xmlns:a16="http://schemas.microsoft.com/office/drawing/2014/main" id="{3E2952B4-7483-8047-8E17-5E7557B73B5E}"/>
+                </a:ext>
+              </a:extLst>
+            </p:cNvPr>
+            <p:cNvSpPr txBox="1"/>
+            <p:nvPr/>
+          </p:nvSpPr>
+          <p:spPr>
+            <a:xfrm>
+              <a:off x="1995948" y="2678668"/>
+              <a:ext cx="2470422" cy="261610"/>
+            </a:xfrm>
+            <a:prstGeom prst="rect">
+              <a:avLst/>
+            </a:prstGeom>
+            <a:noFill/>
+            <a:ln>
+              <a:noFill/>
+            </a:ln>
+          </p:spPr>
+          <p:txBody>
+            <a:bodyPr wrap="square" rtlCol="0">
+              <a:spAutoFit/>
+            </a:bodyPr>
+            <a:lstStyle/>
+            <a:p>
+              <a:r>
+                <a:rPr lang="en-US" sz="1100" dirty="0">
+                  <a:solidFill>
+                    <a:schemeClr val="tx2"/>
+                  </a:solidFill>
+                  <a:latin typeface="Roboto Medium" panose="02000000000000000000" pitchFamily="2" charset="0"/>
+                  <a:ea typeface="Roboto Medium" panose="02000000000000000000" pitchFamily="2" charset="0"/>
+                </a:rPr>
+                <a:t>Image Volume</a:t>
+              </a:r>
+            </a:p>
+          </p:txBody>
+        </p:sp>
+        <p:sp>
+          <p:nvSpPr>
+            <p:cNvPr id="47" name="Oval 46">
+              <a:extLst>
+                <a:ext uri="{FF2B5EF4-FFF2-40B4-BE49-F238E27FC236}">
+                  <a16:creationId xmlns:a16="http://schemas.microsoft.com/office/drawing/2014/main" id="{88C76ED7-DD80-F544-A429-B2C18BFFF997}"/>
+                </a:ext>
+              </a:extLst>
+            </p:cNvPr>
+            <p:cNvSpPr/>
+            <p:nvPr/>
+          </p:nvSpPr>
+          <p:spPr>
+            <a:xfrm>
+              <a:off x="3386625" y="2701802"/>
+              <a:ext cx="186813" cy="182970"/>
+            </a:xfrm>
+            <a:prstGeom prst="ellipse">
+              <a:avLst/>
+            </a:prstGeom>
+            <a:solidFill>
+              <a:schemeClr val="accent4"/>
+            </a:solidFill>
+            <a:ln>
+              <a:solidFill>
+                <a:schemeClr val="bg1"/>
+              </a:solidFill>
+            </a:ln>
+          </p:spPr>
+          <p:style>
+            <a:lnRef idx="2">
+              <a:schemeClr val="accent1">
+                <a:shade val="50000"/>
+              </a:schemeClr>
+            </a:lnRef>
+            <a:fillRef idx="1">
+              <a:schemeClr val="accent1"/>
+            </a:fillRef>
+            <a:effectRef idx="0">
+              <a:schemeClr val="accent1"/>
+            </a:effectRef>
+            <a:fontRef idx="minor">
+              <a:schemeClr val="lt1"/>
+            </a:fontRef>
+          </p:style>
+          <p:txBody>
+            <a:bodyPr rtlCol="0" anchor="ctr"/>
+            <a:lstStyle/>
+            <a:p>
+              <a:pPr algn="ctr"/>
+              <a:endParaRPr lang="en-US" sz="1600">
+                <a:solidFill>
+                  <a:srgbClr val="FFC000"/>
+                </a:solidFill>
+                <a:latin typeface="Roboto Medium" panose="02000000000000000000" pitchFamily="2" charset="0"/>
+                <a:ea typeface="Roboto Medium" panose="02000000000000000000" pitchFamily="2" charset="0"/>
+              </a:endParaRPr>
+            </a:p>
+          </p:txBody>
+        </p:sp>
+      </p:grpSp>
+      <p:grpSp>
+        <p:nvGrpSpPr>
+          <p:cNvPr id="61" name="Group 60">
+            <a:extLst>
+              <a:ext uri="{FF2B5EF4-FFF2-40B4-BE49-F238E27FC236}">
+                <a16:creationId xmlns:a16="http://schemas.microsoft.com/office/drawing/2014/main" id="{172B5EC4-B5F7-854D-9856-69EB430A5301}"/>
+              </a:ext>
+            </a:extLst>
+          </p:cNvPr>
+          <p:cNvGrpSpPr/>
+          <p:nvPr/>
+        </p:nvGrpSpPr>
+        <p:grpSpPr>
+          <a:xfrm>
+            <a:off x="6191568" y="1971164"/>
+            <a:ext cx="2815275" cy="629228"/>
+            <a:chOff x="1995948" y="2678668"/>
+            <a:chExt cx="2815275" cy="629228"/>
+          </a:xfrm>
+        </p:grpSpPr>
+        <p:sp>
+          <p:nvSpPr>
+            <p:cNvPr id="62" name="TextBox 61">
+              <a:extLst>
+                <a:ext uri="{FF2B5EF4-FFF2-40B4-BE49-F238E27FC236}">
+                  <a16:creationId xmlns:a16="http://schemas.microsoft.com/office/drawing/2014/main" id="{0C0D3D34-A517-2A43-9918-5CECFC9D7015}"/>
+                </a:ext>
+              </a:extLst>
+            </p:cNvPr>
+            <p:cNvSpPr txBox="1"/>
+            <p:nvPr/>
+          </p:nvSpPr>
+          <p:spPr>
+            <a:xfrm>
+              <a:off x="1995948" y="2969342"/>
+              <a:ext cx="2815275" cy="338554"/>
+            </a:xfrm>
+            <a:prstGeom prst="rect">
+              <a:avLst/>
+            </a:prstGeom>
+            <a:solidFill>
+              <a:srgbClr val="FFE2D5"/>
+            </a:solidFill>
+            <a:ln>
+              <a:solidFill>
+                <a:schemeClr val="accent3"/>
+              </a:solidFill>
+            </a:ln>
+          </p:spPr>
+          <p:txBody>
+            <a:bodyPr wrap="square" rtlCol="0">
+              <a:spAutoFit/>
+            </a:bodyPr>
+            <a:lstStyle/>
+            <a:p>
+              <a:r>
+                <a:rPr lang="en-US" sz="1600" dirty="0">
+                  <a:latin typeface="Roboto Light" panose="02000000000000000000" pitchFamily="2" charset="0"/>
+                  <a:ea typeface="Roboto Light" panose="02000000000000000000" pitchFamily="2" charset="0"/>
+                </a:rPr>
+                <a:t>Alex MacPhail</a:t>
+              </a:r>
+            </a:p>
+          </p:txBody>
+        </p:sp>
+        <p:sp>
+          <p:nvSpPr>
+            <p:cNvPr id="63" name="TextBox 62">
+              <a:extLst>
+                <a:ext uri="{FF2B5EF4-FFF2-40B4-BE49-F238E27FC236}">
+                  <a16:creationId xmlns:a16="http://schemas.microsoft.com/office/drawing/2014/main" id="{57C9026A-74FB-9846-9619-AF4F1CA52CB6}"/>
+                </a:ext>
+              </a:extLst>
+            </p:cNvPr>
+            <p:cNvSpPr txBox="1"/>
+            <p:nvPr/>
+          </p:nvSpPr>
+          <p:spPr>
+            <a:xfrm>
+              <a:off x="1995948" y="2678668"/>
+              <a:ext cx="2470422" cy="261610"/>
+            </a:xfrm>
+            <a:prstGeom prst="rect">
+              <a:avLst/>
+            </a:prstGeom>
+            <a:noFill/>
+            <a:ln>
+              <a:noFill/>
+            </a:ln>
+          </p:spPr>
+          <p:txBody>
+            <a:bodyPr wrap="square" rtlCol="0">
+              <a:spAutoFit/>
+            </a:bodyPr>
+            <a:lstStyle/>
+            <a:p>
+              <a:r>
+                <a:rPr lang="en-US" sz="1100" dirty="0">
+                  <a:solidFill>
+                    <a:schemeClr val="tx2"/>
+                  </a:solidFill>
+                  <a:latin typeface="Roboto Medium" panose="02000000000000000000" pitchFamily="2" charset="0"/>
+                  <a:ea typeface="Roboto Medium" panose="02000000000000000000" pitchFamily="2" charset="0"/>
+                </a:rPr>
+                <a:t>Contact (if different than PI)</a:t>
+              </a:r>
+            </a:p>
+          </p:txBody>
+        </p:sp>
+        <p:sp>
+          <p:nvSpPr>
+            <p:cNvPr id="64" name="Oval 63">
+              <a:extLst>
+                <a:ext uri="{FF2B5EF4-FFF2-40B4-BE49-F238E27FC236}">
+                  <a16:creationId xmlns:a16="http://schemas.microsoft.com/office/drawing/2014/main" id="{F135EA38-CD94-9045-8ADD-14A38F73D1DB}"/>
+                </a:ext>
+              </a:extLst>
+            </p:cNvPr>
+            <p:cNvSpPr/>
+            <p:nvPr/>
+          </p:nvSpPr>
+          <p:spPr>
+            <a:xfrm>
+              <a:off x="3946526" y="2703688"/>
+              <a:ext cx="186813" cy="182970"/>
+            </a:xfrm>
+            <a:prstGeom prst="ellipse">
+              <a:avLst/>
+            </a:prstGeom>
+            <a:solidFill>
+              <a:schemeClr val="accent4"/>
+            </a:solidFill>
+            <a:ln>
+              <a:solidFill>
+                <a:schemeClr val="bg1"/>
+              </a:solidFill>
+            </a:ln>
+          </p:spPr>
+          <p:style>
+            <a:lnRef idx="2">
+              <a:schemeClr val="accent1">
+                <a:shade val="50000"/>
+              </a:schemeClr>
+            </a:lnRef>
+            <a:fillRef idx="1">
+              <a:schemeClr val="accent1"/>
+            </a:fillRef>
+            <a:effectRef idx="0">
+              <a:schemeClr val="accent1"/>
+            </a:effectRef>
+            <a:fontRef idx="minor">
+              <a:schemeClr val="lt1"/>
+            </a:fontRef>
+          </p:style>
+          <p:txBody>
+            <a:bodyPr rtlCol="0" anchor="ctr"/>
+            <a:lstStyle/>
+            <a:p>
+              <a:pPr algn="ctr"/>
+              <a:endParaRPr lang="en-US" sz="1600">
+                <a:solidFill>
+                  <a:srgbClr val="FFC000"/>
+                </a:solidFill>
+                <a:latin typeface="Roboto Medium" panose="02000000000000000000" pitchFamily="2" charset="0"/>
+                <a:ea typeface="Roboto Medium" panose="02000000000000000000" pitchFamily="2" charset="0"/>
+              </a:endParaRPr>
+            </a:p>
+          </p:txBody>
+        </p:sp>
+      </p:grpSp>
+      <p:grpSp>
+        <p:nvGrpSpPr>
+          <p:cNvPr id="69" name="Group 68">
+            <a:extLst>
+              <a:ext uri="{FF2B5EF4-FFF2-40B4-BE49-F238E27FC236}">
+                <a16:creationId xmlns:a16="http://schemas.microsoft.com/office/drawing/2014/main" id="{86C2A784-B572-7045-9EDD-F7CD57BE52F0}"/>
+              </a:ext>
+            </a:extLst>
+          </p:cNvPr>
+          <p:cNvGrpSpPr/>
+          <p:nvPr/>
+        </p:nvGrpSpPr>
+        <p:grpSpPr>
+          <a:xfrm>
+            <a:off x="1637413" y="1984302"/>
+            <a:ext cx="4236442" cy="629228"/>
+            <a:chOff x="1995948" y="2678668"/>
+            <a:chExt cx="4236442" cy="629228"/>
+          </a:xfrm>
+        </p:grpSpPr>
+        <p:sp>
+          <p:nvSpPr>
+            <p:cNvPr id="70" name="TextBox 69">
+              <a:extLst>
+                <a:ext uri="{FF2B5EF4-FFF2-40B4-BE49-F238E27FC236}">
+                  <a16:creationId xmlns:a16="http://schemas.microsoft.com/office/drawing/2014/main" id="{C66C9D2C-7F1E-B941-BAAC-2D9EFE686394}"/>
+                </a:ext>
+              </a:extLst>
+            </p:cNvPr>
+            <p:cNvSpPr txBox="1"/>
+            <p:nvPr/>
+          </p:nvSpPr>
+          <p:spPr>
+            <a:xfrm>
+              <a:off x="1995948" y="2969342"/>
+              <a:ext cx="4236442" cy="338554"/>
+            </a:xfrm>
+            <a:prstGeom prst="rect">
+              <a:avLst/>
+            </a:prstGeom>
+            <a:solidFill>
+              <a:srgbClr val="FFE2D5"/>
+            </a:solidFill>
+            <a:ln>
+              <a:solidFill>
+                <a:schemeClr val="accent3"/>
+              </a:solidFill>
+            </a:ln>
+          </p:spPr>
+          <p:txBody>
+            <a:bodyPr wrap="square" rtlCol="0">
+              <a:spAutoFit/>
+            </a:bodyPr>
+            <a:lstStyle/>
+            <a:p>
+              <a:r>
+                <a:rPr lang="en-US" sz="1600" dirty="0">
+                  <a:latin typeface="Roboto Light" panose="02000000000000000000" pitchFamily="2" charset="0"/>
+                  <a:ea typeface="Roboto Light" panose="02000000000000000000" pitchFamily="2" charset="0"/>
+                </a:rPr>
+                <a:t>Edmonton</a:t>
+              </a:r>
+            </a:p>
+          </p:txBody>
+        </p:sp>
+        <p:sp>
+          <p:nvSpPr>
+            <p:cNvPr id="71" name="TextBox 70">
+              <a:extLst>
+                <a:ext uri="{FF2B5EF4-FFF2-40B4-BE49-F238E27FC236}">
+                  <a16:creationId xmlns:a16="http://schemas.microsoft.com/office/drawing/2014/main" id="{134DD52C-66DB-9241-8A99-834EE6B7B943}"/>
+                </a:ext>
+              </a:extLst>
+            </p:cNvPr>
+            <p:cNvSpPr txBox="1"/>
+            <p:nvPr/>
+          </p:nvSpPr>
+          <p:spPr>
+            <a:xfrm>
+              <a:off x="1995948" y="2678668"/>
+              <a:ext cx="2470422" cy="261610"/>
+            </a:xfrm>
+            <a:prstGeom prst="rect">
+              <a:avLst/>
+            </a:prstGeom>
+            <a:noFill/>
+            <a:ln>
+              <a:noFill/>
+            </a:ln>
+          </p:spPr>
+          <p:txBody>
+            <a:bodyPr wrap="square" rtlCol="0">
+              <a:spAutoFit/>
+            </a:bodyPr>
+            <a:lstStyle/>
+            <a:p>
+              <a:r>
+                <a:rPr lang="en-US" sz="1100" dirty="0">
+                  <a:solidFill>
+                    <a:schemeClr val="tx2"/>
+                  </a:solidFill>
+                  <a:latin typeface="Roboto Medium" panose="02000000000000000000" pitchFamily="2" charset="0"/>
+                  <a:ea typeface="Roboto Medium" panose="02000000000000000000" pitchFamily="2" charset="0"/>
+                </a:rPr>
+                <a:t>Storage Location</a:t>
+              </a:r>
+            </a:p>
+          </p:txBody>
+        </p:sp>
+        <p:sp>
+          <p:nvSpPr>
+            <p:cNvPr id="72" name="Oval 71">
+              <a:extLst>
+                <a:ext uri="{FF2B5EF4-FFF2-40B4-BE49-F238E27FC236}">
+                  <a16:creationId xmlns:a16="http://schemas.microsoft.com/office/drawing/2014/main" id="{B78C8BB1-09A6-1746-BECC-502A755264B4}"/>
+                </a:ext>
+              </a:extLst>
+            </p:cNvPr>
+            <p:cNvSpPr/>
+            <p:nvPr/>
+          </p:nvSpPr>
+          <p:spPr>
+            <a:xfrm>
+              <a:off x="3231159" y="2687193"/>
+              <a:ext cx="186813" cy="182970"/>
+            </a:xfrm>
+            <a:prstGeom prst="ellipse">
+              <a:avLst/>
+            </a:prstGeom>
+            <a:solidFill>
+              <a:schemeClr val="accent4"/>
+            </a:solidFill>
+            <a:ln>
+              <a:solidFill>
+                <a:schemeClr val="bg1"/>
+              </a:solidFill>
+            </a:ln>
+          </p:spPr>
+          <p:style>
+            <a:lnRef idx="2">
+              <a:schemeClr val="accent1">
+                <a:shade val="50000"/>
+              </a:schemeClr>
+            </a:lnRef>
+            <a:fillRef idx="1">
+              <a:schemeClr val="accent1"/>
+            </a:fillRef>
+            <a:effectRef idx="0">
+              <a:schemeClr val="accent1"/>
+            </a:effectRef>
+            <a:fontRef idx="minor">
+              <a:schemeClr val="lt1"/>
+            </a:fontRef>
+          </p:style>
+          <p:txBody>
+            <a:bodyPr rtlCol="0" anchor="ctr"/>
+            <a:lstStyle/>
+            <a:p>
+              <a:pPr algn="ctr"/>
+              <a:endParaRPr lang="en-US" sz="1600">
+                <a:solidFill>
+                  <a:srgbClr val="FFC000"/>
+                </a:solidFill>
+                <a:latin typeface="Roboto Medium" panose="02000000000000000000" pitchFamily="2" charset="0"/>
+                <a:ea typeface="Roboto Medium" panose="02000000000000000000" pitchFamily="2" charset="0"/>
+              </a:endParaRPr>
+            </a:p>
+          </p:txBody>
+        </p:sp>
+      </p:grpSp>
+      <p:sp>
+        <p:nvSpPr>
+          <p:cNvPr id="73" name="TextBox 72">
+            <a:extLst>
+              <a:ext uri="{FF2B5EF4-FFF2-40B4-BE49-F238E27FC236}">
+                <a16:creationId xmlns:a16="http://schemas.microsoft.com/office/drawing/2014/main" id="{18598A7A-4987-4046-9D91-9B6F36BB4CF0}"/>
+              </a:ext>
+            </a:extLst>
+          </p:cNvPr>
+          <p:cNvSpPr txBox="1"/>
+          <p:nvPr/>
+        </p:nvSpPr>
+        <p:spPr>
+          <a:xfrm>
+            <a:off x="6741040" y="5295366"/>
+            <a:ext cx="2988103" cy="338554"/>
+          </a:xfrm>
+          <a:prstGeom prst="rect">
+            <a:avLst/>
+          </a:prstGeom>
+          <a:solidFill>
+            <a:schemeClr val="accent6"/>
+          </a:solidFill>
+          <a:ln>
+            <a:solidFill>
+              <a:schemeClr val="accent3"/>
+            </a:solidFill>
+          </a:ln>
+        </p:spPr>
+        <p:txBody>
+          <a:bodyPr wrap="square" rtlCol="0">
+            <a:spAutoFit/>
+          </a:bodyPr>
+          <a:lstStyle/>
+          <a:p>
+            <a:pPr algn="ctr"/>
+            <a:r>
+              <a:rPr lang="en-US" sz="1600" dirty="0">
+                <a:solidFill>
+                  <a:sysClr val="windowText" lastClr="000000"/>
+                </a:solidFill>
+                <a:latin typeface="Roboto Light" panose="02000000000000000000" pitchFamily="2" charset="0"/>
+                <a:ea typeface="Roboto Light" panose="02000000000000000000" pitchFamily="2" charset="0"/>
+              </a:rPr>
+              <a:t>Download Current Usage</a:t>
+            </a:r>
+          </a:p>
+        </p:txBody>
+      </p:sp>
+      <p:sp>
+        <p:nvSpPr>
+          <p:cNvPr id="35" name="TextBox 34">
+            <a:extLst>
+              <a:ext uri="{FF2B5EF4-FFF2-40B4-BE49-F238E27FC236}">
+                <a16:creationId xmlns:a16="http://schemas.microsoft.com/office/drawing/2014/main" id="{AE94BA2F-8796-6B45-B78F-F0CEBD6BFB78}"/>
+              </a:ext>
+            </a:extLst>
+          </p:cNvPr>
+          <p:cNvSpPr txBox="1"/>
+          <p:nvPr/>
+        </p:nvSpPr>
+        <p:spPr>
+          <a:xfrm>
+            <a:off x="1231900" y="248491"/>
+            <a:ext cx="6068291" cy="369332"/>
+          </a:xfrm>
+          <a:prstGeom prst="rect">
+            <a:avLst/>
+          </a:prstGeom>
+          <a:noFill/>
+        </p:spPr>
+        <p:txBody>
+          <a:bodyPr wrap="square" rtlCol="0">
+            <a:spAutoFit/>
+          </a:bodyPr>
+          <a:lstStyle/>
+          <a:p>
+            <a:r>
+              <a:rPr lang="en-US" dirty="0"/>
+              <a:t>Organization Settings</a:t>
+            </a:r>
+          </a:p>
+        </p:txBody>
+      </p:sp>
     </p:spTree>
     <p:extLst>
       <p:ext uri="{BB962C8B-B14F-4D97-AF65-F5344CB8AC3E}">
-        <p14:creationId xmlns:p14="http://schemas.microsoft.com/office/powerpoint/2010/main" val="907518826"/>
+        <p14:creationId xmlns:p14="http://schemas.microsoft.com/office/powerpoint/2010/main" val="3683988272"/>
+      </p:ext>
+    </p:extLst>
+  </p:cSld>
+  <p:clrMapOvr>
+    <a:masterClrMapping/>
+  </p:clrMapOvr>
+</p:sld>
+</file>
+
+<file path=ppt/slides/slide4.xml><?xml version="1.0" encoding="utf-8"?>
+<p:sld xmlns:a="http://schemas.openxmlformats.org/drawingml/2006/main" xmlns:r="http://schemas.openxmlformats.org/officeDocument/2006/relationships" xmlns:p="http://schemas.openxmlformats.org/presentationml/2006/main">
+  <p:cSld>
+    <p:spTree>
+      <p:nvGrpSpPr>
+        <p:cNvPr id="1" name=""/>
+        <p:cNvGrpSpPr/>
+        <p:nvPr/>
+      </p:nvGrpSpPr>
+      <p:grpSpPr>
+        <a:xfrm>
+          <a:off x="0" y="0"/>
+          <a:ext cx="0" cy="0"/>
+          <a:chOff x="0" y="0"/>
+          <a:chExt cx="0" cy="0"/>
+        </a:xfrm>
+      </p:grpSpPr>
+      <p:sp>
+        <p:nvSpPr>
+          <p:cNvPr id="2" name="Title 1">
+            <a:extLst>
+              <a:ext uri="{FF2B5EF4-FFF2-40B4-BE49-F238E27FC236}">
+                <a16:creationId xmlns:a16="http://schemas.microsoft.com/office/drawing/2014/main" id="{2517D6CC-D220-C94E-8D88-CF29D130DBD6}"/>
+              </a:ext>
+            </a:extLst>
+          </p:cNvPr>
+          <p:cNvSpPr>
+            <a:spLocks noGrp="1"/>
+          </p:cNvSpPr>
+          <p:nvPr>
+            <p:ph type="title"/>
+          </p:nvPr>
+        </p:nvSpPr>
+        <p:spPr/>
+        <p:txBody>
+          <a:bodyPr/>
+          <a:lstStyle/>
+          <a:p>
+            <a:r>
+              <a:rPr lang="en-US" dirty="0">
+                <a:latin typeface="Roboto Light" panose="02000000000000000000" pitchFamily="2" charset="0"/>
+                <a:ea typeface="Roboto Light" panose="02000000000000000000" pitchFamily="2" charset="0"/>
+              </a:rPr>
+              <a:t>Usage query</a:t>
+            </a:r>
+          </a:p>
+        </p:txBody>
+      </p:sp>
+      <p:sp>
+        <p:nvSpPr>
+          <p:cNvPr id="3" name="Content Placeholder 2">
+            <a:extLst>
+              <a:ext uri="{FF2B5EF4-FFF2-40B4-BE49-F238E27FC236}">
+                <a16:creationId xmlns:a16="http://schemas.microsoft.com/office/drawing/2014/main" id="{EAA3858D-DB51-2A4C-8D9F-2D3038BF59E1}"/>
+              </a:ext>
+            </a:extLst>
+          </p:cNvPr>
+          <p:cNvSpPr>
+            <a:spLocks noGrp="1"/>
+          </p:cNvSpPr>
+          <p:nvPr>
+            <p:ph idx="1"/>
+          </p:nvPr>
+        </p:nvSpPr>
+        <p:spPr/>
+        <p:txBody>
+          <a:bodyPr/>
+          <a:lstStyle/>
+          <a:p>
+            <a:r>
+              <a:rPr lang="en-US" dirty="0" err="1">
+                <a:latin typeface="Roboto Light" panose="02000000000000000000" pitchFamily="2" charset="0"/>
+                <a:ea typeface="Roboto Light" panose="02000000000000000000" pitchFamily="2" charset="0"/>
+              </a:rPr>
+              <a:t>organization_name</a:t>
+            </a:r>
+            <a:endParaRPr lang="en-US" dirty="0">
+              <a:latin typeface="Roboto Light" panose="02000000000000000000" pitchFamily="2" charset="0"/>
+              <a:ea typeface="Roboto Light" panose="02000000000000000000" pitchFamily="2" charset="0"/>
+            </a:endParaRPr>
+          </a:p>
+          <a:p>
+            <a:r>
+              <a:rPr lang="en-US" dirty="0" err="1">
+                <a:latin typeface="Roboto Light" panose="02000000000000000000" pitchFamily="2" charset="0"/>
+                <a:ea typeface="Roboto Light" panose="02000000000000000000" pitchFamily="2" charset="0"/>
+              </a:rPr>
+              <a:t>storage_location</a:t>
+            </a:r>
+            <a:endParaRPr lang="en-US" dirty="0">
+              <a:latin typeface="Roboto Light" panose="02000000000000000000" pitchFamily="2" charset="0"/>
+              <a:ea typeface="Roboto Light" panose="02000000000000000000" pitchFamily="2" charset="0"/>
+            </a:endParaRPr>
+          </a:p>
+          <a:p>
+            <a:r>
+              <a:rPr lang="en-US" dirty="0" err="1">
+                <a:latin typeface="Roboto Light" panose="02000000000000000000" pitchFamily="2" charset="0"/>
+                <a:ea typeface="Roboto Light" panose="02000000000000000000" pitchFamily="2" charset="0"/>
+              </a:rPr>
+              <a:t>location_rate</a:t>
+            </a:r>
+            <a:endParaRPr lang="en-US" dirty="0">
+              <a:latin typeface="Roboto Light" panose="02000000000000000000" pitchFamily="2" charset="0"/>
+              <a:ea typeface="Roboto Light" panose="02000000000000000000" pitchFamily="2" charset="0"/>
+            </a:endParaRPr>
+          </a:p>
+          <a:p>
+            <a:r>
+              <a:rPr lang="en-US" dirty="0" err="1">
+                <a:latin typeface="Roboto Light" panose="02000000000000000000" pitchFamily="2" charset="0"/>
+                <a:ea typeface="Roboto Light" panose="02000000000000000000" pitchFamily="2" charset="0"/>
+              </a:rPr>
+              <a:t>total_images</a:t>
+            </a:r>
+            <a:endParaRPr lang="en-US" dirty="0">
+              <a:latin typeface="Roboto Light" panose="02000000000000000000" pitchFamily="2" charset="0"/>
+              <a:ea typeface="Roboto Light" panose="02000000000000000000" pitchFamily="2" charset="0"/>
+            </a:endParaRPr>
+          </a:p>
+          <a:p>
+            <a:r>
+              <a:rPr lang="en-US" dirty="0" err="1">
+                <a:latin typeface="Roboto Light" panose="02000000000000000000" pitchFamily="2" charset="0"/>
+                <a:ea typeface="Roboto Light" panose="02000000000000000000" pitchFamily="2" charset="0"/>
+              </a:rPr>
+              <a:t>total_recordings</a:t>
+            </a:r>
+            <a:endParaRPr lang="en-US" dirty="0">
+              <a:latin typeface="Roboto Light" panose="02000000000000000000" pitchFamily="2" charset="0"/>
+              <a:ea typeface="Roboto Light" panose="02000000000000000000" pitchFamily="2" charset="0"/>
+            </a:endParaRPr>
+          </a:p>
+          <a:p>
+            <a:r>
+              <a:rPr lang="en-US" dirty="0" err="1">
+                <a:latin typeface="Roboto Light" panose="02000000000000000000" pitchFamily="2" charset="0"/>
+                <a:ea typeface="Roboto Light" panose="02000000000000000000" pitchFamily="2" charset="0"/>
+              </a:rPr>
+              <a:t>size_images</a:t>
+            </a:r>
+            <a:endParaRPr lang="en-US" dirty="0">
+              <a:latin typeface="Roboto Light" panose="02000000000000000000" pitchFamily="2" charset="0"/>
+              <a:ea typeface="Roboto Light" panose="02000000000000000000" pitchFamily="2" charset="0"/>
+            </a:endParaRPr>
+          </a:p>
+          <a:p>
+            <a:r>
+              <a:rPr lang="en-US" dirty="0" err="1">
+                <a:latin typeface="Roboto Light" panose="02000000000000000000" pitchFamily="2" charset="0"/>
+                <a:ea typeface="Roboto Light" panose="02000000000000000000" pitchFamily="2" charset="0"/>
+              </a:rPr>
+              <a:t>size_recordings</a:t>
+            </a:r>
+            <a:endParaRPr lang="en-US" dirty="0">
+              <a:latin typeface="Roboto Light" panose="02000000000000000000" pitchFamily="2" charset="0"/>
+              <a:ea typeface="Roboto Light" panose="02000000000000000000" pitchFamily="2" charset="0"/>
+            </a:endParaRPr>
+          </a:p>
+        </p:txBody>
+      </p:sp>
+      <p:graphicFrame>
+        <p:nvGraphicFramePr>
+          <p:cNvPr id="6" name="Table 5">
+            <a:extLst>
+              <a:ext uri="{FF2B5EF4-FFF2-40B4-BE49-F238E27FC236}">
+                <a16:creationId xmlns:a16="http://schemas.microsoft.com/office/drawing/2014/main" id="{444B795F-85E3-8741-AE41-EBC1406F6219}"/>
+              </a:ext>
+            </a:extLst>
+          </p:cNvPr>
+          <p:cNvGraphicFramePr>
+            <a:graphicFrameLocks noGrp="1"/>
+          </p:cNvGraphicFramePr>
+          <p:nvPr>
+            <p:extLst>
+              <p:ext uri="{D42A27DB-BD31-4B8C-83A1-F6EECF244321}">
+                <p14:modId xmlns:p14="http://schemas.microsoft.com/office/powerpoint/2010/main" val="2372620342"/>
+              </p:ext>
+            </p:extLst>
+          </p:nvPr>
+        </p:nvGraphicFramePr>
+        <p:xfrm>
+          <a:off x="395705" y="5806123"/>
+          <a:ext cx="11434293" cy="741680"/>
+        </p:xfrm>
+        <a:graphic>
+          <a:graphicData uri="http://schemas.openxmlformats.org/drawingml/2006/table">
+            <a:tbl>
+              <a:tblPr firstRow="1" bandRow="1">
+                <a:tableStyleId>{5940675A-B579-460E-94D1-54222C63F5DA}</a:tableStyleId>
+              </a:tblPr>
+              <a:tblGrid>
+                <a:gridCol w="1639443">
+                  <a:extLst>
+                    <a:ext uri="{9D8B030D-6E8A-4147-A177-3AD203B41FA5}">
+                      <a16:colId xmlns:a16="http://schemas.microsoft.com/office/drawing/2014/main" val="34410309"/>
+                    </a:ext>
+                  </a:extLst>
+                </a:gridCol>
+                <a:gridCol w="1445989">
+                  <a:extLst>
+                    <a:ext uri="{9D8B030D-6E8A-4147-A177-3AD203B41FA5}">
+                      <a16:colId xmlns:a16="http://schemas.microsoft.com/office/drawing/2014/main" val="243756300"/>
+                    </a:ext>
+                  </a:extLst>
+                </a:gridCol>
+                <a:gridCol w="1818961">
+                  <a:extLst>
+                    <a:ext uri="{9D8B030D-6E8A-4147-A177-3AD203B41FA5}">
+                      <a16:colId xmlns:a16="http://schemas.microsoft.com/office/drawing/2014/main" val="3534099753"/>
+                    </a:ext>
+                  </a:extLst>
+                </a:gridCol>
+                <a:gridCol w="1632475">
+                  <a:extLst>
+                    <a:ext uri="{9D8B030D-6E8A-4147-A177-3AD203B41FA5}">
+                      <a16:colId xmlns:a16="http://schemas.microsoft.com/office/drawing/2014/main" val="332875990"/>
+                    </a:ext>
+                  </a:extLst>
+                </a:gridCol>
+                <a:gridCol w="1632475">
+                  <a:extLst>
+                    <a:ext uri="{9D8B030D-6E8A-4147-A177-3AD203B41FA5}">
+                      <a16:colId xmlns:a16="http://schemas.microsoft.com/office/drawing/2014/main" val="3951678148"/>
+                    </a:ext>
+                  </a:extLst>
+                </a:gridCol>
+                <a:gridCol w="1632475">
+                  <a:extLst>
+                    <a:ext uri="{9D8B030D-6E8A-4147-A177-3AD203B41FA5}">
+                      <a16:colId xmlns:a16="http://schemas.microsoft.com/office/drawing/2014/main" val="4075536093"/>
+                    </a:ext>
+                  </a:extLst>
+                </a:gridCol>
+                <a:gridCol w="1632475">
+                  <a:extLst>
+                    <a:ext uri="{9D8B030D-6E8A-4147-A177-3AD203B41FA5}">
+                      <a16:colId xmlns:a16="http://schemas.microsoft.com/office/drawing/2014/main" val="2584913314"/>
+                    </a:ext>
+                  </a:extLst>
+                </a:gridCol>
+              </a:tblGrid>
+              <a:tr h="370840">
+                <a:tc>
+                  <a:txBody>
+                    <a:bodyPr/>
+                    <a:lstStyle/>
+                    <a:p>
+                      <a:r>
+                        <a:rPr lang="en-US" sz="1400" dirty="0" err="1"/>
+                        <a:t>organization_name</a:t>
+                      </a:r>
+                      <a:endParaRPr lang="en-US" sz="1400" dirty="0"/>
+                    </a:p>
+                  </a:txBody>
+                  <a:tcPr/>
+                </a:tc>
+                <a:tc>
+                  <a:txBody>
+                    <a:bodyPr/>
+                    <a:lstStyle/>
+                    <a:p>
+                      <a:r>
+                        <a:rPr lang="en-US" sz="1400" dirty="0" err="1"/>
+                        <a:t>storage_location</a:t>
+                      </a:r>
+                      <a:endParaRPr lang="en-US" sz="1400" dirty="0"/>
+                    </a:p>
+                  </a:txBody>
+                  <a:tcPr/>
+                </a:tc>
+                <a:tc>
+                  <a:txBody>
+                    <a:bodyPr/>
+                    <a:lstStyle/>
+                    <a:p>
+                      <a:r>
+                        <a:rPr lang="en-US" sz="1400" dirty="0" err="1"/>
+                        <a:t>location_rate_per_tb</a:t>
+                      </a:r>
+                      <a:endParaRPr lang="en-US" sz="1400" dirty="0"/>
+                    </a:p>
+                  </a:txBody>
+                  <a:tcPr/>
+                </a:tc>
+                <a:tc>
+                  <a:txBody>
+                    <a:bodyPr/>
+                    <a:lstStyle/>
+                    <a:p>
+                      <a:r>
+                        <a:rPr lang="en-US" sz="1400" dirty="0" err="1"/>
+                        <a:t>total_images</a:t>
+                      </a:r>
+                      <a:endParaRPr lang="en-US" sz="1400" dirty="0"/>
+                    </a:p>
+                  </a:txBody>
+                  <a:tcPr/>
+                </a:tc>
+                <a:tc>
+                  <a:txBody>
+                    <a:bodyPr/>
+                    <a:lstStyle/>
+                    <a:p>
+                      <a:r>
+                        <a:rPr lang="en-US" sz="1400" dirty="0" err="1"/>
+                        <a:t>total_recordings</a:t>
+                      </a:r>
+                      <a:endParaRPr lang="en-US" sz="1400" dirty="0"/>
+                    </a:p>
+                  </a:txBody>
+                  <a:tcPr/>
+                </a:tc>
+                <a:tc>
+                  <a:txBody>
+                    <a:bodyPr/>
+                    <a:lstStyle/>
+                    <a:p>
+                      <a:r>
+                        <a:rPr lang="en-US" sz="1400" dirty="0" err="1"/>
+                        <a:t>size_images_tb</a:t>
+                      </a:r>
+                      <a:endParaRPr lang="en-US" sz="1400" dirty="0"/>
+                    </a:p>
+                  </a:txBody>
+                  <a:tcPr/>
+                </a:tc>
+                <a:tc>
+                  <a:txBody>
+                    <a:bodyPr/>
+                    <a:lstStyle/>
+                    <a:p>
+                      <a:r>
+                        <a:rPr lang="en-US" sz="1400" dirty="0" err="1"/>
+                        <a:t>size_recordings_tb</a:t>
+                      </a:r>
+                      <a:endParaRPr lang="en-US" sz="1400" dirty="0"/>
+                    </a:p>
+                  </a:txBody>
+                  <a:tcPr/>
+                </a:tc>
+                <a:extLst>
+                  <a:ext uri="{0D108BD9-81ED-4DB2-BD59-A6C34878D82A}">
+                    <a16:rowId xmlns:a16="http://schemas.microsoft.com/office/drawing/2014/main" val="2724323382"/>
+                  </a:ext>
+                </a:extLst>
+              </a:tr>
+              <a:tr h="370840">
+                <a:tc>
+                  <a:txBody>
+                    <a:bodyPr/>
+                    <a:lstStyle/>
+                    <a:p>
+                      <a:r>
+                        <a:rPr lang="en-US" sz="1400" dirty="0"/>
+                        <a:t>ABMI</a:t>
+                      </a:r>
+                    </a:p>
+                  </a:txBody>
+                  <a:tcPr/>
+                </a:tc>
+                <a:tc>
+                  <a:txBody>
+                    <a:bodyPr/>
+                    <a:lstStyle/>
+                    <a:p>
+                      <a:r>
+                        <a:rPr lang="en-US" sz="1400" dirty="0"/>
+                        <a:t>Cirrus</a:t>
+                      </a:r>
+                    </a:p>
+                  </a:txBody>
+                  <a:tcPr/>
+                </a:tc>
+                <a:tc>
+                  <a:txBody>
+                    <a:bodyPr/>
+                    <a:lstStyle/>
+                    <a:p>
+                      <a:r>
+                        <a:rPr lang="en-US" sz="1400" dirty="0"/>
+                        <a:t>25</a:t>
+                      </a:r>
+                    </a:p>
+                  </a:txBody>
+                  <a:tcPr/>
+                </a:tc>
+                <a:tc>
+                  <a:txBody>
+                    <a:bodyPr/>
+                    <a:lstStyle/>
+                    <a:p>
+                      <a:r>
+                        <a:rPr lang="en-US" sz="1400" dirty="0"/>
+                        <a:t>34500000</a:t>
+                      </a:r>
+                    </a:p>
+                  </a:txBody>
+                  <a:tcPr/>
+                </a:tc>
+                <a:tc>
+                  <a:txBody>
+                    <a:bodyPr/>
+                    <a:lstStyle/>
+                    <a:p>
+                      <a:r>
+                        <a:rPr lang="en-US" sz="1400" dirty="0"/>
+                        <a:t>1000000</a:t>
+                      </a:r>
+                    </a:p>
+                  </a:txBody>
+                  <a:tcPr/>
+                </a:tc>
+                <a:tc>
+                  <a:txBody>
+                    <a:bodyPr/>
+                    <a:lstStyle/>
+                    <a:p>
+                      <a:r>
+                        <a:rPr lang="en-US" sz="1400" dirty="0"/>
+                        <a:t>1.51</a:t>
+                      </a:r>
+                    </a:p>
+                  </a:txBody>
+                  <a:tcPr/>
+                </a:tc>
+                <a:tc>
+                  <a:txBody>
+                    <a:bodyPr/>
+                    <a:lstStyle/>
+                    <a:p>
+                      <a:r>
+                        <a:rPr lang="en-US" sz="1400" dirty="0"/>
+                        <a:t>125.67</a:t>
+                      </a:r>
+                    </a:p>
+                  </a:txBody>
+                  <a:tcPr/>
+                </a:tc>
+                <a:extLst>
+                  <a:ext uri="{0D108BD9-81ED-4DB2-BD59-A6C34878D82A}">
+                    <a16:rowId xmlns:a16="http://schemas.microsoft.com/office/drawing/2014/main" val="38706394"/>
+                  </a:ext>
+                </a:extLst>
+              </a:tr>
+            </a:tbl>
+          </a:graphicData>
+        </a:graphic>
+      </p:graphicFrame>
+    </p:spTree>
+    <p:extLst>
+      <p:ext uri="{BB962C8B-B14F-4D97-AF65-F5344CB8AC3E}">
+        <p14:creationId xmlns:p14="http://schemas.microsoft.com/office/powerpoint/2010/main" val="522793246"/>
+      </p:ext>
+    </p:extLst>
+  </p:cSld>
+  <p:clrMapOvr>
+    <a:masterClrMapping/>
+  </p:clrMapOvr>
+</p:sld>
+</file>
+
+<file path=ppt/slides/slide5.xml><?xml version="1.0" encoding="utf-8"?>
+<p:sld xmlns:a="http://schemas.openxmlformats.org/drawingml/2006/main" xmlns:r="http://schemas.openxmlformats.org/officeDocument/2006/relationships" xmlns:p="http://schemas.openxmlformats.org/presentationml/2006/main">
+  <p:cSld>
+    <p:spTree>
+      <p:nvGrpSpPr>
+        <p:cNvPr id="1" name=""/>
+        <p:cNvGrpSpPr/>
+        <p:nvPr/>
+      </p:nvGrpSpPr>
+      <p:grpSpPr>
+        <a:xfrm>
+          <a:off x="0" y="0"/>
+          <a:ext cx="0" cy="0"/>
+          <a:chOff x="0" y="0"/>
+          <a:chExt cx="0" cy="0"/>
+        </a:xfrm>
+      </p:grpSpPr>
+      <p:sp>
+        <p:nvSpPr>
+          <p:cNvPr id="49" name="Rectangle 48">
+            <a:extLst>
+              <a:ext uri="{FF2B5EF4-FFF2-40B4-BE49-F238E27FC236}">
+                <a16:creationId xmlns:a16="http://schemas.microsoft.com/office/drawing/2014/main" id="{EA5B63B3-594D-2F4D-8586-3AF73E68C3CE}"/>
+              </a:ext>
+            </a:extLst>
+          </p:cNvPr>
+          <p:cNvSpPr/>
+          <p:nvPr/>
+        </p:nvSpPr>
+        <p:spPr>
+          <a:xfrm>
+            <a:off x="1231900" y="736600"/>
+            <a:ext cx="9867900" cy="5283200"/>
+          </a:xfrm>
+          <a:prstGeom prst="rect">
+            <a:avLst/>
+          </a:prstGeom>
+          <a:noFill/>
+          <a:ln>
+            <a:solidFill>
+              <a:schemeClr val="tx1"/>
+            </a:solidFill>
+          </a:ln>
+        </p:spPr>
+        <p:style>
+          <a:lnRef idx="2">
+            <a:schemeClr val="accent1">
+              <a:shade val="50000"/>
+            </a:schemeClr>
+          </a:lnRef>
+          <a:fillRef idx="1">
+            <a:schemeClr val="accent1"/>
+          </a:fillRef>
+          <a:effectRef idx="0">
+            <a:schemeClr val="accent1"/>
+          </a:effectRef>
+          <a:fontRef idx="minor">
+            <a:schemeClr val="lt1"/>
+          </a:fontRef>
+        </p:style>
+        <p:txBody>
+          <a:bodyPr rtlCol="0" anchor="ctr"/>
+          <a:lstStyle/>
+          <a:p>
+            <a:pPr algn="ctr"/>
+            <a:endParaRPr lang="en-US"/>
+          </a:p>
+        </p:txBody>
+      </p:sp>
+      <p:sp>
+        <p:nvSpPr>
+          <p:cNvPr id="4" name="Rectangle 3">
+            <a:extLst>
+              <a:ext uri="{FF2B5EF4-FFF2-40B4-BE49-F238E27FC236}">
+                <a16:creationId xmlns:a16="http://schemas.microsoft.com/office/drawing/2014/main" id="{C2EEE33D-1FA3-4144-BDC0-72C79F2C10F0}"/>
+              </a:ext>
+            </a:extLst>
+          </p:cNvPr>
+          <p:cNvSpPr/>
+          <p:nvPr/>
+        </p:nvSpPr>
+        <p:spPr>
+          <a:xfrm>
+            <a:off x="1445342" y="1490406"/>
+            <a:ext cx="9438968" cy="4311446"/>
+          </a:xfrm>
+          <a:prstGeom prst="rect">
+            <a:avLst/>
+          </a:prstGeom>
+          <a:noFill/>
+          <a:ln>
+            <a:solidFill>
+              <a:schemeClr val="tx1"/>
+            </a:solidFill>
+          </a:ln>
+        </p:spPr>
+        <p:style>
+          <a:lnRef idx="2">
+            <a:schemeClr val="accent1">
+              <a:shade val="50000"/>
+            </a:schemeClr>
+          </a:lnRef>
+          <a:fillRef idx="1">
+            <a:schemeClr val="accent1"/>
+          </a:fillRef>
+          <a:effectRef idx="0">
+            <a:schemeClr val="accent1"/>
+          </a:effectRef>
+          <a:fontRef idx="minor">
+            <a:schemeClr val="lt1"/>
+          </a:fontRef>
+        </p:style>
+        <p:txBody>
+          <a:bodyPr rtlCol="0" anchor="ctr"/>
+          <a:lstStyle/>
+          <a:p>
+            <a:pPr algn="ctr"/>
+            <a:endParaRPr lang="en-US" sz="1600">
+              <a:latin typeface="Roboto Medium" panose="02000000000000000000" pitchFamily="2" charset="0"/>
+              <a:ea typeface="Roboto Medium" panose="02000000000000000000" pitchFamily="2" charset="0"/>
+            </a:endParaRPr>
+          </a:p>
+        </p:txBody>
+      </p:sp>
+      <p:sp>
+        <p:nvSpPr>
+          <p:cNvPr id="13" name="TextBox 12">
+            <a:extLst>
+              <a:ext uri="{FF2B5EF4-FFF2-40B4-BE49-F238E27FC236}">
+                <a16:creationId xmlns:a16="http://schemas.microsoft.com/office/drawing/2014/main" id="{8C48EAC3-D9BC-0C42-819F-AEDF53E266E0}"/>
+              </a:ext>
+            </a:extLst>
+          </p:cNvPr>
+          <p:cNvSpPr txBox="1"/>
+          <p:nvPr/>
+        </p:nvSpPr>
+        <p:spPr>
+          <a:xfrm>
+            <a:off x="1637413" y="1105685"/>
+            <a:ext cx="1701209" cy="369332"/>
+          </a:xfrm>
+          <a:prstGeom prst="rect">
+            <a:avLst/>
+          </a:prstGeom>
+          <a:noFill/>
+          <a:ln>
+            <a:solidFill>
+              <a:schemeClr val="tx1"/>
+            </a:solidFill>
+          </a:ln>
+        </p:spPr>
+        <p:txBody>
+          <a:bodyPr wrap="square" rtlCol="0" anchor="ctr">
+            <a:spAutoFit/>
+          </a:bodyPr>
+          <a:lstStyle/>
+          <a:p>
+            <a:pPr algn="ctr"/>
+            <a:r>
+              <a:rPr lang="en-US" dirty="0">
+                <a:solidFill>
+                  <a:srgbClr val="C00000"/>
+                </a:solidFill>
+                <a:latin typeface="Roboto Light" panose="02000000000000000000" pitchFamily="2" charset="0"/>
+                <a:ea typeface="Roboto Light" panose="02000000000000000000" pitchFamily="2" charset="0"/>
+              </a:rPr>
+              <a:t>General</a:t>
+            </a:r>
+          </a:p>
+        </p:txBody>
+      </p:sp>
+      <p:sp>
+        <p:nvSpPr>
+          <p:cNvPr id="14" name="TextBox 13">
+            <a:extLst>
+              <a:ext uri="{FF2B5EF4-FFF2-40B4-BE49-F238E27FC236}">
+                <a16:creationId xmlns:a16="http://schemas.microsoft.com/office/drawing/2014/main" id="{49413004-037C-D841-BFF9-56787C7B6CAD}"/>
+              </a:ext>
+            </a:extLst>
+          </p:cNvPr>
+          <p:cNvSpPr txBox="1"/>
+          <p:nvPr/>
+        </p:nvSpPr>
+        <p:spPr>
+          <a:xfrm>
+            <a:off x="5039831" y="1103573"/>
+            <a:ext cx="1701209" cy="369332"/>
+          </a:xfrm>
+          <a:prstGeom prst="rect">
+            <a:avLst/>
+          </a:prstGeom>
+          <a:noFill/>
+          <a:ln>
+            <a:solidFill>
+              <a:schemeClr val="tx1"/>
+            </a:solidFill>
+          </a:ln>
+        </p:spPr>
+        <p:txBody>
+          <a:bodyPr wrap="square" rtlCol="0" anchor="ctr">
+            <a:spAutoFit/>
+          </a:bodyPr>
+          <a:lstStyle/>
+          <a:p>
+            <a:pPr algn="ctr"/>
+            <a:r>
+              <a:rPr lang="en-US" dirty="0">
+                <a:solidFill>
+                  <a:srgbClr val="C00000"/>
+                </a:solidFill>
+                <a:latin typeface="Roboto Light" panose="02000000000000000000" pitchFamily="2" charset="0"/>
+                <a:ea typeface="Roboto Light" panose="02000000000000000000" pitchFamily="2" charset="0"/>
+              </a:rPr>
+              <a:t>Admin</a:t>
+            </a:r>
+          </a:p>
+        </p:txBody>
+      </p:sp>
+      <p:sp>
+        <p:nvSpPr>
+          <p:cNvPr id="15" name="TextBox 14">
+            <a:extLst>
+              <a:ext uri="{FF2B5EF4-FFF2-40B4-BE49-F238E27FC236}">
+                <a16:creationId xmlns:a16="http://schemas.microsoft.com/office/drawing/2014/main" id="{C78C22E9-80F7-4C4F-850F-6FAA174461A7}"/>
+              </a:ext>
+            </a:extLst>
+          </p:cNvPr>
+          <p:cNvSpPr txBox="1"/>
+          <p:nvPr/>
+        </p:nvSpPr>
+        <p:spPr>
+          <a:xfrm>
+            <a:off x="3338622" y="1103573"/>
+            <a:ext cx="1701209" cy="369332"/>
+          </a:xfrm>
+          <a:prstGeom prst="rect">
+            <a:avLst/>
+          </a:prstGeom>
+          <a:noFill/>
+          <a:ln>
+            <a:solidFill>
+              <a:schemeClr val="tx1"/>
+            </a:solidFill>
+          </a:ln>
+        </p:spPr>
+        <p:txBody>
+          <a:bodyPr wrap="square" rtlCol="0" anchor="ctr">
+            <a:spAutoFit/>
+          </a:bodyPr>
+          <a:lstStyle/>
+          <a:p>
+            <a:pPr algn="ctr"/>
+            <a:r>
+              <a:rPr lang="en-US" dirty="0">
+                <a:solidFill>
+                  <a:srgbClr val="C00000"/>
+                </a:solidFill>
+                <a:latin typeface="Roboto Light" panose="02000000000000000000" pitchFamily="2" charset="0"/>
+                <a:ea typeface="Roboto Light" panose="02000000000000000000" pitchFamily="2" charset="0"/>
+              </a:rPr>
+              <a:t>Users</a:t>
+            </a:r>
+          </a:p>
+        </p:txBody>
+      </p:sp>
+      <p:sp>
+        <p:nvSpPr>
+          <p:cNvPr id="48" name="TextBox 47">
+            <a:extLst>
+              <a:ext uri="{FF2B5EF4-FFF2-40B4-BE49-F238E27FC236}">
+                <a16:creationId xmlns:a16="http://schemas.microsoft.com/office/drawing/2014/main" id="{6D18DAFA-2F75-434A-913F-51C143F87737}"/>
+              </a:ext>
+            </a:extLst>
+          </p:cNvPr>
+          <p:cNvSpPr txBox="1"/>
+          <p:nvPr/>
+        </p:nvSpPr>
+        <p:spPr>
+          <a:xfrm>
+            <a:off x="9916518" y="5295366"/>
+            <a:ext cx="783847" cy="338554"/>
+          </a:xfrm>
+          <a:prstGeom prst="rect">
+            <a:avLst/>
+          </a:prstGeom>
+          <a:noFill/>
+          <a:ln>
+            <a:solidFill>
+              <a:schemeClr val="accent3"/>
+            </a:solidFill>
+          </a:ln>
+        </p:spPr>
+        <p:txBody>
+          <a:bodyPr wrap="square" rtlCol="0">
+            <a:spAutoFit/>
+          </a:bodyPr>
+          <a:lstStyle/>
+          <a:p>
+            <a:pPr algn="ctr"/>
+            <a:r>
+              <a:rPr lang="en-US" sz="1600" dirty="0">
+                <a:solidFill>
+                  <a:schemeClr val="accent3"/>
+                </a:solidFill>
+                <a:latin typeface="Roboto Light" panose="02000000000000000000" pitchFamily="2" charset="0"/>
+                <a:ea typeface="Roboto Light" panose="02000000000000000000" pitchFamily="2" charset="0"/>
+              </a:rPr>
+              <a:t>Close</a:t>
+            </a:r>
+          </a:p>
+        </p:txBody>
+      </p:sp>
+      <p:sp>
+        <p:nvSpPr>
+          <p:cNvPr id="50" name="Rectangle 49">
+            <a:extLst>
+              <a:ext uri="{FF2B5EF4-FFF2-40B4-BE49-F238E27FC236}">
+                <a16:creationId xmlns:a16="http://schemas.microsoft.com/office/drawing/2014/main" id="{8F272F39-C3C8-5045-9F09-431E10A6CF44}"/>
+              </a:ext>
+            </a:extLst>
+          </p:cNvPr>
+          <p:cNvSpPr/>
+          <p:nvPr/>
+        </p:nvSpPr>
+        <p:spPr>
+          <a:xfrm>
+            <a:off x="10516420" y="917499"/>
+            <a:ext cx="367890" cy="354959"/>
+          </a:xfrm>
+          <a:prstGeom prst="rect">
+            <a:avLst/>
+          </a:prstGeom>
+          <a:noFill/>
+          <a:ln>
+            <a:solidFill>
+              <a:schemeClr val="tx1"/>
+            </a:solidFill>
+          </a:ln>
+        </p:spPr>
+        <p:style>
+          <a:lnRef idx="2">
+            <a:schemeClr val="accent1">
+              <a:shade val="50000"/>
+            </a:schemeClr>
+          </a:lnRef>
+          <a:fillRef idx="1">
+            <a:schemeClr val="accent1"/>
+          </a:fillRef>
+          <a:effectRef idx="0">
+            <a:schemeClr val="accent1"/>
+          </a:effectRef>
+          <a:fontRef idx="minor">
+            <a:schemeClr val="lt1"/>
+          </a:fontRef>
+        </p:style>
+        <p:txBody>
+          <a:bodyPr rtlCol="0" anchor="ctr"/>
+          <a:lstStyle/>
+          <a:p>
+            <a:pPr algn="ctr"/>
+            <a:r>
+              <a:rPr lang="en-US" dirty="0">
+                <a:solidFill>
+                  <a:schemeClr val="tx1">
+                    <a:lumMod val="65000"/>
+                    <a:lumOff val="35000"/>
+                  </a:schemeClr>
+                </a:solidFill>
+              </a:rPr>
+              <a:t>X</a:t>
+            </a:r>
+          </a:p>
+        </p:txBody>
+      </p:sp>
+      <p:sp>
+        <p:nvSpPr>
+          <p:cNvPr id="60" name="TextBox 59">
+            <a:extLst>
+              <a:ext uri="{FF2B5EF4-FFF2-40B4-BE49-F238E27FC236}">
+                <a16:creationId xmlns:a16="http://schemas.microsoft.com/office/drawing/2014/main" id="{278EA7DF-FA66-F243-962C-8F86958B9B45}"/>
+              </a:ext>
+            </a:extLst>
+          </p:cNvPr>
+          <p:cNvSpPr txBox="1"/>
+          <p:nvPr/>
+        </p:nvSpPr>
+        <p:spPr>
+          <a:xfrm>
+            <a:off x="6741040" y="1105685"/>
+            <a:ext cx="2802213" cy="369332"/>
+          </a:xfrm>
+          <a:prstGeom prst="rect">
+            <a:avLst/>
+          </a:prstGeom>
+          <a:solidFill>
+            <a:schemeClr val="accent4">
+              <a:lumMod val="20000"/>
+              <a:lumOff val="80000"/>
+            </a:schemeClr>
+          </a:solidFill>
+          <a:ln>
+            <a:solidFill>
+              <a:schemeClr val="tx1"/>
+            </a:solidFill>
+          </a:ln>
+        </p:spPr>
+        <p:txBody>
+          <a:bodyPr wrap="square" rtlCol="0" anchor="ctr">
+            <a:spAutoFit/>
+          </a:bodyPr>
+          <a:lstStyle/>
+          <a:p>
+            <a:pPr algn="ctr"/>
+            <a:r>
+              <a:rPr lang="en-US" dirty="0">
+                <a:solidFill>
+                  <a:srgbClr val="C00000"/>
+                </a:solidFill>
+                <a:latin typeface="Roboto Light" panose="02000000000000000000" pitchFamily="2" charset="0"/>
+                <a:ea typeface="Roboto Light" panose="02000000000000000000" pitchFamily="2" charset="0"/>
+              </a:rPr>
+              <a:t>Privacy and Sharing</a:t>
+            </a:r>
+          </a:p>
+        </p:txBody>
+      </p:sp>
+      <p:grpSp>
+        <p:nvGrpSpPr>
+          <p:cNvPr id="26" name="Group 25">
+            <a:extLst>
+              <a:ext uri="{FF2B5EF4-FFF2-40B4-BE49-F238E27FC236}">
+                <a16:creationId xmlns:a16="http://schemas.microsoft.com/office/drawing/2014/main" id="{9920ECC2-9981-A045-8E19-6472CF415462}"/>
+              </a:ext>
+            </a:extLst>
+          </p:cNvPr>
+          <p:cNvGrpSpPr/>
+          <p:nvPr/>
+        </p:nvGrpSpPr>
+        <p:grpSpPr>
+          <a:xfrm>
+            <a:off x="1637413" y="1912097"/>
+            <a:ext cx="4236442" cy="629228"/>
+            <a:chOff x="1995948" y="2678668"/>
+            <a:chExt cx="4236442" cy="629228"/>
+          </a:xfrm>
+        </p:grpSpPr>
+        <p:sp>
+          <p:nvSpPr>
+            <p:cNvPr id="28" name="TextBox 27">
+              <a:extLst>
+                <a:ext uri="{FF2B5EF4-FFF2-40B4-BE49-F238E27FC236}">
+                  <a16:creationId xmlns:a16="http://schemas.microsoft.com/office/drawing/2014/main" id="{BF2BF247-18B5-2449-9681-CB07EFE63706}"/>
+                </a:ext>
+              </a:extLst>
+            </p:cNvPr>
+            <p:cNvSpPr txBox="1"/>
+            <p:nvPr/>
+          </p:nvSpPr>
+          <p:spPr>
+            <a:xfrm>
+              <a:off x="1995948" y="2969342"/>
+              <a:ext cx="4236442" cy="338554"/>
+            </a:xfrm>
+            <a:prstGeom prst="rect">
+              <a:avLst/>
+            </a:prstGeom>
+            <a:noFill/>
+            <a:ln>
+              <a:solidFill>
+                <a:schemeClr val="accent3"/>
+              </a:solidFill>
+            </a:ln>
+          </p:spPr>
+          <p:txBody>
+            <a:bodyPr wrap="square" rtlCol="0">
+              <a:spAutoFit/>
+            </a:bodyPr>
+            <a:lstStyle/>
+            <a:p>
+              <a:r>
+                <a:rPr lang="en-US" sz="1600" dirty="0">
+                  <a:latin typeface="Roboto Light" panose="02000000000000000000" pitchFamily="2" charset="0"/>
+                  <a:ea typeface="Roboto Light" panose="02000000000000000000" pitchFamily="2" charset="0"/>
+                </a:rPr>
+                <a:t>True locations</a:t>
+              </a:r>
+            </a:p>
+          </p:txBody>
+        </p:sp>
+        <p:sp>
+          <p:nvSpPr>
+            <p:cNvPr id="32" name="TextBox 31">
+              <a:extLst>
+                <a:ext uri="{FF2B5EF4-FFF2-40B4-BE49-F238E27FC236}">
+                  <a16:creationId xmlns:a16="http://schemas.microsoft.com/office/drawing/2014/main" id="{B5DBD750-F317-F948-9035-AAD3921CA8E1}"/>
+                </a:ext>
+              </a:extLst>
+            </p:cNvPr>
+            <p:cNvSpPr txBox="1"/>
+            <p:nvPr/>
+          </p:nvSpPr>
+          <p:spPr>
+            <a:xfrm>
+              <a:off x="1995948" y="2678668"/>
+              <a:ext cx="2470422" cy="261610"/>
+            </a:xfrm>
+            <a:prstGeom prst="rect">
+              <a:avLst/>
+            </a:prstGeom>
+            <a:noFill/>
+            <a:ln>
+              <a:noFill/>
+            </a:ln>
+          </p:spPr>
+          <p:txBody>
+            <a:bodyPr wrap="square" rtlCol="0">
+              <a:spAutoFit/>
+            </a:bodyPr>
+            <a:lstStyle/>
+            <a:p>
+              <a:r>
+                <a:rPr lang="en-US" sz="1100" dirty="0">
+                  <a:solidFill>
+                    <a:schemeClr val="tx2"/>
+                  </a:solidFill>
+                  <a:latin typeface="Roboto Medium" panose="02000000000000000000" pitchFamily="2" charset="0"/>
+                  <a:ea typeface="Roboto Medium" panose="02000000000000000000" pitchFamily="2" charset="0"/>
+                </a:rPr>
+                <a:t>Default buffers</a:t>
+              </a:r>
+            </a:p>
+          </p:txBody>
+        </p:sp>
+        <p:sp>
+          <p:nvSpPr>
+            <p:cNvPr id="33" name="Oval 32">
+              <a:extLst>
+                <a:ext uri="{FF2B5EF4-FFF2-40B4-BE49-F238E27FC236}">
+                  <a16:creationId xmlns:a16="http://schemas.microsoft.com/office/drawing/2014/main" id="{3EEE3E91-0800-504B-B5E9-153D452B9F7D}"/>
+                </a:ext>
+              </a:extLst>
+            </p:cNvPr>
+            <p:cNvSpPr/>
+            <p:nvPr/>
+          </p:nvSpPr>
+          <p:spPr>
+            <a:xfrm>
+              <a:off x="3059167" y="2706470"/>
+              <a:ext cx="186813" cy="182970"/>
+            </a:xfrm>
+            <a:prstGeom prst="ellipse">
+              <a:avLst/>
+            </a:prstGeom>
+            <a:solidFill>
+              <a:schemeClr val="accent4"/>
+            </a:solidFill>
+            <a:ln>
+              <a:solidFill>
+                <a:schemeClr val="bg1"/>
+              </a:solidFill>
+            </a:ln>
+          </p:spPr>
+          <p:style>
+            <a:lnRef idx="2">
+              <a:schemeClr val="accent1">
+                <a:shade val="50000"/>
+              </a:schemeClr>
+            </a:lnRef>
+            <a:fillRef idx="1">
+              <a:schemeClr val="accent1"/>
+            </a:fillRef>
+            <a:effectRef idx="0">
+              <a:schemeClr val="accent1"/>
+            </a:effectRef>
+            <a:fontRef idx="minor">
+              <a:schemeClr val="lt1"/>
+            </a:fontRef>
+          </p:style>
+          <p:txBody>
+            <a:bodyPr rtlCol="0" anchor="ctr"/>
+            <a:lstStyle/>
+            <a:p>
+              <a:pPr algn="ctr"/>
+              <a:endParaRPr lang="en-US" sz="1600">
+                <a:solidFill>
+                  <a:srgbClr val="FFC000"/>
+                </a:solidFill>
+                <a:latin typeface="Roboto Medium" panose="02000000000000000000" pitchFamily="2" charset="0"/>
+                <a:ea typeface="Roboto Medium" panose="02000000000000000000" pitchFamily="2" charset="0"/>
+              </a:endParaRPr>
+            </a:p>
+          </p:txBody>
+        </p:sp>
+      </p:grpSp>
+      <p:grpSp>
+        <p:nvGrpSpPr>
+          <p:cNvPr id="39" name="Group 38">
+            <a:extLst>
+              <a:ext uri="{FF2B5EF4-FFF2-40B4-BE49-F238E27FC236}">
+                <a16:creationId xmlns:a16="http://schemas.microsoft.com/office/drawing/2014/main" id="{19E6E8D7-0F0A-5541-97AD-5A638FB0E5DF}"/>
+              </a:ext>
+            </a:extLst>
+          </p:cNvPr>
+          <p:cNvGrpSpPr/>
+          <p:nvPr/>
+        </p:nvGrpSpPr>
+        <p:grpSpPr>
+          <a:xfrm>
+            <a:off x="1637413" y="2686008"/>
+            <a:ext cx="4236442" cy="629228"/>
+            <a:chOff x="1995948" y="2678668"/>
+            <a:chExt cx="4236442" cy="629228"/>
+          </a:xfrm>
+        </p:grpSpPr>
+        <p:sp>
+          <p:nvSpPr>
+            <p:cNvPr id="40" name="TextBox 39">
+              <a:extLst>
+                <a:ext uri="{FF2B5EF4-FFF2-40B4-BE49-F238E27FC236}">
+                  <a16:creationId xmlns:a16="http://schemas.microsoft.com/office/drawing/2014/main" id="{4A79D7B3-1E78-CB40-9619-9062732615BC}"/>
+                </a:ext>
+              </a:extLst>
+            </p:cNvPr>
+            <p:cNvSpPr txBox="1"/>
+            <p:nvPr/>
+          </p:nvSpPr>
+          <p:spPr>
+            <a:xfrm>
+              <a:off x="1995948" y="2969342"/>
+              <a:ext cx="4236442" cy="338554"/>
+            </a:xfrm>
+            <a:prstGeom prst="rect">
+              <a:avLst/>
+            </a:prstGeom>
+            <a:noFill/>
+            <a:ln>
+              <a:solidFill>
+                <a:schemeClr val="accent3"/>
+              </a:solidFill>
+            </a:ln>
+          </p:spPr>
+          <p:txBody>
+            <a:bodyPr wrap="square" rtlCol="0">
+              <a:spAutoFit/>
+            </a:bodyPr>
+            <a:lstStyle/>
+            <a:p>
+              <a:r>
+                <a:rPr lang="en-US" sz="1600" dirty="0">
+                  <a:latin typeface="Roboto Light" panose="02000000000000000000" pitchFamily="2" charset="0"/>
+                  <a:ea typeface="Roboto Light" panose="02000000000000000000" pitchFamily="2" charset="0"/>
+                </a:rPr>
+                <a:t>5500</a:t>
+              </a:r>
+            </a:p>
+          </p:txBody>
+        </p:sp>
+        <p:sp>
+          <p:nvSpPr>
+            <p:cNvPr id="55" name="TextBox 54">
+              <a:extLst>
+                <a:ext uri="{FF2B5EF4-FFF2-40B4-BE49-F238E27FC236}">
+                  <a16:creationId xmlns:a16="http://schemas.microsoft.com/office/drawing/2014/main" id="{1E38D694-3D04-0945-B686-0D00BE12737A}"/>
+                </a:ext>
+              </a:extLst>
+            </p:cNvPr>
+            <p:cNvSpPr txBox="1"/>
+            <p:nvPr/>
+          </p:nvSpPr>
+          <p:spPr>
+            <a:xfrm>
+              <a:off x="1995948" y="2678668"/>
+              <a:ext cx="2470422" cy="261610"/>
+            </a:xfrm>
+            <a:prstGeom prst="rect">
+              <a:avLst/>
+            </a:prstGeom>
+            <a:noFill/>
+            <a:ln>
+              <a:noFill/>
+            </a:ln>
+          </p:spPr>
+          <p:txBody>
+            <a:bodyPr wrap="square" rtlCol="0">
+              <a:spAutoFit/>
+            </a:bodyPr>
+            <a:lstStyle/>
+            <a:p>
+              <a:r>
+                <a:rPr lang="en-US" sz="1100" dirty="0">
+                  <a:solidFill>
+                    <a:schemeClr val="tx2"/>
+                  </a:solidFill>
+                  <a:latin typeface="Roboto Medium" panose="02000000000000000000" pitchFamily="2" charset="0"/>
+                  <a:ea typeface="Roboto Medium" panose="02000000000000000000" pitchFamily="2" charset="0"/>
+                </a:rPr>
+                <a:t>Buffer size (m)</a:t>
+              </a:r>
+            </a:p>
+          </p:txBody>
+        </p:sp>
+        <p:sp>
+          <p:nvSpPr>
+            <p:cNvPr id="56" name="Oval 55">
+              <a:extLst>
+                <a:ext uri="{FF2B5EF4-FFF2-40B4-BE49-F238E27FC236}">
+                  <a16:creationId xmlns:a16="http://schemas.microsoft.com/office/drawing/2014/main" id="{61D0A72C-9E2C-A941-AFCF-ED81A2DF6BF1}"/>
+                </a:ext>
+              </a:extLst>
+            </p:cNvPr>
+            <p:cNvSpPr/>
+            <p:nvPr/>
+          </p:nvSpPr>
+          <p:spPr>
+            <a:xfrm>
+              <a:off x="3060926" y="2698846"/>
+              <a:ext cx="186813" cy="182970"/>
+            </a:xfrm>
+            <a:prstGeom prst="ellipse">
+              <a:avLst/>
+            </a:prstGeom>
+            <a:solidFill>
+              <a:schemeClr val="accent4"/>
+            </a:solidFill>
+            <a:ln>
+              <a:solidFill>
+                <a:schemeClr val="bg1"/>
+              </a:solidFill>
+            </a:ln>
+          </p:spPr>
+          <p:style>
+            <a:lnRef idx="2">
+              <a:schemeClr val="accent1">
+                <a:shade val="50000"/>
+              </a:schemeClr>
+            </a:lnRef>
+            <a:fillRef idx="1">
+              <a:schemeClr val="accent1"/>
+            </a:fillRef>
+            <a:effectRef idx="0">
+              <a:schemeClr val="accent1"/>
+            </a:effectRef>
+            <a:fontRef idx="minor">
+              <a:schemeClr val="lt1"/>
+            </a:fontRef>
+          </p:style>
+          <p:txBody>
+            <a:bodyPr rtlCol="0" anchor="ctr"/>
+            <a:lstStyle/>
+            <a:p>
+              <a:pPr algn="ctr"/>
+              <a:endParaRPr lang="en-US" sz="1600">
+                <a:solidFill>
+                  <a:srgbClr val="FFC000"/>
+                </a:solidFill>
+                <a:latin typeface="Roboto Medium" panose="02000000000000000000" pitchFamily="2" charset="0"/>
+                <a:ea typeface="Roboto Medium" panose="02000000000000000000" pitchFamily="2" charset="0"/>
+              </a:endParaRPr>
+            </a:p>
+          </p:txBody>
+        </p:sp>
+      </p:grpSp>
+      <p:grpSp>
+        <p:nvGrpSpPr>
+          <p:cNvPr id="57" name="Group 56">
+            <a:extLst>
+              <a:ext uri="{FF2B5EF4-FFF2-40B4-BE49-F238E27FC236}">
+                <a16:creationId xmlns:a16="http://schemas.microsoft.com/office/drawing/2014/main" id="{A95595EF-389B-1F49-A71A-8F5864BA9F50}"/>
+              </a:ext>
+            </a:extLst>
+          </p:cNvPr>
+          <p:cNvGrpSpPr/>
+          <p:nvPr/>
+        </p:nvGrpSpPr>
+        <p:grpSpPr>
+          <a:xfrm>
+            <a:off x="1637413" y="3439814"/>
+            <a:ext cx="4236442" cy="629228"/>
+            <a:chOff x="1995948" y="2678668"/>
+            <a:chExt cx="4236442" cy="629228"/>
+          </a:xfrm>
+        </p:grpSpPr>
+        <p:sp>
+          <p:nvSpPr>
+            <p:cNvPr id="58" name="TextBox 57">
+              <a:extLst>
+                <a:ext uri="{FF2B5EF4-FFF2-40B4-BE49-F238E27FC236}">
+                  <a16:creationId xmlns:a16="http://schemas.microsoft.com/office/drawing/2014/main" id="{86FE739C-2C23-E049-BB07-DF0B20020B4F}"/>
+                </a:ext>
+              </a:extLst>
+            </p:cNvPr>
+            <p:cNvSpPr txBox="1"/>
+            <p:nvPr/>
+          </p:nvSpPr>
+          <p:spPr>
+            <a:xfrm>
+              <a:off x="1995948" y="2969342"/>
+              <a:ext cx="4236442" cy="338554"/>
+            </a:xfrm>
+            <a:prstGeom prst="rect">
+              <a:avLst/>
+            </a:prstGeom>
+            <a:noFill/>
+            <a:ln>
+              <a:solidFill>
+                <a:schemeClr val="accent3"/>
+              </a:solidFill>
+            </a:ln>
+          </p:spPr>
+          <p:txBody>
+            <a:bodyPr wrap="square" rtlCol="0">
+              <a:spAutoFit/>
+            </a:bodyPr>
+            <a:lstStyle/>
+            <a:p>
+              <a:r>
+                <a:rPr lang="en-US" sz="1600" dirty="0">
+                  <a:latin typeface="Roboto Light" panose="02000000000000000000" pitchFamily="2" charset="0"/>
+                  <a:ea typeface="Roboto Light" panose="02000000000000000000" pitchFamily="2" charset="0"/>
+                </a:rPr>
+                <a:t>Yes</a:t>
+              </a:r>
+            </a:p>
+          </p:txBody>
+        </p:sp>
+        <p:sp>
+          <p:nvSpPr>
+            <p:cNvPr id="59" name="TextBox 58">
+              <a:extLst>
+                <a:ext uri="{FF2B5EF4-FFF2-40B4-BE49-F238E27FC236}">
+                  <a16:creationId xmlns:a16="http://schemas.microsoft.com/office/drawing/2014/main" id="{0E141C5B-358C-4C49-89E3-B8C0E8745D0A}"/>
+                </a:ext>
+              </a:extLst>
+            </p:cNvPr>
+            <p:cNvSpPr txBox="1"/>
+            <p:nvPr/>
+          </p:nvSpPr>
+          <p:spPr>
+            <a:xfrm>
+              <a:off x="1995948" y="2678668"/>
+              <a:ext cx="2470422" cy="261610"/>
+            </a:xfrm>
+            <a:prstGeom prst="rect">
+              <a:avLst/>
+            </a:prstGeom>
+            <a:noFill/>
+            <a:ln>
+              <a:noFill/>
+            </a:ln>
+          </p:spPr>
+          <p:txBody>
+            <a:bodyPr wrap="square" rtlCol="0">
+              <a:spAutoFit/>
+            </a:bodyPr>
+            <a:lstStyle/>
+            <a:p>
+              <a:r>
+                <a:rPr lang="en-US" sz="1100" dirty="0">
+                  <a:solidFill>
+                    <a:schemeClr val="tx2"/>
+                  </a:solidFill>
+                  <a:latin typeface="Roboto Medium" panose="02000000000000000000" pitchFamily="2" charset="0"/>
+                  <a:ea typeface="Roboto Medium" panose="02000000000000000000" pitchFamily="2" charset="0"/>
+                </a:rPr>
+                <a:t>Allow Location Reports</a:t>
+              </a:r>
+            </a:p>
+          </p:txBody>
+        </p:sp>
+        <p:sp>
+          <p:nvSpPr>
+            <p:cNvPr id="61" name="Oval 60">
+              <a:extLst>
+                <a:ext uri="{FF2B5EF4-FFF2-40B4-BE49-F238E27FC236}">
+                  <a16:creationId xmlns:a16="http://schemas.microsoft.com/office/drawing/2014/main" id="{B21778AD-E955-8C4B-A95C-B264B65E358E}"/>
+                </a:ext>
+              </a:extLst>
+            </p:cNvPr>
+            <p:cNvSpPr/>
+            <p:nvPr/>
+          </p:nvSpPr>
+          <p:spPr>
+            <a:xfrm>
+              <a:off x="3603750" y="2716633"/>
+              <a:ext cx="186813" cy="182970"/>
+            </a:xfrm>
+            <a:prstGeom prst="ellipse">
+              <a:avLst/>
+            </a:prstGeom>
+            <a:solidFill>
+              <a:schemeClr val="accent4"/>
+            </a:solidFill>
+            <a:ln>
+              <a:solidFill>
+                <a:schemeClr val="bg1"/>
+              </a:solidFill>
+            </a:ln>
+          </p:spPr>
+          <p:style>
+            <a:lnRef idx="2">
+              <a:schemeClr val="accent1">
+                <a:shade val="50000"/>
+              </a:schemeClr>
+            </a:lnRef>
+            <a:fillRef idx="1">
+              <a:schemeClr val="accent1"/>
+            </a:fillRef>
+            <a:effectRef idx="0">
+              <a:schemeClr val="accent1"/>
+            </a:effectRef>
+            <a:fontRef idx="minor">
+              <a:schemeClr val="lt1"/>
+            </a:fontRef>
+          </p:style>
+          <p:txBody>
+            <a:bodyPr rtlCol="0" anchor="ctr"/>
+            <a:lstStyle/>
+            <a:p>
+              <a:pPr algn="ctr"/>
+              <a:endParaRPr lang="en-US" sz="1600">
+                <a:solidFill>
+                  <a:srgbClr val="FFC000"/>
+                </a:solidFill>
+                <a:latin typeface="Roboto Medium" panose="02000000000000000000" pitchFamily="2" charset="0"/>
+                <a:ea typeface="Roboto Medium" panose="02000000000000000000" pitchFamily="2" charset="0"/>
+              </a:endParaRPr>
+            </a:p>
+          </p:txBody>
+        </p:sp>
+      </p:grpSp>
+      <p:grpSp>
+        <p:nvGrpSpPr>
+          <p:cNvPr id="62" name="Group 61">
+            <a:extLst>
+              <a:ext uri="{FF2B5EF4-FFF2-40B4-BE49-F238E27FC236}">
+                <a16:creationId xmlns:a16="http://schemas.microsoft.com/office/drawing/2014/main" id="{39740F28-9C26-3C40-8517-2FCFC4CEC512}"/>
+              </a:ext>
+            </a:extLst>
+          </p:cNvPr>
+          <p:cNvGrpSpPr/>
+          <p:nvPr/>
+        </p:nvGrpSpPr>
+        <p:grpSpPr>
+          <a:xfrm>
+            <a:off x="6260861" y="1888157"/>
+            <a:ext cx="4236442" cy="629228"/>
+            <a:chOff x="1995948" y="2678668"/>
+            <a:chExt cx="4236442" cy="629228"/>
+          </a:xfrm>
+        </p:grpSpPr>
+        <p:sp>
+          <p:nvSpPr>
+            <p:cNvPr id="63" name="TextBox 62">
+              <a:extLst>
+                <a:ext uri="{FF2B5EF4-FFF2-40B4-BE49-F238E27FC236}">
+                  <a16:creationId xmlns:a16="http://schemas.microsoft.com/office/drawing/2014/main" id="{69453A36-7F3B-2B4C-A5AF-96038B8B604D}"/>
+                </a:ext>
+              </a:extLst>
+            </p:cNvPr>
+            <p:cNvSpPr txBox="1"/>
+            <p:nvPr/>
+          </p:nvSpPr>
+          <p:spPr>
+            <a:xfrm>
+              <a:off x="1995948" y="2969342"/>
+              <a:ext cx="4236442" cy="338554"/>
+            </a:xfrm>
+            <a:prstGeom prst="rect">
+              <a:avLst/>
+            </a:prstGeom>
+            <a:noFill/>
+            <a:ln>
+              <a:solidFill>
+                <a:schemeClr val="accent3"/>
+              </a:solidFill>
+            </a:ln>
+          </p:spPr>
+          <p:txBody>
+            <a:bodyPr wrap="square" rtlCol="0">
+              <a:spAutoFit/>
+            </a:bodyPr>
+            <a:lstStyle/>
+            <a:p>
+              <a:r>
+                <a:rPr lang="en-US" sz="1600" dirty="0">
+                  <a:latin typeface="Roboto Light" panose="02000000000000000000" pitchFamily="2" charset="0"/>
+                  <a:ea typeface="Roboto Light" panose="02000000000000000000" pitchFamily="2" charset="0"/>
+                </a:rPr>
+                <a:t>Yes</a:t>
+              </a:r>
+            </a:p>
+          </p:txBody>
+        </p:sp>
+        <p:sp>
+          <p:nvSpPr>
+            <p:cNvPr id="64" name="TextBox 63">
+              <a:extLst>
+                <a:ext uri="{FF2B5EF4-FFF2-40B4-BE49-F238E27FC236}">
+                  <a16:creationId xmlns:a16="http://schemas.microsoft.com/office/drawing/2014/main" id="{0DA5462F-93C6-F54B-92D0-411D3F0C46DB}"/>
+                </a:ext>
+              </a:extLst>
+            </p:cNvPr>
+            <p:cNvSpPr txBox="1"/>
+            <p:nvPr/>
+          </p:nvSpPr>
+          <p:spPr>
+            <a:xfrm>
+              <a:off x="1995948" y="2678668"/>
+              <a:ext cx="2470422" cy="261610"/>
+            </a:xfrm>
+            <a:prstGeom prst="rect">
+              <a:avLst/>
+            </a:prstGeom>
+            <a:noFill/>
+            <a:ln>
+              <a:noFill/>
+            </a:ln>
+          </p:spPr>
+          <p:txBody>
+            <a:bodyPr wrap="square" rtlCol="0">
+              <a:spAutoFit/>
+            </a:bodyPr>
+            <a:lstStyle/>
+            <a:p>
+              <a:r>
+                <a:rPr lang="en-US" sz="1100" dirty="0">
+                  <a:solidFill>
+                    <a:schemeClr val="tx2"/>
+                  </a:solidFill>
+                  <a:latin typeface="Roboto Medium" panose="02000000000000000000" pitchFamily="2" charset="0"/>
+                  <a:ea typeface="Roboto Medium" panose="02000000000000000000" pitchFamily="2" charset="0"/>
+                </a:rPr>
+                <a:t>Image Human Blurring</a:t>
+              </a:r>
+            </a:p>
+          </p:txBody>
+        </p:sp>
+        <p:sp>
+          <p:nvSpPr>
+            <p:cNvPr id="65" name="Oval 64">
+              <a:extLst>
+                <a:ext uri="{FF2B5EF4-FFF2-40B4-BE49-F238E27FC236}">
+                  <a16:creationId xmlns:a16="http://schemas.microsoft.com/office/drawing/2014/main" id="{431D3941-3588-6947-934E-F72BA6775E5C}"/>
+                </a:ext>
+              </a:extLst>
+            </p:cNvPr>
+            <p:cNvSpPr/>
+            <p:nvPr/>
+          </p:nvSpPr>
+          <p:spPr>
+            <a:xfrm>
+              <a:off x="3603750" y="2716633"/>
+              <a:ext cx="186813" cy="182970"/>
+            </a:xfrm>
+            <a:prstGeom prst="ellipse">
+              <a:avLst/>
+            </a:prstGeom>
+            <a:solidFill>
+              <a:schemeClr val="accent4"/>
+            </a:solidFill>
+            <a:ln>
+              <a:solidFill>
+                <a:schemeClr val="bg1"/>
+              </a:solidFill>
+            </a:ln>
+          </p:spPr>
+          <p:style>
+            <a:lnRef idx="2">
+              <a:schemeClr val="accent1">
+                <a:shade val="50000"/>
+              </a:schemeClr>
+            </a:lnRef>
+            <a:fillRef idx="1">
+              <a:schemeClr val="accent1"/>
+            </a:fillRef>
+            <a:effectRef idx="0">
+              <a:schemeClr val="accent1"/>
+            </a:effectRef>
+            <a:fontRef idx="minor">
+              <a:schemeClr val="lt1"/>
+            </a:fontRef>
+          </p:style>
+          <p:txBody>
+            <a:bodyPr rtlCol="0" anchor="ctr"/>
+            <a:lstStyle/>
+            <a:p>
+              <a:pPr algn="ctr"/>
+              <a:endParaRPr lang="en-US" sz="1600">
+                <a:solidFill>
+                  <a:srgbClr val="FFC000"/>
+                </a:solidFill>
+                <a:latin typeface="Roboto Medium" panose="02000000000000000000" pitchFamily="2" charset="0"/>
+                <a:ea typeface="Roboto Medium" panose="02000000000000000000" pitchFamily="2" charset="0"/>
+              </a:endParaRPr>
+            </a:p>
+          </p:txBody>
+        </p:sp>
+      </p:grpSp>
+      <p:grpSp>
+        <p:nvGrpSpPr>
+          <p:cNvPr id="66" name="Group 65">
+            <a:extLst>
+              <a:ext uri="{FF2B5EF4-FFF2-40B4-BE49-F238E27FC236}">
+                <a16:creationId xmlns:a16="http://schemas.microsoft.com/office/drawing/2014/main" id="{6A446C09-2F58-244E-B150-FB73EF160C26}"/>
+              </a:ext>
+            </a:extLst>
+          </p:cNvPr>
+          <p:cNvGrpSpPr/>
+          <p:nvPr/>
+        </p:nvGrpSpPr>
+        <p:grpSpPr>
+          <a:xfrm>
+            <a:off x="1620369" y="4462206"/>
+            <a:ext cx="2470422" cy="699196"/>
+            <a:chOff x="1995948" y="2678668"/>
+            <a:chExt cx="2470422" cy="699196"/>
+          </a:xfrm>
+        </p:grpSpPr>
+        <p:sp>
+          <p:nvSpPr>
+            <p:cNvPr id="67" name="TextBox 66">
+              <a:extLst>
+                <a:ext uri="{FF2B5EF4-FFF2-40B4-BE49-F238E27FC236}">
+                  <a16:creationId xmlns:a16="http://schemas.microsoft.com/office/drawing/2014/main" id="{263EB6F3-F88B-4540-85EC-DB17EAB80623}"/>
+                </a:ext>
+              </a:extLst>
+            </p:cNvPr>
+            <p:cNvSpPr txBox="1"/>
+            <p:nvPr/>
+          </p:nvSpPr>
+          <p:spPr>
+            <a:xfrm>
+              <a:off x="2012992" y="3039310"/>
+              <a:ext cx="1811659" cy="338554"/>
+            </a:xfrm>
+            <a:prstGeom prst="rect">
+              <a:avLst/>
+            </a:prstGeom>
+            <a:noFill/>
+            <a:ln>
+              <a:solidFill>
+                <a:schemeClr val="accent3"/>
+              </a:solidFill>
+            </a:ln>
+          </p:spPr>
+          <p:txBody>
+            <a:bodyPr wrap="square" rtlCol="0">
+              <a:spAutoFit/>
+            </a:bodyPr>
+            <a:lstStyle/>
+            <a:p>
+              <a:r>
+                <a:rPr lang="en-US" sz="1600" dirty="0">
+                  <a:latin typeface="Roboto Light" panose="02000000000000000000" pitchFamily="2" charset="0"/>
+                  <a:ea typeface="Roboto Light" panose="02000000000000000000" pitchFamily="2" charset="0"/>
+                </a:rPr>
+                <a:t>Yes</a:t>
+              </a:r>
+            </a:p>
+          </p:txBody>
+        </p:sp>
+        <p:sp>
+          <p:nvSpPr>
+            <p:cNvPr id="68" name="TextBox 67">
+              <a:extLst>
+                <a:ext uri="{FF2B5EF4-FFF2-40B4-BE49-F238E27FC236}">
+                  <a16:creationId xmlns:a16="http://schemas.microsoft.com/office/drawing/2014/main" id="{B3DBD9A5-822C-8047-9902-0F3EFBFFCB46}"/>
+                </a:ext>
+              </a:extLst>
+            </p:cNvPr>
+            <p:cNvSpPr txBox="1"/>
+            <p:nvPr/>
+          </p:nvSpPr>
+          <p:spPr>
+            <a:xfrm>
+              <a:off x="1995948" y="2678668"/>
+              <a:ext cx="2470422" cy="261610"/>
+            </a:xfrm>
+            <a:prstGeom prst="rect">
+              <a:avLst/>
+            </a:prstGeom>
+            <a:noFill/>
+            <a:ln>
+              <a:noFill/>
+            </a:ln>
+          </p:spPr>
+          <p:txBody>
+            <a:bodyPr wrap="square" rtlCol="0">
+              <a:spAutoFit/>
+            </a:bodyPr>
+            <a:lstStyle/>
+            <a:p>
+              <a:r>
+                <a:rPr lang="en-US" sz="1100" dirty="0">
+                  <a:solidFill>
+                    <a:schemeClr val="tx2"/>
+                  </a:solidFill>
+                  <a:latin typeface="Roboto Medium" panose="02000000000000000000" pitchFamily="2" charset="0"/>
+                  <a:ea typeface="Roboto Medium" panose="02000000000000000000" pitchFamily="2" charset="0"/>
+                </a:rPr>
+                <a:t>Share my media with </a:t>
+              </a:r>
+              <a:r>
+                <a:rPr lang="en-US" sz="1100" dirty="0" err="1">
+                  <a:solidFill>
+                    <a:schemeClr val="tx2"/>
+                  </a:solidFill>
+                  <a:latin typeface="Roboto Medium" panose="02000000000000000000" pitchFamily="2" charset="0"/>
+                  <a:ea typeface="Roboto Medium" panose="02000000000000000000" pitchFamily="2" charset="0"/>
+                </a:rPr>
+                <a:t>NextCloud</a:t>
+              </a:r>
+              <a:r>
+                <a:rPr lang="en-US" sz="1100" dirty="0">
+                  <a:solidFill>
+                    <a:schemeClr val="tx2"/>
+                  </a:solidFill>
+                  <a:latin typeface="Roboto Medium" panose="02000000000000000000" pitchFamily="2" charset="0"/>
+                  <a:ea typeface="Roboto Medium" panose="02000000000000000000" pitchFamily="2" charset="0"/>
+                </a:rPr>
+                <a:t>?</a:t>
+              </a:r>
+            </a:p>
+          </p:txBody>
+        </p:sp>
+        <p:sp>
+          <p:nvSpPr>
+            <p:cNvPr id="69" name="Oval 68">
+              <a:extLst>
+                <a:ext uri="{FF2B5EF4-FFF2-40B4-BE49-F238E27FC236}">
+                  <a16:creationId xmlns:a16="http://schemas.microsoft.com/office/drawing/2014/main" id="{3D03AD54-A018-4442-9C32-E7EC39CA062F}"/>
+                </a:ext>
+              </a:extLst>
+            </p:cNvPr>
+            <p:cNvSpPr/>
+            <p:nvPr/>
+          </p:nvSpPr>
+          <p:spPr>
+            <a:xfrm>
+              <a:off x="4198515" y="2716633"/>
+              <a:ext cx="186813" cy="182970"/>
+            </a:xfrm>
+            <a:prstGeom prst="ellipse">
+              <a:avLst/>
+            </a:prstGeom>
+            <a:solidFill>
+              <a:schemeClr val="accent4"/>
+            </a:solidFill>
+            <a:ln>
+              <a:solidFill>
+                <a:schemeClr val="bg1"/>
+              </a:solidFill>
+            </a:ln>
+          </p:spPr>
+          <p:style>
+            <a:lnRef idx="2">
+              <a:schemeClr val="accent1">
+                <a:shade val="50000"/>
+              </a:schemeClr>
+            </a:lnRef>
+            <a:fillRef idx="1">
+              <a:schemeClr val="accent1"/>
+            </a:fillRef>
+            <a:effectRef idx="0">
+              <a:schemeClr val="accent1"/>
+            </a:effectRef>
+            <a:fontRef idx="minor">
+              <a:schemeClr val="lt1"/>
+            </a:fontRef>
+          </p:style>
+          <p:txBody>
+            <a:bodyPr rtlCol="0" anchor="ctr"/>
+            <a:lstStyle/>
+            <a:p>
+              <a:pPr algn="ctr"/>
+              <a:endParaRPr lang="en-US" sz="1600">
+                <a:solidFill>
+                  <a:srgbClr val="FFC000"/>
+                </a:solidFill>
+                <a:latin typeface="Roboto Medium" panose="02000000000000000000" pitchFamily="2" charset="0"/>
+                <a:ea typeface="Roboto Medium" panose="02000000000000000000" pitchFamily="2" charset="0"/>
+              </a:endParaRPr>
+            </a:p>
+          </p:txBody>
+        </p:sp>
+      </p:grpSp>
+      <p:grpSp>
+        <p:nvGrpSpPr>
+          <p:cNvPr id="70" name="Group 69">
+            <a:extLst>
+              <a:ext uri="{FF2B5EF4-FFF2-40B4-BE49-F238E27FC236}">
+                <a16:creationId xmlns:a16="http://schemas.microsoft.com/office/drawing/2014/main" id="{7B4B5063-3BAD-9C49-865A-9E1EE1A9DBE6}"/>
+              </a:ext>
+            </a:extLst>
+          </p:cNvPr>
+          <p:cNvGrpSpPr/>
+          <p:nvPr/>
+        </p:nvGrpSpPr>
+        <p:grpSpPr>
+          <a:xfrm>
+            <a:off x="4456276" y="4508234"/>
+            <a:ext cx="3196622" cy="638038"/>
+            <a:chOff x="1995948" y="2678668"/>
+            <a:chExt cx="2470422" cy="638038"/>
+          </a:xfrm>
+        </p:grpSpPr>
+        <p:sp>
+          <p:nvSpPr>
+            <p:cNvPr id="71" name="TextBox 70">
+              <a:extLst>
+                <a:ext uri="{FF2B5EF4-FFF2-40B4-BE49-F238E27FC236}">
+                  <a16:creationId xmlns:a16="http://schemas.microsoft.com/office/drawing/2014/main" id="{586F871E-B404-4046-A214-845A92A91167}"/>
+                </a:ext>
+              </a:extLst>
+            </p:cNvPr>
+            <p:cNvSpPr txBox="1"/>
+            <p:nvPr/>
+          </p:nvSpPr>
+          <p:spPr>
+            <a:xfrm>
+              <a:off x="1995948" y="2978152"/>
+              <a:ext cx="1950629" cy="338554"/>
+            </a:xfrm>
+            <a:prstGeom prst="rect">
+              <a:avLst/>
+            </a:prstGeom>
+            <a:noFill/>
+            <a:ln>
+              <a:solidFill>
+                <a:schemeClr val="accent3"/>
+              </a:solidFill>
+            </a:ln>
+          </p:spPr>
+          <p:txBody>
+            <a:bodyPr wrap="square" rtlCol="0">
+              <a:spAutoFit/>
+            </a:bodyPr>
+            <a:lstStyle/>
+            <a:p>
+              <a:r>
+                <a:rPr lang="en-US" sz="1600" dirty="0">
+                  <a:latin typeface="Roboto Light" panose="02000000000000000000" pitchFamily="2" charset="0"/>
+                  <a:ea typeface="Roboto Light" panose="02000000000000000000" pitchFamily="2" charset="0"/>
+                </a:rPr>
+                <a:t>Yes</a:t>
+              </a:r>
+            </a:p>
+          </p:txBody>
+        </p:sp>
+        <p:sp>
+          <p:nvSpPr>
+            <p:cNvPr id="72" name="TextBox 71">
+              <a:extLst>
+                <a:ext uri="{FF2B5EF4-FFF2-40B4-BE49-F238E27FC236}">
+                  <a16:creationId xmlns:a16="http://schemas.microsoft.com/office/drawing/2014/main" id="{0B356F00-9853-0948-894D-C8DCADFAB614}"/>
+                </a:ext>
+              </a:extLst>
+            </p:cNvPr>
+            <p:cNvSpPr txBox="1"/>
+            <p:nvPr/>
+          </p:nvSpPr>
+          <p:spPr>
+            <a:xfrm>
+              <a:off x="1995948" y="2678668"/>
+              <a:ext cx="2470422" cy="430887"/>
+            </a:xfrm>
+            <a:prstGeom prst="rect">
+              <a:avLst/>
+            </a:prstGeom>
+            <a:noFill/>
+            <a:ln>
+              <a:noFill/>
+            </a:ln>
+          </p:spPr>
+          <p:txBody>
+            <a:bodyPr wrap="square" rtlCol="0">
+              <a:spAutoFit/>
+            </a:bodyPr>
+            <a:lstStyle/>
+            <a:p>
+              <a:r>
+                <a:rPr lang="en-US" sz="1100" dirty="0">
+                  <a:solidFill>
+                    <a:schemeClr val="tx2"/>
+                  </a:solidFill>
+                  <a:latin typeface="Roboto Medium" panose="02000000000000000000" pitchFamily="2" charset="0"/>
+                  <a:ea typeface="Roboto Medium" panose="02000000000000000000" pitchFamily="2" charset="0"/>
+                </a:rPr>
+                <a:t>Share my Projects with </a:t>
+              </a:r>
+              <a:r>
+                <a:rPr lang="en-US" sz="1100" dirty="0" err="1">
+                  <a:solidFill>
+                    <a:schemeClr val="tx2"/>
+                  </a:solidFill>
+                  <a:latin typeface="Roboto Medium" panose="02000000000000000000" pitchFamily="2" charset="0"/>
+                  <a:ea typeface="Roboto Medium" panose="02000000000000000000" pitchFamily="2" charset="0"/>
+                </a:rPr>
+                <a:t>NatureCounts</a:t>
+              </a:r>
+              <a:r>
+                <a:rPr lang="en-US" sz="1100" dirty="0">
+                  <a:solidFill>
+                    <a:schemeClr val="tx2"/>
+                  </a:solidFill>
+                  <a:latin typeface="Roboto Medium" panose="02000000000000000000" pitchFamily="2" charset="0"/>
+                  <a:ea typeface="Roboto Medium" panose="02000000000000000000" pitchFamily="2" charset="0"/>
+                </a:rPr>
+                <a:t>?</a:t>
+              </a:r>
+            </a:p>
+          </p:txBody>
+        </p:sp>
+        <p:sp>
+          <p:nvSpPr>
+            <p:cNvPr id="73" name="Oval 72">
+              <a:extLst>
+                <a:ext uri="{FF2B5EF4-FFF2-40B4-BE49-F238E27FC236}">
+                  <a16:creationId xmlns:a16="http://schemas.microsoft.com/office/drawing/2014/main" id="{FE419897-FBE1-A244-A5C1-E6681EA57E1E}"/>
+                </a:ext>
+              </a:extLst>
+            </p:cNvPr>
+            <p:cNvSpPr/>
+            <p:nvPr/>
+          </p:nvSpPr>
+          <p:spPr>
+            <a:xfrm>
+              <a:off x="3968940" y="2719002"/>
+              <a:ext cx="135645" cy="170113"/>
+            </a:xfrm>
+            <a:prstGeom prst="ellipse">
+              <a:avLst/>
+            </a:prstGeom>
+            <a:solidFill>
+              <a:schemeClr val="accent4"/>
+            </a:solidFill>
+            <a:ln>
+              <a:solidFill>
+                <a:schemeClr val="bg1"/>
+              </a:solidFill>
+            </a:ln>
+          </p:spPr>
+          <p:style>
+            <a:lnRef idx="2">
+              <a:schemeClr val="accent1">
+                <a:shade val="50000"/>
+              </a:schemeClr>
+            </a:lnRef>
+            <a:fillRef idx="1">
+              <a:schemeClr val="accent1"/>
+            </a:fillRef>
+            <a:effectRef idx="0">
+              <a:schemeClr val="accent1"/>
+            </a:effectRef>
+            <a:fontRef idx="minor">
+              <a:schemeClr val="lt1"/>
+            </a:fontRef>
+          </p:style>
+          <p:txBody>
+            <a:bodyPr rtlCol="0" anchor="ctr"/>
+            <a:lstStyle/>
+            <a:p>
+              <a:pPr algn="ctr"/>
+              <a:endParaRPr lang="en-US" sz="1600">
+                <a:solidFill>
+                  <a:srgbClr val="FFC000"/>
+                </a:solidFill>
+                <a:latin typeface="Roboto Medium" panose="02000000000000000000" pitchFamily="2" charset="0"/>
+                <a:ea typeface="Roboto Medium" panose="02000000000000000000" pitchFamily="2" charset="0"/>
+              </a:endParaRPr>
+            </a:p>
+          </p:txBody>
+        </p:sp>
+      </p:grpSp>
+      <p:grpSp>
+        <p:nvGrpSpPr>
+          <p:cNvPr id="74" name="Group 73">
+            <a:extLst>
+              <a:ext uri="{FF2B5EF4-FFF2-40B4-BE49-F238E27FC236}">
+                <a16:creationId xmlns:a16="http://schemas.microsoft.com/office/drawing/2014/main" id="{CA7CDD6A-1957-1F46-AD7E-83E2A506A754}"/>
+              </a:ext>
+            </a:extLst>
+          </p:cNvPr>
+          <p:cNvGrpSpPr/>
+          <p:nvPr/>
+        </p:nvGrpSpPr>
+        <p:grpSpPr>
+          <a:xfrm>
+            <a:off x="6242636" y="2684706"/>
+            <a:ext cx="4236442" cy="629228"/>
+            <a:chOff x="1995948" y="2678668"/>
+            <a:chExt cx="4236442" cy="629228"/>
+          </a:xfrm>
+        </p:grpSpPr>
+        <p:sp>
+          <p:nvSpPr>
+            <p:cNvPr id="75" name="TextBox 74">
+              <a:extLst>
+                <a:ext uri="{FF2B5EF4-FFF2-40B4-BE49-F238E27FC236}">
+                  <a16:creationId xmlns:a16="http://schemas.microsoft.com/office/drawing/2014/main" id="{ACCD46E1-F6DB-2940-AF22-D0854A4B318E}"/>
+                </a:ext>
+              </a:extLst>
+            </p:cNvPr>
+            <p:cNvSpPr txBox="1"/>
+            <p:nvPr/>
+          </p:nvSpPr>
+          <p:spPr>
+            <a:xfrm>
+              <a:off x="1995948" y="2969342"/>
+              <a:ext cx="4236442" cy="338554"/>
+            </a:xfrm>
+            <a:prstGeom prst="rect">
+              <a:avLst/>
+            </a:prstGeom>
+            <a:noFill/>
+            <a:ln>
+              <a:solidFill>
+                <a:schemeClr val="accent3"/>
+              </a:solidFill>
+            </a:ln>
+          </p:spPr>
+          <p:txBody>
+            <a:bodyPr wrap="square" rtlCol="0">
+              <a:spAutoFit/>
+            </a:bodyPr>
+            <a:lstStyle/>
+            <a:p>
+              <a:r>
+                <a:rPr lang="en-US" sz="1600" dirty="0">
+                  <a:latin typeface="Roboto Light" panose="02000000000000000000" pitchFamily="2" charset="0"/>
+                  <a:ea typeface="Roboto Light" panose="02000000000000000000" pitchFamily="2" charset="0"/>
+                </a:rPr>
+                <a:t>Public</a:t>
+              </a:r>
+            </a:p>
+          </p:txBody>
+        </p:sp>
+        <p:sp>
+          <p:nvSpPr>
+            <p:cNvPr id="76" name="TextBox 75">
+              <a:extLst>
+                <a:ext uri="{FF2B5EF4-FFF2-40B4-BE49-F238E27FC236}">
+                  <a16:creationId xmlns:a16="http://schemas.microsoft.com/office/drawing/2014/main" id="{A4565118-C3AA-CA40-9494-3A60C2BDE0F7}"/>
+                </a:ext>
+              </a:extLst>
+            </p:cNvPr>
+            <p:cNvSpPr txBox="1"/>
+            <p:nvPr/>
+          </p:nvSpPr>
+          <p:spPr>
+            <a:xfrm>
+              <a:off x="1995948" y="2678668"/>
+              <a:ext cx="2470422" cy="261610"/>
+            </a:xfrm>
+            <a:prstGeom prst="rect">
+              <a:avLst/>
+            </a:prstGeom>
+            <a:noFill/>
+            <a:ln>
+              <a:noFill/>
+            </a:ln>
+          </p:spPr>
+          <p:txBody>
+            <a:bodyPr wrap="square" rtlCol="0">
+              <a:spAutoFit/>
+            </a:bodyPr>
+            <a:lstStyle/>
+            <a:p>
+              <a:r>
+                <a:rPr lang="en-US" sz="1100" dirty="0">
+                  <a:solidFill>
+                    <a:schemeClr val="tx2"/>
+                  </a:solidFill>
+                  <a:latin typeface="Roboto Medium" panose="02000000000000000000" pitchFamily="2" charset="0"/>
+                  <a:ea typeface="Roboto Medium" panose="02000000000000000000" pitchFamily="2" charset="0"/>
+                </a:rPr>
+                <a:t>Visit Images</a:t>
+              </a:r>
+            </a:p>
+          </p:txBody>
+        </p:sp>
+        <p:sp>
+          <p:nvSpPr>
+            <p:cNvPr id="77" name="Oval 76">
+              <a:extLst>
+                <a:ext uri="{FF2B5EF4-FFF2-40B4-BE49-F238E27FC236}">
+                  <a16:creationId xmlns:a16="http://schemas.microsoft.com/office/drawing/2014/main" id="{565CF4F8-FC3C-C14B-A94F-E350AD9842E5}"/>
+                </a:ext>
+              </a:extLst>
+            </p:cNvPr>
+            <p:cNvSpPr/>
+            <p:nvPr/>
+          </p:nvSpPr>
+          <p:spPr>
+            <a:xfrm>
+              <a:off x="3603750" y="2716633"/>
+              <a:ext cx="186813" cy="182970"/>
+            </a:xfrm>
+            <a:prstGeom prst="ellipse">
+              <a:avLst/>
+            </a:prstGeom>
+            <a:solidFill>
+              <a:schemeClr val="accent4"/>
+            </a:solidFill>
+            <a:ln>
+              <a:solidFill>
+                <a:schemeClr val="bg1"/>
+              </a:solidFill>
+            </a:ln>
+          </p:spPr>
+          <p:style>
+            <a:lnRef idx="2">
+              <a:schemeClr val="accent1">
+                <a:shade val="50000"/>
+              </a:schemeClr>
+            </a:lnRef>
+            <a:fillRef idx="1">
+              <a:schemeClr val="accent1"/>
+            </a:fillRef>
+            <a:effectRef idx="0">
+              <a:schemeClr val="accent1"/>
+            </a:effectRef>
+            <a:fontRef idx="minor">
+              <a:schemeClr val="lt1"/>
+            </a:fontRef>
+          </p:style>
+          <p:txBody>
+            <a:bodyPr rtlCol="0" anchor="ctr"/>
+            <a:lstStyle/>
+            <a:p>
+              <a:pPr algn="ctr"/>
+              <a:endParaRPr lang="en-US" sz="1600">
+                <a:solidFill>
+                  <a:srgbClr val="FFC000"/>
+                </a:solidFill>
+                <a:latin typeface="Roboto Medium" panose="02000000000000000000" pitchFamily="2" charset="0"/>
+                <a:ea typeface="Roboto Medium" panose="02000000000000000000" pitchFamily="2" charset="0"/>
+              </a:endParaRPr>
+            </a:p>
+          </p:txBody>
+        </p:sp>
+      </p:grpSp>
+      <p:sp>
+        <p:nvSpPr>
+          <p:cNvPr id="38" name="TextBox 37">
+            <a:extLst>
+              <a:ext uri="{FF2B5EF4-FFF2-40B4-BE49-F238E27FC236}">
+                <a16:creationId xmlns:a16="http://schemas.microsoft.com/office/drawing/2014/main" id="{73A7B07C-82A6-A949-8D52-74F84DD95571}"/>
+              </a:ext>
+            </a:extLst>
+          </p:cNvPr>
+          <p:cNvSpPr txBox="1"/>
+          <p:nvPr/>
+        </p:nvSpPr>
+        <p:spPr>
+          <a:xfrm>
+            <a:off x="1231900" y="248491"/>
+            <a:ext cx="6068291" cy="369332"/>
+          </a:xfrm>
+          <a:prstGeom prst="rect">
+            <a:avLst/>
+          </a:prstGeom>
+          <a:noFill/>
+        </p:spPr>
+        <p:txBody>
+          <a:bodyPr wrap="square" rtlCol="0">
+            <a:spAutoFit/>
+          </a:bodyPr>
+          <a:lstStyle/>
+          <a:p>
+            <a:r>
+              <a:rPr lang="en-US" dirty="0"/>
+              <a:t>Organization Settings</a:t>
+            </a:r>
+          </a:p>
+        </p:txBody>
+      </p:sp>
+    </p:spTree>
+    <p:extLst>
+      <p:ext uri="{BB962C8B-B14F-4D97-AF65-F5344CB8AC3E}">
+        <p14:creationId xmlns:p14="http://schemas.microsoft.com/office/powerpoint/2010/main" val="4034571515"/>
+      </p:ext>
+    </p:extLst>
+  </p:cSld>
+  <p:clrMapOvr>
+    <a:masterClrMapping/>
+  </p:clrMapOvr>
+</p:sld>
+</file>
+
+<file path=ppt/slides/slide6.xml><?xml version="1.0" encoding="utf-8"?>
+<p:sld xmlns:a="http://schemas.openxmlformats.org/drawingml/2006/main" xmlns:r="http://schemas.openxmlformats.org/officeDocument/2006/relationships" xmlns:p="http://schemas.openxmlformats.org/presentationml/2006/main">
+  <p:cSld>
+    <p:spTree>
+      <p:nvGrpSpPr>
+        <p:cNvPr id="1" name=""/>
+        <p:cNvGrpSpPr/>
+        <p:nvPr/>
+      </p:nvGrpSpPr>
+      <p:grpSpPr>
+        <a:xfrm>
+          <a:off x="0" y="0"/>
+          <a:ext cx="0" cy="0"/>
+          <a:chOff x="0" y="0"/>
+          <a:chExt cx="0" cy="0"/>
+        </a:xfrm>
+      </p:grpSpPr>
+    </p:spTree>
+    <p:extLst>
+      <p:ext uri="{BB962C8B-B14F-4D97-AF65-F5344CB8AC3E}">
+        <p14:creationId xmlns:p14="http://schemas.microsoft.com/office/powerpoint/2010/main" val="2924230326"/>
       </p:ext>
     </p:extLst>
   </p:cSld>
@@ -3259,7 +9577,7 @@
 <file path=ppt/theme/theme1.xml><?xml version="1.0" encoding="utf-8"?>
 <a:theme xmlns:a="http://schemas.openxmlformats.org/drawingml/2006/main" name="Office Theme">
   <a:themeElements>
-    <a:clrScheme name="Office Theme">
+    <a:clrScheme name="Office">
       <a:dk1>
         <a:sysClr val="windowText" lastClr="000000"/>
       </a:dk1>
@@ -3297,7 +9615,7 @@
         <a:srgbClr val="954F72"/>
       </a:folHlink>
     </a:clrScheme>
-    <a:fontScheme name="Office Theme">
+    <a:fontScheme name="Office">
       <a:majorFont>
         <a:latin typeface="Calibri Light" panose="020F0302020204030204"/>
         <a:ea typeface=""/>
@@ -3332,6 +9650,23 @@
         <a:font script="Viet" typeface="Times New Roman"/>
         <a:font script="Uigh" typeface="Microsoft Uighur"/>
         <a:font script="Geor" typeface="Sylfaen"/>
+        <a:font script="Armn" typeface="Arial"/>
+        <a:font script="Bugi" typeface="Leelawadee UI"/>
+        <a:font script="Bopo" typeface="Microsoft JhengHei"/>
+        <a:font script="Java" typeface="Javanese Text"/>
+        <a:font script="Lisu" typeface="Segoe UI"/>
+        <a:font script="Mymr" typeface="Myanmar Text"/>
+        <a:font script="Nkoo" typeface="Ebrima"/>
+        <a:font script="Olck" typeface="Nirmala UI"/>
+        <a:font script="Osma" typeface="Ebrima"/>
+        <a:font script="Phag" typeface="Phagspa"/>
+        <a:font script="Syrn" typeface="Estrangelo Edessa"/>
+        <a:font script="Syrj" typeface="Estrangelo Edessa"/>
+        <a:font script="Syre" typeface="Estrangelo Edessa"/>
+        <a:font script="Sora" typeface="Nirmala UI"/>
+        <a:font script="Tale" typeface="Microsoft Tai Le"/>
+        <a:font script="Talu" typeface="Microsoft New Tai Lue"/>
+        <a:font script="Tfng" typeface="Ebrima"/>
       </a:majorFont>
       <a:minorFont>
         <a:latin typeface="Calibri" panose="020F0502020204030204"/>
@@ -3367,9 +9702,26 @@
         <a:font script="Viet" typeface="Arial"/>
         <a:font script="Uigh" typeface="Microsoft Uighur"/>
         <a:font script="Geor" typeface="Sylfaen"/>
+        <a:font script="Armn" typeface="Arial"/>
+        <a:font script="Bugi" typeface="Leelawadee UI"/>
+        <a:font script="Bopo" typeface="Microsoft JhengHei"/>
+        <a:font script="Java" typeface="Javanese Text"/>
+        <a:font script="Lisu" typeface="Segoe UI"/>
+        <a:font script="Mymr" typeface="Myanmar Text"/>
+        <a:font script="Nkoo" typeface="Ebrima"/>
+        <a:font script="Olck" typeface="Nirmala UI"/>
+        <a:font script="Osma" typeface="Ebrima"/>
+        <a:font script="Phag" typeface="Phagspa"/>
+        <a:font script="Syrn" typeface="Estrangelo Edessa"/>
+        <a:font script="Syrj" typeface="Estrangelo Edessa"/>
+        <a:font script="Syre" typeface="Estrangelo Edessa"/>
+        <a:font script="Sora" typeface="Nirmala UI"/>
+        <a:font script="Tale" typeface="Microsoft Tai Le"/>
+        <a:font script="Talu" typeface="Microsoft New Tai Lue"/>
+        <a:font script="Tfng" typeface="Ebrima"/>
       </a:minorFont>
     </a:fontScheme>
-    <a:fmtScheme name="Office Theme">
+    <a:fmtScheme name="Office">
       <a:fillStyleLst>
         <a:solidFill>
           <a:schemeClr val="phClr"/>
